--- a/作図用_yy2.pptx
+++ b/作図用_yy2.pptx
@@ -5,10 +5,10 @@
     <p:sldMasterId id="2147483658" r:id="rId1"/>
   </p:sldMasterIdLst>
   <p:notesMasterIdLst>
-    <p:notesMasterId r:id="rId9"/>
+    <p:notesMasterId r:id="rId10"/>
   </p:notesMasterIdLst>
   <p:handoutMasterIdLst>
-    <p:handoutMasterId r:id="rId10"/>
+    <p:handoutMasterId r:id="rId11"/>
   </p:handoutMasterIdLst>
   <p:sldIdLst>
     <p:sldId id="258" r:id="rId2"/>
@@ -18,6 +18,7 @@
     <p:sldId id="261" r:id="rId6"/>
     <p:sldId id="263" r:id="rId7"/>
     <p:sldId id="264" r:id="rId8"/>
+    <p:sldId id="265" r:id="rId9"/>
   </p:sldIdLst>
   <p:sldSz cx="9144000" cy="6858000" type="screen4x3"/>
   <p:notesSz cx="6858000" cy="9144000"/>
@@ -128,6 +129,7 @@
             <p14:sldId id="261"/>
             <p14:sldId id="263"/>
             <p14:sldId id="264"/>
+            <p14:sldId id="265"/>
           </p14:sldIdLst>
         </p14:section>
       </p14:sectionLst>
@@ -287,7 +289,7 @@
             <a:fld id="{116CA9A1-49A5-4813-BE73-64411D697E83}" type="datetimeFigureOut">
               <a:rPr kumimoji="1" lang="ja-JP" altLang="en-US" smtClean="0"/>
               <a:pPr/>
-              <a:t>2022/8/31</a:t>
+              <a:t>2022/9/1</a:t>
             </a:fld>
             <a:endParaRPr kumimoji="1" lang="ja-JP" altLang="en-US"/>
           </a:p>
@@ -454,7 +456,7 @@
             <a:fld id="{BB218005-AB2E-4230-9CBF-EC876F8C3946}" type="datetimeFigureOut">
               <a:rPr kumimoji="1" lang="ja-JP" altLang="en-US" smtClean="0"/>
               <a:pPr/>
-              <a:t>2022/8/31</a:t>
+              <a:t>2022/9/1</a:t>
             </a:fld>
             <a:endParaRPr kumimoji="1" lang="ja-JP" altLang="en-US"/>
           </a:p>
@@ -25079,6 +25081,438 @@
 </p:sld>
 </file>
 
+<file path=ppt/slides/slide8.xml><?xml version="1.0" encoding="utf-8"?>
+<p:sld xmlns:a="http://schemas.openxmlformats.org/drawingml/2006/main" xmlns:r="http://schemas.openxmlformats.org/officeDocument/2006/relationships" xmlns:p="http://schemas.openxmlformats.org/presentationml/2006/main">
+  <p:cSld>
+    <p:spTree>
+      <p:nvGrpSpPr>
+        <p:cNvPr id="1" name=""/>
+        <p:cNvGrpSpPr/>
+        <p:nvPr/>
+      </p:nvGrpSpPr>
+      <p:grpSpPr>
+        <a:xfrm>
+          <a:off x="0" y="0"/>
+          <a:ext cx="0" cy="0"/>
+          <a:chOff x="0" y="0"/>
+          <a:chExt cx="0" cy="0"/>
+        </a:xfrm>
+      </p:grpSpPr>
+      <p:sp>
+        <p:nvSpPr>
+          <p:cNvPr id="2" name="スライド番号プレースホルダー 1">
+            <a:extLst>
+              <a:ext uri="{FF2B5EF4-FFF2-40B4-BE49-F238E27FC236}">
+                <a16:creationId xmlns:a16="http://schemas.microsoft.com/office/drawing/2014/main" id="{D29AF457-91EB-89A9-D96F-231727FA18DC}"/>
+              </a:ext>
+            </a:extLst>
+          </p:cNvPr>
+          <p:cNvSpPr>
+            <a:spLocks noGrp="1"/>
+          </p:cNvSpPr>
+          <p:nvPr>
+            <p:ph type="sldNum" sz="quarter" idx="4"/>
+          </p:nvPr>
+        </p:nvSpPr>
+        <p:spPr/>
+        <p:txBody>
+          <a:bodyPr/>
+          <a:lstStyle/>
+          <a:p>
+            <a:fld id="{FB3508C7-2FE0-4945-9CBD-863E05F850D2}" type="slidenum">
+              <a:rPr lang="ja-JP" altLang="en-US" smtClean="0"/>
+              <a:pPr/>
+              <a:t>7</a:t>
+            </a:fld>
+            <a:endParaRPr lang="ja-JP" altLang="en-US" dirty="0"/>
+          </a:p>
+        </p:txBody>
+      </p:sp>
+      <p:sp>
+        <p:nvSpPr>
+          <p:cNvPr id="3" name="フッター プレースホルダー 2">
+            <a:extLst>
+              <a:ext uri="{FF2B5EF4-FFF2-40B4-BE49-F238E27FC236}">
+                <a16:creationId xmlns:a16="http://schemas.microsoft.com/office/drawing/2014/main" id="{D2369401-E84F-AE00-4F4C-6E02BEC062E7}"/>
+              </a:ext>
+            </a:extLst>
+          </p:cNvPr>
+          <p:cNvSpPr>
+            <a:spLocks noGrp="1"/>
+          </p:cNvSpPr>
+          <p:nvPr>
+            <p:ph type="ftr" sz="quarter" idx="3"/>
+          </p:nvPr>
+        </p:nvSpPr>
+        <p:spPr/>
+        <p:txBody>
+          <a:bodyPr/>
+          <a:lstStyle/>
+          <a:p>
+            <a:r>
+              <a:rPr lang="en-US" altLang="ja-JP"/>
+              <a:t>©Tamukoh Lab. Kyutech, Japan</a:t>
+            </a:r>
+            <a:endParaRPr lang="ja-JP" altLang="en-US" dirty="0"/>
+          </a:p>
+        </p:txBody>
+      </p:sp>
+      <p:pic>
+        <p:nvPicPr>
+          <p:cNvPr id="5" name="図 4">
+            <a:extLst>
+              <a:ext uri="{FF2B5EF4-FFF2-40B4-BE49-F238E27FC236}">
+                <a16:creationId xmlns:a16="http://schemas.microsoft.com/office/drawing/2014/main" id="{7B1289AE-ED73-9858-5B59-28A5A5DFE7C3}"/>
+              </a:ext>
+            </a:extLst>
+          </p:cNvPr>
+          <p:cNvPicPr>
+            <a:picLocks noChangeAspect="1"/>
+          </p:cNvPicPr>
+          <p:nvPr/>
+        </p:nvPicPr>
+        <p:blipFill rotWithShape="1">
+          <a:blip r:embed="rId2">
+            <a:extLst>
+              <a:ext uri="{28A0092B-C50C-407E-A947-70E740481C1C}">
+                <a14:useLocalDpi xmlns:a14="http://schemas.microsoft.com/office/drawing/2010/main" val="0"/>
+              </a:ext>
+            </a:extLst>
+          </a:blip>
+          <a:srcRect l="34762" t="18264" r="34548" b="16637"/>
+          <a:stretch/>
+        </p:blipFill>
+        <p:spPr>
+          <a:xfrm>
+            <a:off x="3662296" y="1719858"/>
+            <a:ext cx="1819408" cy="3418281"/>
+          </a:xfrm>
+          <a:prstGeom prst="rect">
+            <a:avLst/>
+          </a:prstGeom>
+        </p:spPr>
+      </p:pic>
+      <p:sp>
+        <p:nvSpPr>
+          <p:cNvPr id="6" name="正方形/長方形 5">
+            <a:extLst>
+              <a:ext uri="{FF2B5EF4-FFF2-40B4-BE49-F238E27FC236}">
+                <a16:creationId xmlns:a16="http://schemas.microsoft.com/office/drawing/2014/main" id="{C6E5D46A-20D8-B730-37E3-12F46B25BBBF}"/>
+              </a:ext>
+            </a:extLst>
+          </p:cNvPr>
+          <p:cNvSpPr/>
+          <p:nvPr/>
+        </p:nvSpPr>
+        <p:spPr bwMode="auto">
+          <a:xfrm>
+            <a:off x="1112451" y="1791649"/>
+            <a:ext cx="1013651" cy="3257312"/>
+          </a:xfrm>
+          <a:prstGeom prst="rect">
+            <a:avLst/>
+          </a:prstGeom>
+          <a:solidFill>
+            <a:schemeClr val="bg2"/>
+          </a:solidFill>
+          <a:ln w="9525">
+            <a:solidFill>
+              <a:schemeClr val="tx1"/>
+            </a:solidFill>
+            <a:round/>
+            <a:headEnd/>
+            <a:tailEnd/>
+          </a:ln>
+          <a:effectLst/>
+          <a:extLst>
+            <a:ext uri="{AF507438-7753-43E0-B8FC-AC1667EBCBE1}">
+              <a14:hiddenEffects xmlns:a14="http://schemas.microsoft.com/office/drawing/2010/main">
+                <a:effectLst>
+                  <a:outerShdw dist="35921" dir="2700000" algn="ctr" rotWithShape="0">
+                    <a:schemeClr val="bg2"/>
+                  </a:outerShdw>
+                </a:effectLst>
+              </a14:hiddenEffects>
+            </a:ext>
+          </a:extLst>
+        </p:spPr>
+        <p:txBody>
+          <a:bodyPr wrap="square" lIns="0" tIns="0" rIns="0" bIns="0" rtlCol="0" anchor="ctr">
+            <a:spAutoFit/>
+          </a:bodyPr>
+          <a:lstStyle/>
+          <a:p>
+            <a:pPr marL="361950" indent="-361950" algn="ctr">
+              <a:lnSpc>
+                <a:spcPct val="120000"/>
+              </a:lnSpc>
+              <a:spcBef>
+                <a:spcPts val="1200"/>
+              </a:spcBef>
+              <a:spcAft>
+                <a:spcPts val="600"/>
+              </a:spcAft>
+              <a:buFont typeface="Wingdings" pitchFamily="2" charset="2"/>
+              <a:buChar char="l"/>
+            </a:pPr>
+            <a:endParaRPr kumimoji="1" lang="ja-JP" altLang="en-US" sz="2000" dirty="0">
+              <a:latin typeface="メイリオ" pitchFamily="50" charset="-128"/>
+              <a:ea typeface="メイリオ" pitchFamily="50" charset="-128"/>
+              <a:cs typeface="メイリオ" pitchFamily="50" charset="-128"/>
+            </a:endParaRPr>
+          </a:p>
+        </p:txBody>
+      </p:sp>
+      <p:pic>
+        <p:nvPicPr>
+          <p:cNvPr id="8" name="グラフィックス 7" descr="音声">
+            <a:extLst>
+              <a:ext uri="{FF2B5EF4-FFF2-40B4-BE49-F238E27FC236}">
+                <a16:creationId xmlns:a16="http://schemas.microsoft.com/office/drawing/2014/main" id="{61195056-3212-36ED-54AC-88F480C9141F}"/>
+              </a:ext>
+            </a:extLst>
+          </p:cNvPr>
+          <p:cNvPicPr>
+            <a:picLocks noChangeAspect="1"/>
+          </p:cNvPicPr>
+          <p:nvPr/>
+        </p:nvPicPr>
+        <p:blipFill>
+          <a:blip r:embed="rId3">
+            <a:extLst>
+              <a:ext uri="{96DAC541-7B7A-43D3-8B79-37D633B846F1}">
+                <asvg:svgBlip xmlns:asvg="http://schemas.microsoft.com/office/drawing/2016/SVG/main" r:embed="rId4"/>
+              </a:ext>
+            </a:extLst>
+          </a:blip>
+          <a:stretch>
+            <a:fillRect/>
+          </a:stretch>
+        </p:blipFill>
+        <p:spPr>
+          <a:xfrm>
+            <a:off x="5724128" y="2780926"/>
+            <a:ext cx="1296144" cy="1296144"/>
+          </a:xfrm>
+          <a:prstGeom prst="rect">
+            <a:avLst/>
+          </a:prstGeom>
+        </p:spPr>
+      </p:pic>
+      <p:sp>
+        <p:nvSpPr>
+          <p:cNvPr id="9" name="矢印: 右 8">
+            <a:extLst>
+              <a:ext uri="{FF2B5EF4-FFF2-40B4-BE49-F238E27FC236}">
+                <a16:creationId xmlns:a16="http://schemas.microsoft.com/office/drawing/2014/main" id="{14EB15A2-926F-B3D7-AAF9-F4FE1C139262}"/>
+              </a:ext>
+            </a:extLst>
+          </p:cNvPr>
+          <p:cNvSpPr/>
+          <p:nvPr/>
+        </p:nvSpPr>
+        <p:spPr bwMode="auto">
+          <a:xfrm rot="10800000">
+            <a:off x="2349198" y="1858881"/>
+            <a:ext cx="1313098" cy="756084"/>
+          </a:xfrm>
+          <a:prstGeom prst="rightArrow">
+            <a:avLst/>
+          </a:prstGeom>
+          <a:solidFill>
+            <a:schemeClr val="bg2"/>
+          </a:solidFill>
+          <a:ln>
+            <a:noFill/>
+          </a:ln>
+          <a:effectLst/>
+          <a:extLst>
+            <a:ext uri="{91240B29-F687-4F45-9708-019B960494DF}">
+              <a14:hiddenLine xmlns:a14="http://schemas.microsoft.com/office/drawing/2010/main" w="9525">
+                <a:solidFill>
+                  <a:schemeClr val="tx1"/>
+                </a:solidFill>
+                <a:round/>
+                <a:headEnd/>
+                <a:tailEnd/>
+              </a14:hiddenLine>
+            </a:ext>
+            <a:ext uri="{AF507438-7753-43E0-B8FC-AC1667EBCBE1}">
+              <a14:hiddenEffects xmlns:a14="http://schemas.microsoft.com/office/drawing/2010/main">
+                <a:effectLst>
+                  <a:outerShdw dist="35921" dir="2700000" algn="ctr" rotWithShape="0">
+                    <a:schemeClr val="bg2"/>
+                  </a:outerShdw>
+                </a:effectLst>
+              </a14:hiddenEffects>
+            </a:ext>
+          </a:extLst>
+        </p:spPr>
+        <p:txBody>
+          <a:bodyPr wrap="square" lIns="0" tIns="0" rIns="0" bIns="0" rtlCol="0" anchor="ctr">
+            <a:spAutoFit/>
+          </a:bodyPr>
+          <a:lstStyle/>
+          <a:p>
+            <a:pPr marL="361950" indent="-361950" algn="ctr">
+              <a:lnSpc>
+                <a:spcPct val="120000"/>
+              </a:lnSpc>
+              <a:spcBef>
+                <a:spcPts val="1200"/>
+              </a:spcBef>
+              <a:spcAft>
+                <a:spcPts val="600"/>
+              </a:spcAft>
+              <a:buFont typeface="Wingdings" pitchFamily="2" charset="2"/>
+              <a:buChar char="l"/>
+            </a:pPr>
+            <a:endParaRPr kumimoji="1" lang="ja-JP" altLang="en-US" sz="2000" dirty="0">
+              <a:latin typeface="メイリオ" pitchFamily="50" charset="-128"/>
+              <a:ea typeface="メイリオ" pitchFamily="50" charset="-128"/>
+              <a:cs typeface="メイリオ" pitchFamily="50" charset="-128"/>
+            </a:endParaRPr>
+          </a:p>
+        </p:txBody>
+      </p:sp>
+      <p:sp>
+        <p:nvSpPr>
+          <p:cNvPr id="10" name="テキスト ボックス 9">
+            <a:extLst>
+              <a:ext uri="{FF2B5EF4-FFF2-40B4-BE49-F238E27FC236}">
+                <a16:creationId xmlns:a16="http://schemas.microsoft.com/office/drawing/2014/main" id="{8B10B1D7-53EE-FA9D-099D-3C79988BAC5F}"/>
+              </a:ext>
+            </a:extLst>
+          </p:cNvPr>
+          <p:cNvSpPr txBox="1"/>
+          <p:nvPr/>
+        </p:nvSpPr>
+        <p:spPr>
+          <a:xfrm>
+            <a:off x="2315308" y="3170465"/>
+            <a:ext cx="1439818" cy="517065"/>
+          </a:xfrm>
+          <a:prstGeom prst="rect">
+            <a:avLst/>
+          </a:prstGeom>
+          <a:noFill/>
+        </p:spPr>
+        <p:txBody>
+          <a:bodyPr wrap="none" rtlCol="0">
+            <a:spAutoFit/>
+          </a:bodyPr>
+          <a:lstStyle/>
+          <a:p>
+            <a:pPr>
+              <a:lnSpc>
+                <a:spcPct val="120000"/>
+              </a:lnSpc>
+            </a:pPr>
+            <a:r>
+              <a:rPr kumimoji="1" lang="en-US" altLang="ja-JP" sz="2400" dirty="0"/>
+              <a:t>ROS</a:t>
+            </a:r>
+            <a:r>
+              <a:rPr kumimoji="1" lang="ja-JP" altLang="en-US" sz="2400" dirty="0"/>
+              <a:t>通信</a:t>
+            </a:r>
+          </a:p>
+        </p:txBody>
+      </p:sp>
+      <p:sp>
+        <p:nvSpPr>
+          <p:cNvPr id="11" name="テキスト ボックス 10">
+            <a:extLst>
+              <a:ext uri="{FF2B5EF4-FFF2-40B4-BE49-F238E27FC236}">
+                <a16:creationId xmlns:a16="http://schemas.microsoft.com/office/drawing/2014/main" id="{E7627395-FDE7-CF1F-6517-5B9D966C6918}"/>
+              </a:ext>
+            </a:extLst>
+          </p:cNvPr>
+          <p:cNvSpPr txBox="1"/>
+          <p:nvPr/>
+        </p:nvSpPr>
+        <p:spPr>
+          <a:xfrm>
+            <a:off x="2112650" y="1223734"/>
+            <a:ext cx="2031325" cy="517065"/>
+          </a:xfrm>
+          <a:prstGeom prst="rect">
+            <a:avLst/>
+          </a:prstGeom>
+          <a:noFill/>
+        </p:spPr>
+        <p:txBody>
+          <a:bodyPr wrap="none" rtlCol="0">
+            <a:spAutoFit/>
+          </a:bodyPr>
+          <a:lstStyle/>
+          <a:p>
+            <a:pPr>
+              <a:lnSpc>
+                <a:spcPct val="120000"/>
+              </a:lnSpc>
+            </a:pPr>
+            <a:r>
+              <a:rPr kumimoji="1" lang="ja-JP" altLang="en-US" sz="2400" b="1" dirty="0"/>
+              <a:t>音声ファイル</a:t>
+            </a:r>
+          </a:p>
+        </p:txBody>
+      </p:sp>
+      <p:sp>
+        <p:nvSpPr>
+          <p:cNvPr id="12" name="テキスト ボックス 11">
+            <a:extLst>
+              <a:ext uri="{FF2B5EF4-FFF2-40B4-BE49-F238E27FC236}">
+                <a16:creationId xmlns:a16="http://schemas.microsoft.com/office/drawing/2014/main" id="{6DA1A960-E293-4A01-219A-701B89E86862}"/>
+              </a:ext>
+            </a:extLst>
+          </p:cNvPr>
+          <p:cNvSpPr txBox="1"/>
+          <p:nvPr/>
+        </p:nvSpPr>
+        <p:spPr>
+          <a:xfrm>
+            <a:off x="1244814" y="3170465"/>
+            <a:ext cx="748923" cy="658642"/>
+          </a:xfrm>
+          <a:prstGeom prst="rect">
+            <a:avLst/>
+          </a:prstGeom>
+          <a:noFill/>
+        </p:spPr>
+        <p:txBody>
+          <a:bodyPr wrap="none" rtlCol="0">
+            <a:spAutoFit/>
+          </a:bodyPr>
+          <a:lstStyle/>
+          <a:p>
+            <a:pPr>
+              <a:lnSpc>
+                <a:spcPct val="120000"/>
+              </a:lnSpc>
+            </a:pPr>
+            <a:r>
+              <a:rPr kumimoji="1" lang="en-US" altLang="ja-JP" sz="3200" b="1" dirty="0"/>
+              <a:t>PC</a:t>
+            </a:r>
+            <a:endParaRPr kumimoji="1" lang="ja-JP" altLang="en-US" sz="2400" b="1" dirty="0"/>
+          </a:p>
+        </p:txBody>
+      </p:sp>
+    </p:spTree>
+    <p:extLst>
+      <p:ext uri="{BB962C8B-B14F-4D97-AF65-F5344CB8AC3E}">
+        <p14:creationId xmlns:p14="http://schemas.microsoft.com/office/powerpoint/2010/main" val="1834241353"/>
+      </p:ext>
+    </p:extLst>
+  </p:cSld>
+  <p:clrMapOvr>
+    <a:masterClrMapping/>
+  </p:clrMapOvr>
+</p:sld>
+</file>
+
 <file path=ppt/theme/theme1.xml><?xml version="1.0" encoding="utf-8"?>
 <a:theme xmlns:a="http://schemas.openxmlformats.org/drawingml/2006/main" name="PowerPoint Design">
   <a:themeElements>

--- a/作図用_yy2.pptx
+++ b/作図用_yy2.pptx
@@ -289,7 +289,7 @@
             <a:fld id="{116CA9A1-49A5-4813-BE73-64411D697E83}" type="datetimeFigureOut">
               <a:rPr kumimoji="1" lang="ja-JP" altLang="en-US" smtClean="0"/>
               <a:pPr/>
-              <a:t>2022/9/1</a:t>
+              <a:t>2022/9/11</a:t>
             </a:fld>
             <a:endParaRPr kumimoji="1" lang="ja-JP" altLang="en-US"/>
           </a:p>
@@ -456,7 +456,7 @@
             <a:fld id="{BB218005-AB2E-4230-9CBF-EC876F8C3946}" type="datetimeFigureOut">
               <a:rPr kumimoji="1" lang="ja-JP" altLang="en-US" smtClean="0"/>
               <a:pPr/>
-              <a:t>2022/9/1</a:t>
+              <a:t>2022/9/11</a:t>
             </a:fld>
             <a:endParaRPr kumimoji="1" lang="ja-JP" altLang="en-US"/>
           </a:p>
@@ -20992,10 +20992,10 @@
       </p:sp>
       <p:grpSp>
         <p:nvGrpSpPr>
-          <p:cNvPr id="199" name="グループ化 198">
+          <p:cNvPr id="30" name="グループ化 29">
             <a:extLst>
               <a:ext uri="{FF2B5EF4-FFF2-40B4-BE49-F238E27FC236}">
-                <a16:creationId xmlns:a16="http://schemas.microsoft.com/office/drawing/2014/main" id="{468BEBBC-B4CD-8211-D362-4AB61C6ECF53}"/>
+                <a16:creationId xmlns:a16="http://schemas.microsoft.com/office/drawing/2014/main" id="{665AF782-85A6-B06A-F88A-8C8A68DE85BD}"/>
               </a:ext>
             </a:extLst>
           </p:cNvPr>
@@ -21004,10 +21004,10 @@
         </p:nvGrpSpPr>
         <p:grpSpPr>
           <a:xfrm>
-            <a:off x="-3723135" y="-1119042"/>
-            <a:ext cx="24784967" cy="6775359"/>
-            <a:chOff x="-3723135" y="-1119042"/>
-            <a:chExt cx="24784967" cy="6775359"/>
+            <a:off x="-8749182" y="-3519772"/>
+            <a:ext cx="24784967" cy="6678953"/>
+            <a:chOff x="-6337212" y="-3483768"/>
+            <a:chExt cx="24784967" cy="6678953"/>
           </a:xfrm>
         </p:grpSpPr>
         <p:sp>
@@ -21024,7 +21024,7 @@
           </p:nvSpPr>
           <p:spPr bwMode="auto">
             <a:xfrm>
-              <a:off x="4065939" y="1869788"/>
+              <a:off x="1451862" y="-494938"/>
               <a:ext cx="1150159" cy="1038772"/>
             </a:xfrm>
             <a:prstGeom prst="rightArrow">
@@ -21084,7 +21084,7 @@
           </p:nvSpPr>
           <p:spPr bwMode="auto">
             <a:xfrm>
-              <a:off x="12276856" y="1869788"/>
+              <a:off x="9662779" y="-494938"/>
               <a:ext cx="1150159" cy="1038772"/>
             </a:xfrm>
             <a:prstGeom prst="rightArrow">
@@ -21144,10 +21144,10 @@
           </p:nvGrpSpPr>
           <p:grpSpPr>
             <a:xfrm>
-              <a:off x="-3723135" y="-1119042"/>
-              <a:ext cx="9015215" cy="6775359"/>
+              <a:off x="-6337212" y="-3483768"/>
+              <a:ext cx="9015215" cy="6328911"/>
               <a:chOff x="-4233466" y="-1038198"/>
-              <a:chExt cx="9015215" cy="6775359"/>
+              <a:chExt cx="9015215" cy="6328911"/>
             </a:xfrm>
           </p:grpSpPr>
           <p:pic>
@@ -21490,7 +21490,7 @@
             </p:nvSpPr>
             <p:spPr>
               <a:xfrm>
-                <a:off x="970146" y="5007731"/>
+                <a:off x="2239799" y="4561283"/>
                 <a:ext cx="2031325" cy="729430"/>
               </a:xfrm>
               <a:prstGeom prst="rect">
@@ -22811,7 +22811,7 @@
           </p:nvGrpSpPr>
           <p:grpSpPr>
             <a:xfrm>
-              <a:off x="5344943" y="-94517"/>
+              <a:off x="2730866" y="-2459243"/>
               <a:ext cx="6931913" cy="4643130"/>
               <a:chOff x="5472100" y="-93477"/>
               <a:chExt cx="6931913" cy="4643130"/>
@@ -24657,7 +24657,7 @@
           </p:nvGrpSpPr>
           <p:grpSpPr>
             <a:xfrm>
-              <a:off x="13032940" y="-442441"/>
+              <a:off x="10418863" y="-2807167"/>
               <a:ext cx="8028892" cy="4999618"/>
               <a:chOff x="13176956" y="-488513"/>
               <a:chExt cx="8028892" cy="4999618"/>
@@ -25067,6 +25067,156 @@
             </p:txBody>
           </p:sp>
         </p:grpSp>
+        <p:sp>
+          <p:nvSpPr>
+            <p:cNvPr id="4" name="テキスト ボックス 3">
+              <a:extLst>
+                <a:ext uri="{FF2B5EF4-FFF2-40B4-BE49-F238E27FC236}">
+                  <a16:creationId xmlns:a16="http://schemas.microsoft.com/office/drawing/2014/main" id="{49CA6D34-BFA3-638A-C0A2-0998E05A8898}"/>
+                </a:ext>
+              </a:extLst>
+            </p:cNvPr>
+            <p:cNvSpPr txBox="1"/>
+            <p:nvPr/>
+          </p:nvSpPr>
+          <p:spPr>
+            <a:xfrm>
+              <a:off x="-4411522" y="2600470"/>
+              <a:ext cx="4288353" cy="594715"/>
+            </a:xfrm>
+            <a:prstGeom prst="rect">
+              <a:avLst/>
+            </a:prstGeom>
+            <a:noFill/>
+          </p:spPr>
+          <p:txBody>
+            <a:bodyPr wrap="none" rtlCol="0">
+              <a:spAutoFit/>
+            </a:bodyPr>
+            <a:lstStyle/>
+            <a:p>
+              <a:pPr>
+                <a:lnSpc>
+                  <a:spcPct val="120000"/>
+                </a:lnSpc>
+              </a:pPr>
+              <a:r>
+                <a:rPr kumimoji="1" lang="en-US" altLang="ja-JP" sz="3200" dirty="0">
+                  <a:latin typeface="BIZ UD明朝 Medium" panose="02020500000000000000" pitchFamily="17" charset="-128"/>
+                  <a:ea typeface="BIZ UD明朝 Medium" panose="02020500000000000000" pitchFamily="17" charset="-128"/>
+                </a:rPr>
+                <a:t>(a) </a:t>
+              </a:r>
+              <a:r>
+                <a:rPr kumimoji="1" lang="ja-JP" altLang="en-US" sz="3200" dirty="0">
+                  <a:latin typeface="BIZ UD明朝 Medium" panose="02020500000000000000" pitchFamily="17" charset="-128"/>
+                  <a:ea typeface="BIZ UD明朝 Medium" panose="02020500000000000000" pitchFamily="17" charset="-128"/>
+                </a:rPr>
+                <a:t>開始から属性推定</a:t>
+              </a:r>
+            </a:p>
+          </p:txBody>
+        </p:sp>
+        <p:sp>
+          <p:nvSpPr>
+            <p:cNvPr id="24" name="テキスト ボックス 23">
+              <a:extLst>
+                <a:ext uri="{FF2B5EF4-FFF2-40B4-BE49-F238E27FC236}">
+                  <a16:creationId xmlns:a16="http://schemas.microsoft.com/office/drawing/2014/main" id="{03111D23-652B-A522-DBDC-4B0811643074}"/>
+                </a:ext>
+              </a:extLst>
+            </p:cNvPr>
+            <p:cNvSpPr txBox="1"/>
+            <p:nvPr/>
+          </p:nvSpPr>
+          <p:spPr>
+            <a:xfrm>
+              <a:off x="3869722" y="2598348"/>
+              <a:ext cx="4288353" cy="594715"/>
+            </a:xfrm>
+            <a:prstGeom prst="rect">
+              <a:avLst/>
+            </a:prstGeom>
+            <a:noFill/>
+          </p:spPr>
+          <p:txBody>
+            <a:bodyPr wrap="none" rtlCol="0">
+              <a:spAutoFit/>
+            </a:bodyPr>
+            <a:lstStyle/>
+            <a:p>
+              <a:pPr>
+                <a:lnSpc>
+                  <a:spcPct val="120000"/>
+                </a:lnSpc>
+              </a:pPr>
+              <a:r>
+                <a:rPr kumimoji="1" lang="en-US" altLang="ja-JP" sz="3200" dirty="0">
+                  <a:latin typeface="BIZ UD明朝 Medium" panose="02020500000000000000" pitchFamily="17" charset="-128"/>
+                  <a:ea typeface="BIZ UD明朝 Medium" panose="02020500000000000000" pitchFamily="17" charset="-128"/>
+                </a:rPr>
+                <a:t>(b) </a:t>
+              </a:r>
+              <a:r>
+                <a:rPr kumimoji="1" lang="ja-JP" altLang="en-US" sz="3200" dirty="0">
+                  <a:latin typeface="BIZ UD明朝 Medium" panose="02020500000000000000" pitchFamily="17" charset="-128"/>
+                  <a:ea typeface="BIZ UD明朝 Medium" panose="02020500000000000000" pitchFamily="17" charset="-128"/>
+                </a:rPr>
+                <a:t>ゲストの名前認識</a:t>
+              </a:r>
+            </a:p>
+          </p:txBody>
+        </p:sp>
+        <p:sp>
+          <p:nvSpPr>
+            <p:cNvPr id="29" name="テキスト ボックス 28">
+              <a:extLst>
+                <a:ext uri="{FF2B5EF4-FFF2-40B4-BE49-F238E27FC236}">
+                  <a16:creationId xmlns:a16="http://schemas.microsoft.com/office/drawing/2014/main" id="{E87B8C81-68B8-C40B-644D-A2E67F3F5A40}"/>
+                </a:ext>
+              </a:extLst>
+            </p:cNvPr>
+            <p:cNvSpPr txBox="1"/>
+            <p:nvPr/>
+          </p:nvSpPr>
+          <p:spPr>
+            <a:xfrm>
+              <a:off x="12855734" y="2598348"/>
+              <a:ext cx="2646878" cy="594715"/>
+            </a:xfrm>
+            <a:prstGeom prst="rect">
+              <a:avLst/>
+            </a:prstGeom>
+            <a:noFill/>
+          </p:spPr>
+          <p:txBody>
+            <a:bodyPr wrap="none" rtlCol="0">
+              <a:spAutoFit/>
+            </a:bodyPr>
+            <a:lstStyle/>
+            <a:p>
+              <a:pPr>
+                <a:lnSpc>
+                  <a:spcPct val="120000"/>
+                </a:lnSpc>
+              </a:pPr>
+              <a:r>
+                <a:rPr kumimoji="1" lang="en-US" altLang="ja-JP" sz="3200" dirty="0">
+                  <a:latin typeface="BIZ UD明朝 Medium" panose="02020500000000000000" pitchFamily="17" charset="-128"/>
+                  <a:ea typeface="BIZ UD明朝 Medium" panose="02020500000000000000" pitchFamily="17" charset="-128"/>
+                </a:rPr>
+                <a:t>(c) </a:t>
+              </a:r>
+              <a:r>
+                <a:rPr kumimoji="1" lang="ja-JP" altLang="en-US" sz="3200" dirty="0">
+                  <a:latin typeface="BIZ UD明朝 Medium" panose="02020500000000000000" pitchFamily="17" charset="-128"/>
+                  <a:ea typeface="BIZ UD明朝 Medium" panose="02020500000000000000" pitchFamily="17" charset="-128"/>
+                </a:rPr>
+                <a:t>生成画像</a:t>
+              </a:r>
+            </a:p>
+          </p:txBody>
+        </p:sp>
       </p:grpSp>
     </p:spTree>
     <p:extLst>

--- a/作図用_yy2.pptx
+++ b/作図用_yy2.pptx
@@ -5,10 +5,10 @@
     <p:sldMasterId id="2147483658" r:id="rId1"/>
   </p:sldMasterIdLst>
   <p:notesMasterIdLst>
-    <p:notesMasterId r:id="rId10"/>
+    <p:notesMasterId r:id="rId11"/>
   </p:notesMasterIdLst>
   <p:handoutMasterIdLst>
-    <p:handoutMasterId r:id="rId11"/>
+    <p:handoutMasterId r:id="rId12"/>
   </p:handoutMasterIdLst>
   <p:sldIdLst>
     <p:sldId id="258" r:id="rId2"/>
@@ -19,6 +19,7 @@
     <p:sldId id="263" r:id="rId7"/>
     <p:sldId id="264" r:id="rId8"/>
     <p:sldId id="265" r:id="rId9"/>
+    <p:sldId id="266" r:id="rId10"/>
   </p:sldIdLst>
   <p:sldSz cx="9144000" cy="6858000" type="screen4x3"/>
   <p:notesSz cx="6858000" cy="9144000"/>
@@ -130,6 +131,7 @@
             <p14:sldId id="263"/>
             <p14:sldId id="264"/>
             <p14:sldId id="265"/>
+            <p14:sldId id="266"/>
           </p14:sldIdLst>
         </p14:section>
       </p14:sectionLst>
@@ -289,7 +291,7 @@
             <a:fld id="{116CA9A1-49A5-4813-BE73-64411D697E83}" type="datetimeFigureOut">
               <a:rPr kumimoji="1" lang="ja-JP" altLang="en-US" smtClean="0"/>
               <a:pPr/>
-              <a:t>2022/9/11</a:t>
+              <a:t>2022/10/14</a:t>
             </a:fld>
             <a:endParaRPr kumimoji="1" lang="ja-JP" altLang="en-US"/>
           </a:p>
@@ -456,7 +458,7 @@
             <a:fld id="{BB218005-AB2E-4230-9CBF-EC876F8C3946}" type="datetimeFigureOut">
               <a:rPr kumimoji="1" lang="ja-JP" altLang="en-US" smtClean="0"/>
               <a:pPr/>
-              <a:t>2022/9/11</a:t>
+              <a:t>2022/10/14</a:t>
             </a:fld>
             <a:endParaRPr kumimoji="1" lang="ja-JP" altLang="en-US"/>
           </a:p>
@@ -25663,6 +25665,1267 @@
 </p:sld>
 </file>
 
+<file path=ppt/slides/slide9.xml><?xml version="1.0" encoding="utf-8"?>
+<p:sld xmlns:a="http://schemas.openxmlformats.org/drawingml/2006/main" xmlns:r="http://schemas.openxmlformats.org/officeDocument/2006/relationships" xmlns:p="http://schemas.openxmlformats.org/presentationml/2006/main">
+  <p:cSld>
+    <p:spTree>
+      <p:nvGrpSpPr>
+        <p:cNvPr id="1" name=""/>
+        <p:cNvGrpSpPr/>
+        <p:nvPr/>
+      </p:nvGrpSpPr>
+      <p:grpSpPr>
+        <a:xfrm>
+          <a:off x="0" y="0"/>
+          <a:ext cx="0" cy="0"/>
+          <a:chOff x="0" y="0"/>
+          <a:chExt cx="0" cy="0"/>
+        </a:xfrm>
+      </p:grpSpPr>
+      <p:sp>
+        <p:nvSpPr>
+          <p:cNvPr id="2" name="スライド番号プレースホルダー 1">
+            <a:extLst>
+              <a:ext uri="{FF2B5EF4-FFF2-40B4-BE49-F238E27FC236}">
+                <a16:creationId xmlns:a16="http://schemas.microsoft.com/office/drawing/2014/main" id="{CAE8FF55-D954-CABA-E3F7-F1B3BEA35F50}"/>
+              </a:ext>
+            </a:extLst>
+          </p:cNvPr>
+          <p:cNvSpPr>
+            <a:spLocks noGrp="1"/>
+          </p:cNvSpPr>
+          <p:nvPr>
+            <p:ph type="sldNum" sz="quarter" idx="4"/>
+          </p:nvPr>
+        </p:nvSpPr>
+        <p:spPr/>
+        <p:txBody>
+          <a:bodyPr/>
+          <a:lstStyle/>
+          <a:p>
+            <a:fld id="{FB3508C7-2FE0-4945-9CBD-863E05F850D2}" type="slidenum">
+              <a:rPr lang="ja-JP" altLang="en-US" smtClean="0"/>
+              <a:pPr/>
+              <a:t>8</a:t>
+            </a:fld>
+            <a:endParaRPr lang="ja-JP" altLang="en-US" dirty="0"/>
+          </a:p>
+        </p:txBody>
+      </p:sp>
+      <p:sp>
+        <p:nvSpPr>
+          <p:cNvPr id="3" name="タイトル 2">
+            <a:extLst>
+              <a:ext uri="{FF2B5EF4-FFF2-40B4-BE49-F238E27FC236}">
+                <a16:creationId xmlns:a16="http://schemas.microsoft.com/office/drawing/2014/main" id="{0175A26D-11FE-1273-411F-CF68B308DB98}"/>
+              </a:ext>
+            </a:extLst>
+          </p:cNvPr>
+          <p:cNvSpPr>
+            <a:spLocks noGrp="1"/>
+          </p:cNvSpPr>
+          <p:nvPr>
+            <p:ph type="title"/>
+          </p:nvPr>
+        </p:nvSpPr>
+        <p:spPr/>
+        <p:txBody>
+          <a:bodyPr/>
+          <a:lstStyle/>
+          <a:p>
+            <a:endParaRPr kumimoji="1" lang="ja-JP" altLang="en-US"/>
+          </a:p>
+        </p:txBody>
+      </p:sp>
+      <p:sp>
+        <p:nvSpPr>
+          <p:cNvPr id="4" name="フッター プレースホルダー 3">
+            <a:extLst>
+              <a:ext uri="{FF2B5EF4-FFF2-40B4-BE49-F238E27FC236}">
+                <a16:creationId xmlns:a16="http://schemas.microsoft.com/office/drawing/2014/main" id="{86A888A3-8D11-E3EC-8FFD-31CF0CF868F6}"/>
+              </a:ext>
+            </a:extLst>
+          </p:cNvPr>
+          <p:cNvSpPr>
+            <a:spLocks noGrp="1"/>
+          </p:cNvSpPr>
+          <p:nvPr>
+            <p:ph type="ftr" sz="quarter" idx="3"/>
+          </p:nvPr>
+        </p:nvSpPr>
+        <p:spPr/>
+        <p:txBody>
+          <a:bodyPr/>
+          <a:lstStyle/>
+          <a:p>
+            <a:r>
+              <a:rPr lang="en-US" altLang="ja-JP"/>
+              <a:t>©Tamukoh Lab. Kyutech, Japan</a:t>
+            </a:r>
+            <a:endParaRPr lang="ja-JP" altLang="en-US" dirty="0"/>
+          </a:p>
+        </p:txBody>
+      </p:sp>
+      <p:grpSp>
+        <p:nvGrpSpPr>
+          <p:cNvPr id="51" name="グループ化 50">
+            <a:extLst>
+              <a:ext uri="{FF2B5EF4-FFF2-40B4-BE49-F238E27FC236}">
+                <a16:creationId xmlns:a16="http://schemas.microsoft.com/office/drawing/2014/main" id="{C8B0BFD2-B48F-5EFC-5D29-791528882B3F}"/>
+              </a:ext>
+            </a:extLst>
+          </p:cNvPr>
+          <p:cNvGrpSpPr/>
+          <p:nvPr/>
+        </p:nvGrpSpPr>
+        <p:grpSpPr>
+          <a:xfrm>
+            <a:off x="2879812" y="1865895"/>
+            <a:ext cx="3132348" cy="2391197"/>
+            <a:chOff x="2879812" y="1865895"/>
+            <a:chExt cx="3132348" cy="2391197"/>
+          </a:xfrm>
+        </p:grpSpPr>
+        <p:pic>
+          <p:nvPicPr>
+            <p:cNvPr id="6" name="図 5" descr="ダイアグラム&#10;&#10;自動的に生成された説明">
+              <a:extLst>
+                <a:ext uri="{FF2B5EF4-FFF2-40B4-BE49-F238E27FC236}">
+                  <a16:creationId xmlns:a16="http://schemas.microsoft.com/office/drawing/2014/main" id="{69854D6F-1FC1-9F77-FA4F-9EF85EF7AEB1}"/>
+                </a:ext>
+              </a:extLst>
+            </p:cNvPr>
+            <p:cNvPicPr>
+              <a:picLocks noChangeAspect="1"/>
+            </p:cNvPicPr>
+            <p:nvPr/>
+          </p:nvPicPr>
+          <p:blipFill rotWithShape="1">
+            <a:blip r:embed="rId2"/>
+            <a:srcRect l="5240" t="44446" r="45857" b="3108"/>
+            <a:stretch/>
+          </p:blipFill>
+          <p:spPr>
+            <a:xfrm>
+              <a:off x="3347864" y="2132856"/>
+              <a:ext cx="2016224" cy="2124236"/>
+            </a:xfrm>
+            <a:prstGeom prst="rect">
+              <a:avLst/>
+            </a:prstGeom>
+          </p:spPr>
+        </p:pic>
+        <p:sp>
+          <p:nvSpPr>
+            <p:cNvPr id="7" name="正方形/長方形 6">
+              <a:extLst>
+                <a:ext uri="{FF2B5EF4-FFF2-40B4-BE49-F238E27FC236}">
+                  <a16:creationId xmlns:a16="http://schemas.microsoft.com/office/drawing/2014/main" id="{27DFCD67-FEF0-0977-5742-084D253ADA13}"/>
+                </a:ext>
+              </a:extLst>
+            </p:cNvPr>
+            <p:cNvSpPr/>
+            <p:nvPr/>
+          </p:nvSpPr>
+          <p:spPr bwMode="auto">
+            <a:xfrm>
+              <a:off x="4680012" y="2708920"/>
+              <a:ext cx="144016" cy="648072"/>
+            </a:xfrm>
+            <a:prstGeom prst="rect">
+              <a:avLst/>
+            </a:prstGeom>
+            <a:solidFill>
+              <a:srgbClr val="D9D4AD"/>
+            </a:solidFill>
+            <a:ln>
+              <a:noFill/>
+            </a:ln>
+            <a:effectLst/>
+          </p:spPr>
+          <p:txBody>
+            <a:bodyPr wrap="square" lIns="0" tIns="0" rIns="0" bIns="0" rtlCol="0" anchor="ctr">
+              <a:spAutoFit/>
+            </a:bodyPr>
+            <a:lstStyle/>
+            <a:p>
+              <a:pPr marL="361950" indent="-361950" algn="ctr">
+                <a:lnSpc>
+                  <a:spcPct val="120000"/>
+                </a:lnSpc>
+                <a:spcBef>
+                  <a:spcPts val="1200"/>
+                </a:spcBef>
+                <a:spcAft>
+                  <a:spcPts val="600"/>
+                </a:spcAft>
+                <a:buFont typeface="Wingdings" pitchFamily="2" charset="2"/>
+                <a:buChar char="l"/>
+              </a:pPr>
+              <a:endParaRPr kumimoji="1" lang="ja-JP" altLang="en-US" sz="2000" dirty="0">
+                <a:latin typeface="メイリオ" pitchFamily="50" charset="-128"/>
+                <a:ea typeface="メイリオ" pitchFamily="50" charset="-128"/>
+                <a:cs typeface="メイリオ" pitchFamily="50" charset="-128"/>
+              </a:endParaRPr>
+            </a:p>
+          </p:txBody>
+        </p:sp>
+        <p:sp>
+          <p:nvSpPr>
+            <p:cNvPr id="9" name="テキスト ボックス 8">
+              <a:extLst>
+                <a:ext uri="{FF2B5EF4-FFF2-40B4-BE49-F238E27FC236}">
+                  <a16:creationId xmlns:a16="http://schemas.microsoft.com/office/drawing/2014/main" id="{46CF3961-7E24-E7AF-4165-DB461F074D48}"/>
+                </a:ext>
+              </a:extLst>
+            </p:cNvPr>
+            <p:cNvSpPr txBox="1"/>
+            <p:nvPr/>
+          </p:nvSpPr>
+          <p:spPr>
+            <a:xfrm>
+              <a:off x="3959932" y="2841262"/>
+              <a:ext cx="1082348" cy="269304"/>
+            </a:xfrm>
+            <a:prstGeom prst="rect">
+              <a:avLst/>
+            </a:prstGeom>
+            <a:noFill/>
+          </p:spPr>
+          <p:txBody>
+            <a:bodyPr wrap="square" rtlCol="0">
+              <a:spAutoFit/>
+            </a:bodyPr>
+            <a:lstStyle/>
+            <a:p>
+              <a:pPr>
+                <a:lnSpc>
+                  <a:spcPct val="120000"/>
+                </a:lnSpc>
+              </a:pPr>
+              <a:r>
+                <a:rPr lang="ja-JP" altLang="en-US" sz="1000" dirty="0"/>
+                <a:t>リビングルーム</a:t>
+              </a:r>
+              <a:endParaRPr kumimoji="1" lang="ja-JP" altLang="en-US" sz="1000" dirty="0"/>
+            </a:p>
+          </p:txBody>
+        </p:sp>
+        <p:sp>
+          <p:nvSpPr>
+            <p:cNvPr id="10" name="テキスト ボックス 9">
+              <a:extLst>
+                <a:ext uri="{FF2B5EF4-FFF2-40B4-BE49-F238E27FC236}">
+                  <a16:creationId xmlns:a16="http://schemas.microsoft.com/office/drawing/2014/main" id="{60012374-BACB-A24F-2BD0-2D768AEDBB65}"/>
+                </a:ext>
+              </a:extLst>
+            </p:cNvPr>
+            <p:cNvSpPr txBox="1"/>
+            <p:nvPr/>
+          </p:nvSpPr>
+          <p:spPr>
+            <a:xfrm>
+              <a:off x="3833918" y="2564904"/>
+              <a:ext cx="530915" cy="251607"/>
+            </a:xfrm>
+            <a:prstGeom prst="rect">
+              <a:avLst/>
+            </a:prstGeom>
+            <a:solidFill>
+              <a:srgbClr val="D9D4AD"/>
+            </a:solidFill>
+          </p:spPr>
+          <p:txBody>
+            <a:bodyPr wrap="square" rtlCol="0">
+              <a:spAutoFit/>
+            </a:bodyPr>
+            <a:lstStyle/>
+            <a:p>
+              <a:pPr>
+                <a:lnSpc>
+                  <a:spcPct val="120000"/>
+                </a:lnSpc>
+              </a:pPr>
+              <a:r>
+                <a:rPr lang="ja-JP" altLang="en-US" sz="900" dirty="0"/>
+                <a:t>テレビ</a:t>
+              </a:r>
+              <a:endParaRPr kumimoji="1" lang="ja-JP" altLang="en-US" sz="900" dirty="0"/>
+            </a:p>
+          </p:txBody>
+        </p:sp>
+        <p:sp>
+          <p:nvSpPr>
+            <p:cNvPr id="11" name="テキスト ボックス 10">
+              <a:extLst>
+                <a:ext uri="{FF2B5EF4-FFF2-40B4-BE49-F238E27FC236}">
+                  <a16:creationId xmlns:a16="http://schemas.microsoft.com/office/drawing/2014/main" id="{597C506A-5828-40FC-ABF3-DA6ECC322076}"/>
+                </a:ext>
+              </a:extLst>
+            </p:cNvPr>
+            <p:cNvSpPr txBox="1"/>
+            <p:nvPr/>
+          </p:nvSpPr>
+          <p:spPr>
+            <a:xfrm>
+              <a:off x="4680012" y="3256480"/>
+              <a:ext cx="592640" cy="233910"/>
+            </a:xfrm>
+            <a:prstGeom prst="rect">
+              <a:avLst/>
+            </a:prstGeom>
+            <a:noFill/>
+          </p:spPr>
+          <p:txBody>
+            <a:bodyPr wrap="square" rtlCol="0">
+              <a:spAutoFit/>
+            </a:bodyPr>
+            <a:lstStyle/>
+            <a:p>
+              <a:pPr>
+                <a:lnSpc>
+                  <a:spcPct val="120000"/>
+                </a:lnSpc>
+              </a:pPr>
+              <a:r>
+                <a:rPr lang="ja-JP" altLang="en-US" sz="800" dirty="0"/>
+                <a:t>テーブル</a:t>
+              </a:r>
+              <a:endParaRPr kumimoji="1" lang="ja-JP" altLang="en-US" sz="800" dirty="0"/>
+            </a:p>
+          </p:txBody>
+        </p:sp>
+        <p:sp>
+          <p:nvSpPr>
+            <p:cNvPr id="12" name="テキスト ボックス 11">
+              <a:extLst>
+                <a:ext uri="{FF2B5EF4-FFF2-40B4-BE49-F238E27FC236}">
+                  <a16:creationId xmlns:a16="http://schemas.microsoft.com/office/drawing/2014/main" id="{A6BA9C53-520B-ED08-336D-57C1EDB50CB4}"/>
+                </a:ext>
+              </a:extLst>
+            </p:cNvPr>
+            <p:cNvSpPr txBox="1"/>
+            <p:nvPr/>
+          </p:nvSpPr>
+          <p:spPr>
+            <a:xfrm>
+              <a:off x="3671900" y="3513820"/>
+              <a:ext cx="252028" cy="198516"/>
+            </a:xfrm>
+            <a:prstGeom prst="rect">
+              <a:avLst/>
+            </a:prstGeom>
+            <a:solidFill>
+              <a:srgbClr val="D9D4AD"/>
+            </a:solidFill>
+          </p:spPr>
+          <p:txBody>
+            <a:bodyPr wrap="square" rtlCol="0">
+              <a:spAutoFit/>
+            </a:bodyPr>
+            <a:lstStyle/>
+            <a:p>
+              <a:pPr>
+                <a:lnSpc>
+                  <a:spcPct val="120000"/>
+                </a:lnSpc>
+              </a:pPr>
+              <a:endParaRPr kumimoji="1" lang="ja-JP" altLang="en-US" sz="600" dirty="0"/>
+            </a:p>
+          </p:txBody>
+        </p:sp>
+        <p:sp>
+          <p:nvSpPr>
+            <p:cNvPr id="13" name="正方形/長方形 12">
+              <a:extLst>
+                <a:ext uri="{FF2B5EF4-FFF2-40B4-BE49-F238E27FC236}">
+                  <a16:creationId xmlns:a16="http://schemas.microsoft.com/office/drawing/2014/main" id="{AE0EFC70-2E01-8804-68FB-694B6B5505C6}"/>
+                </a:ext>
+              </a:extLst>
+            </p:cNvPr>
+            <p:cNvSpPr/>
+            <p:nvPr/>
+          </p:nvSpPr>
+          <p:spPr bwMode="auto">
+            <a:xfrm>
+              <a:off x="4308428" y="3335872"/>
+              <a:ext cx="141500" cy="108012"/>
+            </a:xfrm>
+            <a:prstGeom prst="rect">
+              <a:avLst/>
+            </a:prstGeom>
+            <a:solidFill>
+              <a:srgbClr val="FFFFFF"/>
+            </a:solidFill>
+            <a:ln>
+              <a:noFill/>
+            </a:ln>
+            <a:effectLst/>
+          </p:spPr>
+          <p:txBody>
+            <a:bodyPr wrap="square" lIns="0" tIns="0" rIns="0" bIns="0" rtlCol="0" anchor="ctr">
+              <a:spAutoFit/>
+            </a:bodyPr>
+            <a:lstStyle/>
+            <a:p>
+              <a:pPr marL="361950" indent="-361950" algn="ctr">
+                <a:lnSpc>
+                  <a:spcPct val="120000"/>
+                </a:lnSpc>
+                <a:spcBef>
+                  <a:spcPts val="1200"/>
+                </a:spcBef>
+                <a:spcAft>
+                  <a:spcPts val="600"/>
+                </a:spcAft>
+                <a:buFont typeface="Wingdings" pitchFamily="2" charset="2"/>
+                <a:buChar char="l"/>
+              </a:pPr>
+              <a:endParaRPr kumimoji="1" lang="ja-JP" altLang="en-US" sz="2000" dirty="0">
+                <a:latin typeface="メイリオ" pitchFamily="50" charset="-128"/>
+                <a:ea typeface="メイリオ" pitchFamily="50" charset="-128"/>
+                <a:cs typeface="メイリオ" pitchFamily="50" charset="-128"/>
+              </a:endParaRPr>
+            </a:p>
+          </p:txBody>
+        </p:sp>
+        <p:sp>
+          <p:nvSpPr>
+            <p:cNvPr id="14" name="正方形/長方形 13">
+              <a:extLst>
+                <a:ext uri="{FF2B5EF4-FFF2-40B4-BE49-F238E27FC236}">
+                  <a16:creationId xmlns:a16="http://schemas.microsoft.com/office/drawing/2014/main" id="{0AD21C0F-EA8A-8412-D8AD-9B3EC5F9B925}"/>
+                </a:ext>
+              </a:extLst>
+            </p:cNvPr>
+            <p:cNvSpPr/>
+            <p:nvPr/>
+          </p:nvSpPr>
+          <p:spPr bwMode="auto">
+            <a:xfrm>
+              <a:off x="4778087" y="3746748"/>
+              <a:ext cx="141500" cy="108012"/>
+            </a:xfrm>
+            <a:prstGeom prst="rect">
+              <a:avLst/>
+            </a:prstGeom>
+            <a:solidFill>
+              <a:srgbClr val="FFFFFF"/>
+            </a:solidFill>
+            <a:ln>
+              <a:noFill/>
+            </a:ln>
+            <a:effectLst/>
+          </p:spPr>
+          <p:txBody>
+            <a:bodyPr wrap="square" lIns="0" tIns="0" rIns="0" bIns="0" rtlCol="0" anchor="ctr">
+              <a:spAutoFit/>
+            </a:bodyPr>
+            <a:lstStyle/>
+            <a:p>
+              <a:pPr marL="361950" indent="-361950" algn="ctr">
+                <a:lnSpc>
+                  <a:spcPct val="120000"/>
+                </a:lnSpc>
+                <a:spcBef>
+                  <a:spcPts val="1200"/>
+                </a:spcBef>
+                <a:spcAft>
+                  <a:spcPts val="600"/>
+                </a:spcAft>
+                <a:buFont typeface="Wingdings" pitchFamily="2" charset="2"/>
+                <a:buChar char="l"/>
+              </a:pPr>
+              <a:endParaRPr kumimoji="1" lang="ja-JP" altLang="en-US" sz="2000" dirty="0">
+                <a:latin typeface="メイリオ" pitchFamily="50" charset="-128"/>
+                <a:ea typeface="メイリオ" pitchFamily="50" charset="-128"/>
+                <a:cs typeface="メイリオ" pitchFamily="50" charset="-128"/>
+              </a:endParaRPr>
+            </a:p>
+          </p:txBody>
+        </p:sp>
+        <p:sp>
+          <p:nvSpPr>
+            <p:cNvPr id="15" name="正方形/長方形 14">
+              <a:extLst>
+                <a:ext uri="{FF2B5EF4-FFF2-40B4-BE49-F238E27FC236}">
+                  <a16:creationId xmlns:a16="http://schemas.microsoft.com/office/drawing/2014/main" id="{ED470409-ADB9-3737-A911-C645020F202F}"/>
+                </a:ext>
+              </a:extLst>
+            </p:cNvPr>
+            <p:cNvSpPr/>
+            <p:nvPr/>
+          </p:nvSpPr>
+          <p:spPr bwMode="auto">
+            <a:xfrm>
+              <a:off x="5112060" y="2708920"/>
+              <a:ext cx="111389" cy="107591"/>
+            </a:xfrm>
+            <a:prstGeom prst="rect">
+              <a:avLst/>
+            </a:prstGeom>
+            <a:solidFill>
+              <a:srgbClr val="FFFFFF"/>
+            </a:solidFill>
+            <a:ln>
+              <a:noFill/>
+            </a:ln>
+            <a:effectLst/>
+          </p:spPr>
+          <p:txBody>
+            <a:bodyPr wrap="square" lIns="0" tIns="0" rIns="0" bIns="0" rtlCol="0" anchor="ctr">
+              <a:spAutoFit/>
+            </a:bodyPr>
+            <a:lstStyle/>
+            <a:p>
+              <a:pPr marL="361950" indent="-361950" algn="ctr">
+                <a:lnSpc>
+                  <a:spcPct val="120000"/>
+                </a:lnSpc>
+                <a:spcBef>
+                  <a:spcPts val="1200"/>
+                </a:spcBef>
+                <a:spcAft>
+                  <a:spcPts val="600"/>
+                </a:spcAft>
+                <a:buFont typeface="Wingdings" pitchFamily="2" charset="2"/>
+                <a:buChar char="l"/>
+              </a:pPr>
+              <a:endParaRPr kumimoji="1" lang="ja-JP" altLang="en-US" sz="2000" dirty="0">
+                <a:latin typeface="メイリオ" pitchFamily="50" charset="-128"/>
+                <a:ea typeface="メイリオ" pitchFamily="50" charset="-128"/>
+                <a:cs typeface="メイリオ" pitchFamily="50" charset="-128"/>
+              </a:endParaRPr>
+            </a:p>
+          </p:txBody>
+        </p:sp>
+        <p:sp>
+          <p:nvSpPr>
+            <p:cNvPr id="16" name="正方形/長方形 15">
+              <a:extLst>
+                <a:ext uri="{FF2B5EF4-FFF2-40B4-BE49-F238E27FC236}">
+                  <a16:creationId xmlns:a16="http://schemas.microsoft.com/office/drawing/2014/main" id="{A7231ECF-7BE0-741C-DEFB-30713F71860C}"/>
+                </a:ext>
+              </a:extLst>
+            </p:cNvPr>
+            <p:cNvSpPr/>
+            <p:nvPr/>
+          </p:nvSpPr>
+          <p:spPr bwMode="auto">
+            <a:xfrm>
+              <a:off x="5308393" y="3753036"/>
+              <a:ext cx="55695" cy="107591"/>
+            </a:xfrm>
+            <a:prstGeom prst="rect">
+              <a:avLst/>
+            </a:prstGeom>
+            <a:solidFill>
+              <a:srgbClr val="FFFFFF"/>
+            </a:solidFill>
+            <a:ln>
+              <a:noFill/>
+            </a:ln>
+            <a:effectLst/>
+          </p:spPr>
+          <p:txBody>
+            <a:bodyPr wrap="square" lIns="0" tIns="0" rIns="0" bIns="0" rtlCol="0" anchor="ctr">
+              <a:spAutoFit/>
+            </a:bodyPr>
+            <a:lstStyle/>
+            <a:p>
+              <a:pPr marL="361950" indent="-361950" algn="ctr">
+                <a:lnSpc>
+                  <a:spcPct val="120000"/>
+                </a:lnSpc>
+                <a:spcBef>
+                  <a:spcPts val="1200"/>
+                </a:spcBef>
+                <a:spcAft>
+                  <a:spcPts val="600"/>
+                </a:spcAft>
+                <a:buFont typeface="Wingdings" pitchFamily="2" charset="2"/>
+                <a:buChar char="l"/>
+              </a:pPr>
+              <a:endParaRPr kumimoji="1" lang="ja-JP" altLang="en-US" sz="2000" dirty="0">
+                <a:latin typeface="メイリオ" pitchFamily="50" charset="-128"/>
+                <a:ea typeface="メイリオ" pitchFamily="50" charset="-128"/>
+                <a:cs typeface="メイリオ" pitchFamily="50" charset="-128"/>
+              </a:endParaRPr>
+            </a:p>
+          </p:txBody>
+        </p:sp>
+        <p:sp>
+          <p:nvSpPr>
+            <p:cNvPr id="17" name="正方形/長方形 16">
+              <a:extLst>
+                <a:ext uri="{FF2B5EF4-FFF2-40B4-BE49-F238E27FC236}">
+                  <a16:creationId xmlns:a16="http://schemas.microsoft.com/office/drawing/2014/main" id="{8E5F45B0-3C17-639C-8081-FE2C55F186CC}"/>
+                </a:ext>
+              </a:extLst>
+            </p:cNvPr>
+            <p:cNvSpPr/>
+            <p:nvPr/>
+          </p:nvSpPr>
+          <p:spPr bwMode="auto">
+            <a:xfrm>
+              <a:off x="3779912" y="2140600"/>
+              <a:ext cx="108012" cy="147745"/>
+            </a:xfrm>
+            <a:prstGeom prst="rect">
+              <a:avLst/>
+            </a:prstGeom>
+            <a:solidFill>
+              <a:srgbClr val="FFFFFF"/>
+            </a:solidFill>
+            <a:ln>
+              <a:noFill/>
+            </a:ln>
+            <a:effectLst/>
+          </p:spPr>
+          <p:txBody>
+            <a:bodyPr wrap="square" lIns="0" tIns="0" rIns="0" bIns="0" rtlCol="0" anchor="ctr">
+              <a:spAutoFit/>
+            </a:bodyPr>
+            <a:lstStyle/>
+            <a:p>
+              <a:pPr marL="361950" indent="-361950" algn="ctr">
+                <a:lnSpc>
+                  <a:spcPct val="120000"/>
+                </a:lnSpc>
+                <a:spcBef>
+                  <a:spcPts val="1200"/>
+                </a:spcBef>
+                <a:spcAft>
+                  <a:spcPts val="600"/>
+                </a:spcAft>
+                <a:buFont typeface="Wingdings" pitchFamily="2" charset="2"/>
+                <a:buChar char="l"/>
+              </a:pPr>
+              <a:endParaRPr kumimoji="1" lang="ja-JP" altLang="en-US" sz="2000" dirty="0">
+                <a:latin typeface="メイリオ" pitchFamily="50" charset="-128"/>
+                <a:ea typeface="メイリオ" pitchFamily="50" charset="-128"/>
+                <a:cs typeface="メイリオ" pitchFamily="50" charset="-128"/>
+              </a:endParaRPr>
+            </a:p>
+          </p:txBody>
+        </p:sp>
+        <p:sp>
+          <p:nvSpPr>
+            <p:cNvPr id="18" name="正方形/長方形 17">
+              <a:extLst>
+                <a:ext uri="{FF2B5EF4-FFF2-40B4-BE49-F238E27FC236}">
+                  <a16:creationId xmlns:a16="http://schemas.microsoft.com/office/drawing/2014/main" id="{8E6A9ED4-BDFE-8989-F90E-322ED5DE3860}"/>
+                </a:ext>
+              </a:extLst>
+            </p:cNvPr>
+            <p:cNvSpPr/>
+            <p:nvPr/>
+          </p:nvSpPr>
+          <p:spPr bwMode="auto">
+            <a:xfrm>
+              <a:off x="4211961" y="2130422"/>
+              <a:ext cx="108012" cy="105305"/>
+            </a:xfrm>
+            <a:prstGeom prst="rect">
+              <a:avLst/>
+            </a:prstGeom>
+            <a:solidFill>
+              <a:srgbClr val="FFFFFF"/>
+            </a:solidFill>
+            <a:ln>
+              <a:noFill/>
+            </a:ln>
+            <a:effectLst/>
+          </p:spPr>
+          <p:txBody>
+            <a:bodyPr wrap="square" lIns="0" tIns="0" rIns="0" bIns="0" rtlCol="0" anchor="ctr">
+              <a:spAutoFit/>
+            </a:bodyPr>
+            <a:lstStyle/>
+            <a:p>
+              <a:pPr marL="361950" indent="-361950" algn="ctr">
+                <a:lnSpc>
+                  <a:spcPct val="120000"/>
+                </a:lnSpc>
+                <a:spcBef>
+                  <a:spcPts val="1200"/>
+                </a:spcBef>
+                <a:spcAft>
+                  <a:spcPts val="600"/>
+                </a:spcAft>
+                <a:buFont typeface="Wingdings" pitchFamily="2" charset="2"/>
+                <a:buChar char="l"/>
+              </a:pPr>
+              <a:endParaRPr kumimoji="1" lang="ja-JP" altLang="en-US" sz="2000" dirty="0">
+                <a:latin typeface="メイリオ" pitchFamily="50" charset="-128"/>
+                <a:ea typeface="メイリオ" pitchFamily="50" charset="-128"/>
+                <a:cs typeface="メイリオ" pitchFamily="50" charset="-128"/>
+              </a:endParaRPr>
+            </a:p>
+          </p:txBody>
+        </p:sp>
+        <p:sp>
+          <p:nvSpPr>
+            <p:cNvPr id="19" name="正方形/長方形 18">
+              <a:extLst>
+                <a:ext uri="{FF2B5EF4-FFF2-40B4-BE49-F238E27FC236}">
+                  <a16:creationId xmlns:a16="http://schemas.microsoft.com/office/drawing/2014/main" id="{4EF6C8F4-B5F6-D5CA-5077-EDA06BC05979}"/>
+                </a:ext>
+              </a:extLst>
+            </p:cNvPr>
+            <p:cNvSpPr/>
+            <p:nvPr/>
+          </p:nvSpPr>
+          <p:spPr bwMode="auto">
+            <a:xfrm>
+              <a:off x="3703206" y="2915058"/>
+              <a:ext cx="153411" cy="108011"/>
+            </a:xfrm>
+            <a:prstGeom prst="rect">
+              <a:avLst/>
+            </a:prstGeom>
+            <a:solidFill>
+              <a:srgbClr val="D9D4AD"/>
+            </a:solidFill>
+            <a:ln>
+              <a:noFill/>
+            </a:ln>
+            <a:effectLst/>
+          </p:spPr>
+          <p:txBody>
+            <a:bodyPr wrap="square" lIns="0" tIns="0" rIns="0" bIns="0" rtlCol="0" anchor="ctr">
+              <a:spAutoFit/>
+            </a:bodyPr>
+            <a:lstStyle/>
+            <a:p>
+              <a:pPr marL="361950" indent="-361950" algn="ctr">
+                <a:lnSpc>
+                  <a:spcPct val="120000"/>
+                </a:lnSpc>
+                <a:spcBef>
+                  <a:spcPts val="1200"/>
+                </a:spcBef>
+                <a:spcAft>
+                  <a:spcPts val="600"/>
+                </a:spcAft>
+                <a:buFont typeface="Wingdings" pitchFamily="2" charset="2"/>
+                <a:buChar char="l"/>
+              </a:pPr>
+              <a:endParaRPr kumimoji="1" lang="ja-JP" altLang="en-US" sz="2000" dirty="0">
+                <a:latin typeface="メイリオ" pitchFamily="50" charset="-128"/>
+                <a:ea typeface="メイリオ" pitchFamily="50" charset="-128"/>
+                <a:cs typeface="メイリオ" pitchFamily="50" charset="-128"/>
+              </a:endParaRPr>
+            </a:p>
+          </p:txBody>
+        </p:sp>
+        <p:sp>
+          <p:nvSpPr>
+            <p:cNvPr id="20" name="正方形/長方形 19">
+              <a:extLst>
+                <a:ext uri="{FF2B5EF4-FFF2-40B4-BE49-F238E27FC236}">
+                  <a16:creationId xmlns:a16="http://schemas.microsoft.com/office/drawing/2014/main" id="{E006A372-03EB-4A10-DA60-3AB1649C1763}"/>
+                </a:ext>
+              </a:extLst>
+            </p:cNvPr>
+            <p:cNvSpPr/>
+            <p:nvPr/>
+          </p:nvSpPr>
+          <p:spPr bwMode="auto">
+            <a:xfrm>
+              <a:off x="4449928" y="3733379"/>
+              <a:ext cx="141500" cy="108012"/>
+            </a:xfrm>
+            <a:prstGeom prst="rect">
+              <a:avLst/>
+            </a:prstGeom>
+            <a:solidFill>
+              <a:srgbClr val="FFFFFF"/>
+            </a:solidFill>
+            <a:ln>
+              <a:noFill/>
+            </a:ln>
+            <a:effectLst/>
+          </p:spPr>
+          <p:txBody>
+            <a:bodyPr wrap="square" lIns="0" tIns="0" rIns="0" bIns="0" rtlCol="0" anchor="ctr">
+              <a:spAutoFit/>
+            </a:bodyPr>
+            <a:lstStyle/>
+            <a:p>
+              <a:pPr marL="361950" indent="-361950" algn="ctr">
+                <a:lnSpc>
+                  <a:spcPct val="120000"/>
+                </a:lnSpc>
+                <a:spcBef>
+                  <a:spcPts val="1200"/>
+                </a:spcBef>
+                <a:spcAft>
+                  <a:spcPts val="600"/>
+                </a:spcAft>
+                <a:buFont typeface="Wingdings" pitchFamily="2" charset="2"/>
+                <a:buChar char="l"/>
+              </a:pPr>
+              <a:endParaRPr kumimoji="1" lang="ja-JP" altLang="en-US" sz="2000" dirty="0">
+                <a:latin typeface="メイリオ" pitchFamily="50" charset="-128"/>
+                <a:ea typeface="メイリオ" pitchFamily="50" charset="-128"/>
+                <a:cs typeface="メイリオ" pitchFamily="50" charset="-128"/>
+              </a:endParaRPr>
+            </a:p>
+          </p:txBody>
+        </p:sp>
+        <p:sp>
+          <p:nvSpPr>
+            <p:cNvPr id="21" name="正方形/長方形 20">
+              <a:extLst>
+                <a:ext uri="{FF2B5EF4-FFF2-40B4-BE49-F238E27FC236}">
+                  <a16:creationId xmlns:a16="http://schemas.microsoft.com/office/drawing/2014/main" id="{E9103042-C349-5A82-D257-5B8D475B93E8}"/>
+                </a:ext>
+              </a:extLst>
+            </p:cNvPr>
+            <p:cNvSpPr/>
+            <p:nvPr/>
+          </p:nvSpPr>
+          <p:spPr bwMode="auto">
+            <a:xfrm>
+              <a:off x="3383868" y="2925727"/>
+              <a:ext cx="90410" cy="467269"/>
+            </a:xfrm>
+            <a:prstGeom prst="rect">
+              <a:avLst/>
+            </a:prstGeom>
+            <a:solidFill>
+              <a:srgbClr val="E8F0F3"/>
+            </a:solidFill>
+            <a:ln>
+              <a:noFill/>
+            </a:ln>
+            <a:effectLst/>
+          </p:spPr>
+          <p:txBody>
+            <a:bodyPr wrap="square" lIns="0" tIns="0" rIns="0" bIns="0" rtlCol="0" anchor="ctr">
+              <a:spAutoFit/>
+            </a:bodyPr>
+            <a:lstStyle/>
+            <a:p>
+              <a:pPr marL="361950" indent="-361950" algn="ctr">
+                <a:lnSpc>
+                  <a:spcPct val="120000"/>
+                </a:lnSpc>
+                <a:spcBef>
+                  <a:spcPts val="1200"/>
+                </a:spcBef>
+                <a:spcAft>
+                  <a:spcPts val="600"/>
+                </a:spcAft>
+                <a:buFont typeface="Wingdings" pitchFamily="2" charset="2"/>
+                <a:buChar char="l"/>
+              </a:pPr>
+              <a:endParaRPr kumimoji="1" lang="ja-JP" altLang="en-US" sz="2000" dirty="0">
+                <a:latin typeface="メイリオ" pitchFamily="50" charset="-128"/>
+                <a:ea typeface="メイリオ" pitchFamily="50" charset="-128"/>
+                <a:cs typeface="メイリオ" pitchFamily="50" charset="-128"/>
+              </a:endParaRPr>
+            </a:p>
+          </p:txBody>
+        </p:sp>
+        <p:sp>
+          <p:nvSpPr>
+            <p:cNvPr id="22" name="矢印: 右 21">
+              <a:extLst>
+                <a:ext uri="{FF2B5EF4-FFF2-40B4-BE49-F238E27FC236}">
+                  <a16:creationId xmlns:a16="http://schemas.microsoft.com/office/drawing/2014/main" id="{244541A7-4FEF-5492-EFF7-262833373A02}"/>
+                </a:ext>
+              </a:extLst>
+            </p:cNvPr>
+            <p:cNvSpPr/>
+            <p:nvPr/>
+          </p:nvSpPr>
+          <p:spPr bwMode="auto">
+            <a:xfrm>
+              <a:off x="5313607" y="3214456"/>
+              <a:ext cx="295957" cy="242832"/>
+            </a:xfrm>
+            <a:prstGeom prst="rightArrow">
+              <a:avLst/>
+            </a:prstGeom>
+            <a:solidFill>
+              <a:srgbClr val="92D050"/>
+            </a:solidFill>
+            <a:ln>
+              <a:noFill/>
+            </a:ln>
+            <a:effectLst/>
+          </p:spPr>
+          <p:txBody>
+            <a:bodyPr wrap="square" lIns="0" tIns="0" rIns="0" bIns="0" rtlCol="0" anchor="ctr">
+              <a:spAutoFit/>
+            </a:bodyPr>
+            <a:lstStyle/>
+            <a:p>
+              <a:pPr marL="361950" indent="-361950" algn="ctr">
+                <a:lnSpc>
+                  <a:spcPct val="120000"/>
+                </a:lnSpc>
+                <a:spcBef>
+                  <a:spcPts val="1200"/>
+                </a:spcBef>
+                <a:spcAft>
+                  <a:spcPts val="600"/>
+                </a:spcAft>
+                <a:buFont typeface="Wingdings" pitchFamily="2" charset="2"/>
+                <a:buChar char="l"/>
+              </a:pPr>
+              <a:endParaRPr kumimoji="1" lang="ja-JP" altLang="en-US" sz="2000" dirty="0">
+                <a:latin typeface="メイリオ" pitchFamily="50" charset="-128"/>
+                <a:ea typeface="メイリオ" pitchFamily="50" charset="-128"/>
+                <a:cs typeface="メイリオ" pitchFamily="50" charset="-128"/>
+              </a:endParaRPr>
+            </a:p>
+          </p:txBody>
+        </p:sp>
+        <p:sp>
+          <p:nvSpPr>
+            <p:cNvPr id="23" name="テキスト ボックス 22">
+              <a:extLst>
+                <a:ext uri="{FF2B5EF4-FFF2-40B4-BE49-F238E27FC236}">
+                  <a16:creationId xmlns:a16="http://schemas.microsoft.com/office/drawing/2014/main" id="{C273C0A4-7FAC-83C4-1057-B8C1B104E3CA}"/>
+                </a:ext>
+              </a:extLst>
+            </p:cNvPr>
+            <p:cNvSpPr txBox="1"/>
+            <p:nvPr/>
+          </p:nvSpPr>
+          <p:spPr>
+            <a:xfrm>
+              <a:off x="5308393" y="2818924"/>
+              <a:ext cx="703767" cy="453970"/>
+            </a:xfrm>
+            <a:prstGeom prst="rect">
+              <a:avLst/>
+            </a:prstGeom>
+            <a:noFill/>
+          </p:spPr>
+          <p:txBody>
+            <a:bodyPr wrap="square" rtlCol="0">
+              <a:spAutoFit/>
+            </a:bodyPr>
+            <a:lstStyle/>
+            <a:p>
+              <a:pPr algn="ctr">
+                <a:lnSpc>
+                  <a:spcPct val="120000"/>
+                </a:lnSpc>
+              </a:pPr>
+              <a:r>
+                <a:rPr lang="ja-JP" altLang="en-US" sz="1000" dirty="0"/>
+                <a:t>キッチン</a:t>
+              </a:r>
+              <a:endParaRPr lang="en-US" altLang="ja-JP" sz="1000" dirty="0"/>
+            </a:p>
+            <a:p>
+              <a:pPr algn="ctr">
+                <a:lnSpc>
+                  <a:spcPct val="120000"/>
+                </a:lnSpc>
+              </a:pPr>
+              <a:r>
+                <a:rPr lang="ja-JP" altLang="en-US" sz="1000" dirty="0"/>
+                <a:t>ルーム</a:t>
+              </a:r>
+              <a:endParaRPr kumimoji="1" lang="ja-JP" altLang="en-US" sz="1000" dirty="0"/>
+            </a:p>
+          </p:txBody>
+        </p:sp>
+        <p:sp>
+          <p:nvSpPr>
+            <p:cNvPr id="24" name="テキスト ボックス 23">
+              <a:extLst>
+                <a:ext uri="{FF2B5EF4-FFF2-40B4-BE49-F238E27FC236}">
+                  <a16:creationId xmlns:a16="http://schemas.microsoft.com/office/drawing/2014/main" id="{0A4BFE9C-F67F-6E2E-F4DD-2B7207DEE496}"/>
+                </a:ext>
+              </a:extLst>
+            </p:cNvPr>
+            <p:cNvSpPr txBox="1"/>
+            <p:nvPr/>
+          </p:nvSpPr>
+          <p:spPr>
+            <a:xfrm>
+              <a:off x="4600974" y="1865895"/>
+              <a:ext cx="1082348" cy="269304"/>
+            </a:xfrm>
+            <a:prstGeom prst="rect">
+              <a:avLst/>
+            </a:prstGeom>
+            <a:noFill/>
+          </p:spPr>
+          <p:txBody>
+            <a:bodyPr wrap="square" rtlCol="0">
+              <a:spAutoFit/>
+            </a:bodyPr>
+            <a:lstStyle/>
+            <a:p>
+              <a:pPr>
+                <a:lnSpc>
+                  <a:spcPct val="120000"/>
+                </a:lnSpc>
+              </a:pPr>
+              <a:r>
+                <a:rPr lang="ja-JP" altLang="en-US" sz="1000" dirty="0"/>
+                <a:t>オフィスルーム</a:t>
+              </a:r>
+              <a:endParaRPr kumimoji="1" lang="ja-JP" altLang="en-US" sz="1000" dirty="0"/>
+            </a:p>
+          </p:txBody>
+        </p:sp>
+        <p:sp>
+          <p:nvSpPr>
+            <p:cNvPr id="25" name="矢印: 右 24">
+              <a:extLst>
+                <a:ext uri="{FF2B5EF4-FFF2-40B4-BE49-F238E27FC236}">
+                  <a16:creationId xmlns:a16="http://schemas.microsoft.com/office/drawing/2014/main" id="{0CE46B07-4820-0EC8-6FEE-A26FDDF333A5}"/>
+                </a:ext>
+              </a:extLst>
+            </p:cNvPr>
+            <p:cNvSpPr/>
+            <p:nvPr/>
+          </p:nvSpPr>
+          <p:spPr bwMode="auto">
+            <a:xfrm rot="16200000">
+              <a:off x="4424759" y="2010788"/>
+              <a:ext cx="295957" cy="242832"/>
+            </a:xfrm>
+            <a:prstGeom prst="rightArrow">
+              <a:avLst/>
+            </a:prstGeom>
+            <a:solidFill>
+              <a:srgbClr val="92D050"/>
+            </a:solidFill>
+            <a:ln>
+              <a:noFill/>
+            </a:ln>
+            <a:effectLst/>
+          </p:spPr>
+          <p:txBody>
+            <a:bodyPr wrap="square" lIns="0" tIns="0" rIns="0" bIns="0" rtlCol="0" anchor="ctr">
+              <a:spAutoFit/>
+            </a:bodyPr>
+            <a:lstStyle/>
+            <a:p>
+              <a:pPr marL="361950" indent="-361950" algn="ctr">
+                <a:lnSpc>
+                  <a:spcPct val="120000"/>
+                </a:lnSpc>
+                <a:spcBef>
+                  <a:spcPts val="1200"/>
+                </a:spcBef>
+                <a:spcAft>
+                  <a:spcPts val="600"/>
+                </a:spcAft>
+                <a:buFont typeface="Wingdings" pitchFamily="2" charset="2"/>
+                <a:buChar char="l"/>
+              </a:pPr>
+              <a:endParaRPr kumimoji="1" lang="ja-JP" altLang="en-US" sz="2000" dirty="0">
+                <a:latin typeface="メイリオ" pitchFamily="50" charset="-128"/>
+                <a:ea typeface="メイリオ" pitchFamily="50" charset="-128"/>
+                <a:cs typeface="メイリオ" pitchFamily="50" charset="-128"/>
+              </a:endParaRPr>
+            </a:p>
+          </p:txBody>
+        </p:sp>
+        <p:sp>
+          <p:nvSpPr>
+            <p:cNvPr id="27" name="テキスト ボックス 26">
+              <a:extLst>
+                <a:ext uri="{FF2B5EF4-FFF2-40B4-BE49-F238E27FC236}">
+                  <a16:creationId xmlns:a16="http://schemas.microsoft.com/office/drawing/2014/main" id="{0E9606E8-5719-73C9-BE1F-4BF9DF8CA283}"/>
+                </a:ext>
+              </a:extLst>
+            </p:cNvPr>
+            <p:cNvSpPr txBox="1"/>
+            <p:nvPr/>
+          </p:nvSpPr>
+          <p:spPr>
+            <a:xfrm>
+              <a:off x="3678498" y="3441977"/>
+              <a:ext cx="592640" cy="233910"/>
+            </a:xfrm>
+            <a:prstGeom prst="rect">
+              <a:avLst/>
+            </a:prstGeom>
+            <a:noFill/>
+          </p:spPr>
+          <p:txBody>
+            <a:bodyPr wrap="square" rtlCol="0">
+              <a:spAutoFit/>
+            </a:bodyPr>
+            <a:lstStyle/>
+            <a:p>
+              <a:pPr>
+                <a:lnSpc>
+                  <a:spcPct val="120000"/>
+                </a:lnSpc>
+              </a:pPr>
+              <a:r>
+                <a:rPr lang="ja-JP" altLang="en-US" sz="800" dirty="0"/>
+                <a:t>ソファ</a:t>
+              </a:r>
+              <a:endParaRPr kumimoji="1" lang="ja-JP" altLang="en-US" sz="800" dirty="0"/>
+            </a:p>
+          </p:txBody>
+        </p:sp>
+        <p:cxnSp>
+          <p:nvCxnSpPr>
+            <p:cNvPr id="29" name="直線矢印コネクタ 28">
+              <a:extLst>
+                <a:ext uri="{FF2B5EF4-FFF2-40B4-BE49-F238E27FC236}">
+                  <a16:creationId xmlns:a16="http://schemas.microsoft.com/office/drawing/2014/main" id="{28C6D779-0364-FBD9-1C28-70ECA2926576}"/>
+                </a:ext>
+              </a:extLst>
+            </p:cNvPr>
+            <p:cNvCxnSpPr>
+              <a:cxnSpLocks/>
+              <a:endCxn id="14" idx="0"/>
+            </p:cNvCxnSpPr>
+            <p:nvPr/>
+          </p:nvCxnSpPr>
+          <p:spPr>
+            <a:xfrm flipH="1">
+              <a:off x="4848837" y="3429000"/>
+              <a:ext cx="83203" cy="317748"/>
+            </a:xfrm>
+            <a:prstGeom prst="straightConnector1">
+              <a:avLst/>
+            </a:prstGeom>
+            <a:ln>
+              <a:tailEnd type="triangle"/>
+            </a:ln>
+          </p:spPr>
+          <p:style>
+            <a:lnRef idx="1">
+              <a:schemeClr val="accent1"/>
+            </a:lnRef>
+            <a:fillRef idx="0">
+              <a:schemeClr val="accent1"/>
+            </a:fillRef>
+            <a:effectRef idx="0">
+              <a:schemeClr val="accent1"/>
+            </a:effectRef>
+            <a:fontRef idx="minor">
+              <a:schemeClr val="tx1"/>
+            </a:fontRef>
+          </p:style>
+        </p:cxnSp>
+        <p:cxnSp>
+          <p:nvCxnSpPr>
+            <p:cNvPr id="31" name="直線矢印コネクタ 30">
+              <a:extLst>
+                <a:ext uri="{FF2B5EF4-FFF2-40B4-BE49-F238E27FC236}">
+                  <a16:creationId xmlns:a16="http://schemas.microsoft.com/office/drawing/2014/main" id="{E7378E35-FE64-5BF3-D88D-D29815E8993F}"/>
+                </a:ext>
+              </a:extLst>
+            </p:cNvPr>
+            <p:cNvCxnSpPr>
+              <a:cxnSpLocks/>
+              <a:stCxn id="7" idx="2"/>
+              <a:endCxn id="13" idx="3"/>
+            </p:cNvCxnSpPr>
+            <p:nvPr/>
+          </p:nvCxnSpPr>
+          <p:spPr>
+            <a:xfrm flipH="1">
+              <a:off x="4449928" y="3356992"/>
+              <a:ext cx="302092" cy="32886"/>
+            </a:xfrm>
+            <a:prstGeom prst="straightConnector1">
+              <a:avLst/>
+            </a:prstGeom>
+            <a:ln>
+              <a:tailEnd type="triangle"/>
+            </a:ln>
+          </p:spPr>
+          <p:style>
+            <a:lnRef idx="1">
+              <a:schemeClr val="accent1"/>
+            </a:lnRef>
+            <a:fillRef idx="0">
+              <a:schemeClr val="accent1"/>
+            </a:fillRef>
+            <a:effectRef idx="0">
+              <a:schemeClr val="accent1"/>
+            </a:effectRef>
+            <a:fontRef idx="minor">
+              <a:schemeClr val="tx1"/>
+            </a:fontRef>
+          </p:style>
+        </p:cxnSp>
+        <p:sp>
+          <p:nvSpPr>
+            <p:cNvPr id="50" name="正方形/長方形 49">
+              <a:extLst>
+                <a:ext uri="{FF2B5EF4-FFF2-40B4-BE49-F238E27FC236}">
+                  <a16:creationId xmlns:a16="http://schemas.microsoft.com/office/drawing/2014/main" id="{52D4BA4E-E3EA-4C5C-AA3E-B76C5897DB38}"/>
+                </a:ext>
+              </a:extLst>
+            </p:cNvPr>
+            <p:cNvSpPr/>
+            <p:nvPr/>
+          </p:nvSpPr>
+          <p:spPr bwMode="auto">
+            <a:xfrm>
+              <a:off x="2879812" y="3002178"/>
+              <a:ext cx="432048" cy="181500"/>
+            </a:xfrm>
+            <a:prstGeom prst="rect">
+              <a:avLst/>
+            </a:prstGeom>
+            <a:noFill/>
+            <a:ln>
+              <a:noFill/>
+            </a:ln>
+            <a:effectLst/>
+          </p:spPr>
+          <p:txBody>
+            <a:bodyPr wrap="square" lIns="0" tIns="0" rIns="0" bIns="0" rtlCol="0" anchor="ctr">
+              <a:spAutoFit/>
+            </a:bodyPr>
+            <a:lstStyle/>
+            <a:p>
+              <a:pPr marL="361950" indent="-361950" algn="ctr">
+                <a:lnSpc>
+                  <a:spcPct val="120000"/>
+                </a:lnSpc>
+                <a:spcBef>
+                  <a:spcPts val="1200"/>
+                </a:spcBef>
+                <a:spcAft>
+                  <a:spcPts val="600"/>
+                </a:spcAft>
+                <a:buFont typeface="Wingdings" pitchFamily="2" charset="2"/>
+                <a:buChar char="l"/>
+              </a:pPr>
+              <a:endParaRPr kumimoji="1" lang="ja-JP" altLang="en-US" sz="2000" dirty="0">
+                <a:latin typeface="メイリオ" pitchFamily="50" charset="-128"/>
+                <a:ea typeface="メイリオ" pitchFamily="50" charset="-128"/>
+                <a:cs typeface="メイリオ" pitchFamily="50" charset="-128"/>
+              </a:endParaRPr>
+            </a:p>
+          </p:txBody>
+        </p:sp>
+      </p:grpSp>
+    </p:spTree>
+    <p:extLst>
+      <p:ext uri="{BB962C8B-B14F-4D97-AF65-F5344CB8AC3E}">
+        <p14:creationId xmlns:p14="http://schemas.microsoft.com/office/powerpoint/2010/main" val="3156643427"/>
+      </p:ext>
+    </p:extLst>
+  </p:cSld>
+  <p:clrMapOvr>
+    <a:masterClrMapping/>
+  </p:clrMapOvr>
+</p:sld>
+</file>
+
 <file path=ppt/theme/theme1.xml><?xml version="1.0" encoding="utf-8"?>
 <a:theme xmlns:a="http://schemas.openxmlformats.org/drawingml/2006/main" name="PowerPoint Design">
   <a:themeElements>

--- a/作図用_yy2.pptx
+++ b/作図用_yy2.pptx
@@ -5,10 +5,10 @@
     <p:sldMasterId id="2147483658" r:id="rId1"/>
   </p:sldMasterIdLst>
   <p:notesMasterIdLst>
-    <p:notesMasterId r:id="rId11"/>
+    <p:notesMasterId r:id="rId12"/>
   </p:notesMasterIdLst>
   <p:handoutMasterIdLst>
-    <p:handoutMasterId r:id="rId12"/>
+    <p:handoutMasterId r:id="rId13"/>
   </p:handoutMasterIdLst>
   <p:sldIdLst>
     <p:sldId id="258" r:id="rId2"/>
@@ -18,8 +18,9 @@
     <p:sldId id="261" r:id="rId6"/>
     <p:sldId id="263" r:id="rId7"/>
     <p:sldId id="264" r:id="rId8"/>
-    <p:sldId id="265" r:id="rId9"/>
-    <p:sldId id="266" r:id="rId10"/>
+    <p:sldId id="267" r:id="rId9"/>
+    <p:sldId id="265" r:id="rId10"/>
+    <p:sldId id="266" r:id="rId11"/>
   </p:sldIdLst>
   <p:sldSz cx="9144000" cy="6858000" type="screen4x3"/>
   <p:notesSz cx="6858000" cy="9144000"/>
@@ -130,6 +131,7 @@
             <p14:sldId id="261"/>
             <p14:sldId id="263"/>
             <p14:sldId id="264"/>
+            <p14:sldId id="267"/>
             <p14:sldId id="265"/>
             <p14:sldId id="266"/>
           </p14:sldIdLst>
@@ -291,7 +293,7 @@
             <a:fld id="{116CA9A1-49A5-4813-BE73-64411D697E83}" type="datetimeFigureOut">
               <a:rPr kumimoji="1" lang="ja-JP" altLang="en-US" smtClean="0"/>
               <a:pPr/>
-              <a:t>2022/10/14</a:t>
+              <a:t>2022/11/10</a:t>
             </a:fld>
             <a:endParaRPr kumimoji="1" lang="ja-JP" altLang="en-US"/>
           </a:p>
@@ -458,7 +460,7 @@
             <a:fld id="{BB218005-AB2E-4230-9CBF-EC876F8C3946}" type="datetimeFigureOut">
               <a:rPr kumimoji="1" lang="ja-JP" altLang="en-US" smtClean="0"/>
               <a:pPr/>
-              <a:t>2022/10/14</a:t>
+              <a:t>2022/11/10</a:t>
             </a:fld>
             <a:endParaRPr kumimoji="1" lang="ja-JP" altLang="en-US"/>
           </a:p>
@@ -6191,6 +6193,1267 @@
     <p:extLst>
       <p:ext uri="{BB962C8B-B14F-4D97-AF65-F5344CB8AC3E}">
         <p14:creationId xmlns:p14="http://schemas.microsoft.com/office/powerpoint/2010/main" val="2317522712"/>
+      </p:ext>
+    </p:extLst>
+  </p:cSld>
+  <p:clrMapOvr>
+    <a:masterClrMapping/>
+  </p:clrMapOvr>
+</p:sld>
+</file>
+
+<file path=ppt/slides/slide10.xml><?xml version="1.0" encoding="utf-8"?>
+<p:sld xmlns:a="http://schemas.openxmlformats.org/drawingml/2006/main" xmlns:r="http://schemas.openxmlformats.org/officeDocument/2006/relationships" xmlns:p="http://schemas.openxmlformats.org/presentationml/2006/main">
+  <p:cSld>
+    <p:spTree>
+      <p:nvGrpSpPr>
+        <p:cNvPr id="1" name=""/>
+        <p:cNvGrpSpPr/>
+        <p:nvPr/>
+      </p:nvGrpSpPr>
+      <p:grpSpPr>
+        <a:xfrm>
+          <a:off x="0" y="0"/>
+          <a:ext cx="0" cy="0"/>
+          <a:chOff x="0" y="0"/>
+          <a:chExt cx="0" cy="0"/>
+        </a:xfrm>
+      </p:grpSpPr>
+      <p:sp>
+        <p:nvSpPr>
+          <p:cNvPr id="2" name="スライド番号プレースホルダー 1">
+            <a:extLst>
+              <a:ext uri="{FF2B5EF4-FFF2-40B4-BE49-F238E27FC236}">
+                <a16:creationId xmlns:a16="http://schemas.microsoft.com/office/drawing/2014/main" id="{CAE8FF55-D954-CABA-E3F7-F1B3BEA35F50}"/>
+              </a:ext>
+            </a:extLst>
+          </p:cNvPr>
+          <p:cNvSpPr>
+            <a:spLocks noGrp="1"/>
+          </p:cNvSpPr>
+          <p:nvPr>
+            <p:ph type="sldNum" sz="quarter" idx="4"/>
+          </p:nvPr>
+        </p:nvSpPr>
+        <p:spPr/>
+        <p:txBody>
+          <a:bodyPr/>
+          <a:lstStyle/>
+          <a:p>
+            <a:fld id="{FB3508C7-2FE0-4945-9CBD-863E05F850D2}" type="slidenum">
+              <a:rPr lang="ja-JP" altLang="en-US" smtClean="0"/>
+              <a:pPr/>
+              <a:t>9</a:t>
+            </a:fld>
+            <a:endParaRPr lang="ja-JP" altLang="en-US" dirty="0"/>
+          </a:p>
+        </p:txBody>
+      </p:sp>
+      <p:sp>
+        <p:nvSpPr>
+          <p:cNvPr id="3" name="タイトル 2">
+            <a:extLst>
+              <a:ext uri="{FF2B5EF4-FFF2-40B4-BE49-F238E27FC236}">
+                <a16:creationId xmlns:a16="http://schemas.microsoft.com/office/drawing/2014/main" id="{0175A26D-11FE-1273-411F-CF68B308DB98}"/>
+              </a:ext>
+            </a:extLst>
+          </p:cNvPr>
+          <p:cNvSpPr>
+            <a:spLocks noGrp="1"/>
+          </p:cNvSpPr>
+          <p:nvPr>
+            <p:ph type="title"/>
+          </p:nvPr>
+        </p:nvSpPr>
+        <p:spPr/>
+        <p:txBody>
+          <a:bodyPr/>
+          <a:lstStyle/>
+          <a:p>
+            <a:endParaRPr kumimoji="1" lang="ja-JP" altLang="en-US"/>
+          </a:p>
+        </p:txBody>
+      </p:sp>
+      <p:sp>
+        <p:nvSpPr>
+          <p:cNvPr id="4" name="フッター プレースホルダー 3">
+            <a:extLst>
+              <a:ext uri="{FF2B5EF4-FFF2-40B4-BE49-F238E27FC236}">
+                <a16:creationId xmlns:a16="http://schemas.microsoft.com/office/drawing/2014/main" id="{86A888A3-8D11-E3EC-8FFD-31CF0CF868F6}"/>
+              </a:ext>
+            </a:extLst>
+          </p:cNvPr>
+          <p:cNvSpPr>
+            <a:spLocks noGrp="1"/>
+          </p:cNvSpPr>
+          <p:nvPr>
+            <p:ph type="ftr" sz="quarter" idx="3"/>
+          </p:nvPr>
+        </p:nvSpPr>
+        <p:spPr/>
+        <p:txBody>
+          <a:bodyPr/>
+          <a:lstStyle/>
+          <a:p>
+            <a:r>
+              <a:rPr lang="en-US" altLang="ja-JP"/>
+              <a:t>©Tamukoh Lab. Kyutech, Japan</a:t>
+            </a:r>
+            <a:endParaRPr lang="ja-JP" altLang="en-US" dirty="0"/>
+          </a:p>
+        </p:txBody>
+      </p:sp>
+      <p:grpSp>
+        <p:nvGrpSpPr>
+          <p:cNvPr id="51" name="グループ化 50">
+            <a:extLst>
+              <a:ext uri="{FF2B5EF4-FFF2-40B4-BE49-F238E27FC236}">
+                <a16:creationId xmlns:a16="http://schemas.microsoft.com/office/drawing/2014/main" id="{C8B0BFD2-B48F-5EFC-5D29-791528882B3F}"/>
+              </a:ext>
+            </a:extLst>
+          </p:cNvPr>
+          <p:cNvGrpSpPr/>
+          <p:nvPr/>
+        </p:nvGrpSpPr>
+        <p:grpSpPr>
+          <a:xfrm>
+            <a:off x="2879812" y="1865895"/>
+            <a:ext cx="3132348" cy="2391197"/>
+            <a:chOff x="2879812" y="1865895"/>
+            <a:chExt cx="3132348" cy="2391197"/>
+          </a:xfrm>
+        </p:grpSpPr>
+        <p:pic>
+          <p:nvPicPr>
+            <p:cNvPr id="6" name="図 5" descr="ダイアグラム&#10;&#10;自動的に生成された説明">
+              <a:extLst>
+                <a:ext uri="{FF2B5EF4-FFF2-40B4-BE49-F238E27FC236}">
+                  <a16:creationId xmlns:a16="http://schemas.microsoft.com/office/drawing/2014/main" id="{69854D6F-1FC1-9F77-FA4F-9EF85EF7AEB1}"/>
+                </a:ext>
+              </a:extLst>
+            </p:cNvPr>
+            <p:cNvPicPr>
+              <a:picLocks noChangeAspect="1"/>
+            </p:cNvPicPr>
+            <p:nvPr/>
+          </p:nvPicPr>
+          <p:blipFill rotWithShape="1">
+            <a:blip r:embed="rId2"/>
+            <a:srcRect l="5240" t="44446" r="45857" b="3108"/>
+            <a:stretch/>
+          </p:blipFill>
+          <p:spPr>
+            <a:xfrm>
+              <a:off x="3347864" y="2132856"/>
+              <a:ext cx="2016224" cy="2124236"/>
+            </a:xfrm>
+            <a:prstGeom prst="rect">
+              <a:avLst/>
+            </a:prstGeom>
+          </p:spPr>
+        </p:pic>
+        <p:sp>
+          <p:nvSpPr>
+            <p:cNvPr id="7" name="正方形/長方形 6">
+              <a:extLst>
+                <a:ext uri="{FF2B5EF4-FFF2-40B4-BE49-F238E27FC236}">
+                  <a16:creationId xmlns:a16="http://schemas.microsoft.com/office/drawing/2014/main" id="{27DFCD67-FEF0-0977-5742-084D253ADA13}"/>
+                </a:ext>
+              </a:extLst>
+            </p:cNvPr>
+            <p:cNvSpPr/>
+            <p:nvPr/>
+          </p:nvSpPr>
+          <p:spPr bwMode="auto">
+            <a:xfrm>
+              <a:off x="4680012" y="2708920"/>
+              <a:ext cx="144016" cy="648072"/>
+            </a:xfrm>
+            <a:prstGeom prst="rect">
+              <a:avLst/>
+            </a:prstGeom>
+            <a:solidFill>
+              <a:srgbClr val="D9D4AD"/>
+            </a:solidFill>
+            <a:ln>
+              <a:noFill/>
+            </a:ln>
+            <a:effectLst/>
+          </p:spPr>
+          <p:txBody>
+            <a:bodyPr wrap="square" lIns="0" tIns="0" rIns="0" bIns="0" rtlCol="0" anchor="ctr">
+              <a:spAutoFit/>
+            </a:bodyPr>
+            <a:lstStyle/>
+            <a:p>
+              <a:pPr marL="361950" indent="-361950" algn="ctr">
+                <a:lnSpc>
+                  <a:spcPct val="120000"/>
+                </a:lnSpc>
+                <a:spcBef>
+                  <a:spcPts val="1200"/>
+                </a:spcBef>
+                <a:spcAft>
+                  <a:spcPts val="600"/>
+                </a:spcAft>
+                <a:buFont typeface="Wingdings" pitchFamily="2" charset="2"/>
+                <a:buChar char="l"/>
+              </a:pPr>
+              <a:endParaRPr kumimoji="1" lang="ja-JP" altLang="en-US" sz="2000" dirty="0">
+                <a:latin typeface="メイリオ" pitchFamily="50" charset="-128"/>
+                <a:ea typeface="メイリオ" pitchFamily="50" charset="-128"/>
+                <a:cs typeface="メイリオ" pitchFamily="50" charset="-128"/>
+              </a:endParaRPr>
+            </a:p>
+          </p:txBody>
+        </p:sp>
+        <p:sp>
+          <p:nvSpPr>
+            <p:cNvPr id="9" name="テキスト ボックス 8">
+              <a:extLst>
+                <a:ext uri="{FF2B5EF4-FFF2-40B4-BE49-F238E27FC236}">
+                  <a16:creationId xmlns:a16="http://schemas.microsoft.com/office/drawing/2014/main" id="{46CF3961-7E24-E7AF-4165-DB461F074D48}"/>
+                </a:ext>
+              </a:extLst>
+            </p:cNvPr>
+            <p:cNvSpPr txBox="1"/>
+            <p:nvPr/>
+          </p:nvSpPr>
+          <p:spPr>
+            <a:xfrm>
+              <a:off x="3959932" y="2841262"/>
+              <a:ext cx="1082348" cy="269304"/>
+            </a:xfrm>
+            <a:prstGeom prst="rect">
+              <a:avLst/>
+            </a:prstGeom>
+            <a:noFill/>
+          </p:spPr>
+          <p:txBody>
+            <a:bodyPr wrap="square" rtlCol="0">
+              <a:spAutoFit/>
+            </a:bodyPr>
+            <a:lstStyle/>
+            <a:p>
+              <a:pPr>
+                <a:lnSpc>
+                  <a:spcPct val="120000"/>
+                </a:lnSpc>
+              </a:pPr>
+              <a:r>
+                <a:rPr lang="ja-JP" altLang="en-US" sz="1000" dirty="0"/>
+                <a:t>リビングルーム</a:t>
+              </a:r>
+              <a:endParaRPr kumimoji="1" lang="ja-JP" altLang="en-US" sz="1000" dirty="0"/>
+            </a:p>
+          </p:txBody>
+        </p:sp>
+        <p:sp>
+          <p:nvSpPr>
+            <p:cNvPr id="10" name="テキスト ボックス 9">
+              <a:extLst>
+                <a:ext uri="{FF2B5EF4-FFF2-40B4-BE49-F238E27FC236}">
+                  <a16:creationId xmlns:a16="http://schemas.microsoft.com/office/drawing/2014/main" id="{60012374-BACB-A24F-2BD0-2D768AEDBB65}"/>
+                </a:ext>
+              </a:extLst>
+            </p:cNvPr>
+            <p:cNvSpPr txBox="1"/>
+            <p:nvPr/>
+          </p:nvSpPr>
+          <p:spPr>
+            <a:xfrm>
+              <a:off x="3833918" y="2564904"/>
+              <a:ext cx="530915" cy="251607"/>
+            </a:xfrm>
+            <a:prstGeom prst="rect">
+              <a:avLst/>
+            </a:prstGeom>
+            <a:solidFill>
+              <a:srgbClr val="D9D4AD"/>
+            </a:solidFill>
+          </p:spPr>
+          <p:txBody>
+            <a:bodyPr wrap="square" rtlCol="0">
+              <a:spAutoFit/>
+            </a:bodyPr>
+            <a:lstStyle/>
+            <a:p>
+              <a:pPr>
+                <a:lnSpc>
+                  <a:spcPct val="120000"/>
+                </a:lnSpc>
+              </a:pPr>
+              <a:r>
+                <a:rPr lang="ja-JP" altLang="en-US" sz="900" dirty="0"/>
+                <a:t>テレビ</a:t>
+              </a:r>
+              <a:endParaRPr kumimoji="1" lang="ja-JP" altLang="en-US" sz="900" dirty="0"/>
+            </a:p>
+          </p:txBody>
+        </p:sp>
+        <p:sp>
+          <p:nvSpPr>
+            <p:cNvPr id="11" name="テキスト ボックス 10">
+              <a:extLst>
+                <a:ext uri="{FF2B5EF4-FFF2-40B4-BE49-F238E27FC236}">
+                  <a16:creationId xmlns:a16="http://schemas.microsoft.com/office/drawing/2014/main" id="{597C506A-5828-40FC-ABF3-DA6ECC322076}"/>
+                </a:ext>
+              </a:extLst>
+            </p:cNvPr>
+            <p:cNvSpPr txBox="1"/>
+            <p:nvPr/>
+          </p:nvSpPr>
+          <p:spPr>
+            <a:xfrm>
+              <a:off x="4680012" y="3256480"/>
+              <a:ext cx="592640" cy="233910"/>
+            </a:xfrm>
+            <a:prstGeom prst="rect">
+              <a:avLst/>
+            </a:prstGeom>
+            <a:noFill/>
+          </p:spPr>
+          <p:txBody>
+            <a:bodyPr wrap="square" rtlCol="0">
+              <a:spAutoFit/>
+            </a:bodyPr>
+            <a:lstStyle/>
+            <a:p>
+              <a:pPr>
+                <a:lnSpc>
+                  <a:spcPct val="120000"/>
+                </a:lnSpc>
+              </a:pPr>
+              <a:r>
+                <a:rPr lang="ja-JP" altLang="en-US" sz="800" dirty="0"/>
+                <a:t>テーブル</a:t>
+              </a:r>
+              <a:endParaRPr kumimoji="1" lang="ja-JP" altLang="en-US" sz="800" dirty="0"/>
+            </a:p>
+          </p:txBody>
+        </p:sp>
+        <p:sp>
+          <p:nvSpPr>
+            <p:cNvPr id="12" name="テキスト ボックス 11">
+              <a:extLst>
+                <a:ext uri="{FF2B5EF4-FFF2-40B4-BE49-F238E27FC236}">
+                  <a16:creationId xmlns:a16="http://schemas.microsoft.com/office/drawing/2014/main" id="{A6BA9C53-520B-ED08-336D-57C1EDB50CB4}"/>
+                </a:ext>
+              </a:extLst>
+            </p:cNvPr>
+            <p:cNvSpPr txBox="1"/>
+            <p:nvPr/>
+          </p:nvSpPr>
+          <p:spPr>
+            <a:xfrm>
+              <a:off x="3671900" y="3513820"/>
+              <a:ext cx="252028" cy="198516"/>
+            </a:xfrm>
+            <a:prstGeom prst="rect">
+              <a:avLst/>
+            </a:prstGeom>
+            <a:solidFill>
+              <a:srgbClr val="D9D4AD"/>
+            </a:solidFill>
+          </p:spPr>
+          <p:txBody>
+            <a:bodyPr wrap="square" rtlCol="0">
+              <a:spAutoFit/>
+            </a:bodyPr>
+            <a:lstStyle/>
+            <a:p>
+              <a:pPr>
+                <a:lnSpc>
+                  <a:spcPct val="120000"/>
+                </a:lnSpc>
+              </a:pPr>
+              <a:endParaRPr kumimoji="1" lang="ja-JP" altLang="en-US" sz="600" dirty="0"/>
+            </a:p>
+          </p:txBody>
+        </p:sp>
+        <p:sp>
+          <p:nvSpPr>
+            <p:cNvPr id="13" name="正方形/長方形 12">
+              <a:extLst>
+                <a:ext uri="{FF2B5EF4-FFF2-40B4-BE49-F238E27FC236}">
+                  <a16:creationId xmlns:a16="http://schemas.microsoft.com/office/drawing/2014/main" id="{AE0EFC70-2E01-8804-68FB-694B6B5505C6}"/>
+                </a:ext>
+              </a:extLst>
+            </p:cNvPr>
+            <p:cNvSpPr/>
+            <p:nvPr/>
+          </p:nvSpPr>
+          <p:spPr bwMode="auto">
+            <a:xfrm>
+              <a:off x="4308428" y="3335872"/>
+              <a:ext cx="141500" cy="108012"/>
+            </a:xfrm>
+            <a:prstGeom prst="rect">
+              <a:avLst/>
+            </a:prstGeom>
+            <a:solidFill>
+              <a:srgbClr val="FFFFFF"/>
+            </a:solidFill>
+            <a:ln>
+              <a:noFill/>
+            </a:ln>
+            <a:effectLst/>
+          </p:spPr>
+          <p:txBody>
+            <a:bodyPr wrap="square" lIns="0" tIns="0" rIns="0" bIns="0" rtlCol="0" anchor="ctr">
+              <a:spAutoFit/>
+            </a:bodyPr>
+            <a:lstStyle/>
+            <a:p>
+              <a:pPr marL="361950" indent="-361950" algn="ctr">
+                <a:lnSpc>
+                  <a:spcPct val="120000"/>
+                </a:lnSpc>
+                <a:spcBef>
+                  <a:spcPts val="1200"/>
+                </a:spcBef>
+                <a:spcAft>
+                  <a:spcPts val="600"/>
+                </a:spcAft>
+                <a:buFont typeface="Wingdings" pitchFamily="2" charset="2"/>
+                <a:buChar char="l"/>
+              </a:pPr>
+              <a:endParaRPr kumimoji="1" lang="ja-JP" altLang="en-US" sz="2000" dirty="0">
+                <a:latin typeface="メイリオ" pitchFamily="50" charset="-128"/>
+                <a:ea typeface="メイリオ" pitchFamily="50" charset="-128"/>
+                <a:cs typeface="メイリオ" pitchFamily="50" charset="-128"/>
+              </a:endParaRPr>
+            </a:p>
+          </p:txBody>
+        </p:sp>
+        <p:sp>
+          <p:nvSpPr>
+            <p:cNvPr id="14" name="正方形/長方形 13">
+              <a:extLst>
+                <a:ext uri="{FF2B5EF4-FFF2-40B4-BE49-F238E27FC236}">
+                  <a16:creationId xmlns:a16="http://schemas.microsoft.com/office/drawing/2014/main" id="{0AD21C0F-EA8A-8412-D8AD-9B3EC5F9B925}"/>
+                </a:ext>
+              </a:extLst>
+            </p:cNvPr>
+            <p:cNvSpPr/>
+            <p:nvPr/>
+          </p:nvSpPr>
+          <p:spPr bwMode="auto">
+            <a:xfrm>
+              <a:off x="4778087" y="3746748"/>
+              <a:ext cx="141500" cy="108012"/>
+            </a:xfrm>
+            <a:prstGeom prst="rect">
+              <a:avLst/>
+            </a:prstGeom>
+            <a:solidFill>
+              <a:srgbClr val="FFFFFF"/>
+            </a:solidFill>
+            <a:ln>
+              <a:noFill/>
+            </a:ln>
+            <a:effectLst/>
+          </p:spPr>
+          <p:txBody>
+            <a:bodyPr wrap="square" lIns="0" tIns="0" rIns="0" bIns="0" rtlCol="0" anchor="ctr">
+              <a:spAutoFit/>
+            </a:bodyPr>
+            <a:lstStyle/>
+            <a:p>
+              <a:pPr marL="361950" indent="-361950" algn="ctr">
+                <a:lnSpc>
+                  <a:spcPct val="120000"/>
+                </a:lnSpc>
+                <a:spcBef>
+                  <a:spcPts val="1200"/>
+                </a:spcBef>
+                <a:spcAft>
+                  <a:spcPts val="600"/>
+                </a:spcAft>
+                <a:buFont typeface="Wingdings" pitchFamily="2" charset="2"/>
+                <a:buChar char="l"/>
+              </a:pPr>
+              <a:endParaRPr kumimoji="1" lang="ja-JP" altLang="en-US" sz="2000" dirty="0">
+                <a:latin typeface="メイリオ" pitchFamily="50" charset="-128"/>
+                <a:ea typeface="メイリオ" pitchFamily="50" charset="-128"/>
+                <a:cs typeface="メイリオ" pitchFamily="50" charset="-128"/>
+              </a:endParaRPr>
+            </a:p>
+          </p:txBody>
+        </p:sp>
+        <p:sp>
+          <p:nvSpPr>
+            <p:cNvPr id="15" name="正方形/長方形 14">
+              <a:extLst>
+                <a:ext uri="{FF2B5EF4-FFF2-40B4-BE49-F238E27FC236}">
+                  <a16:creationId xmlns:a16="http://schemas.microsoft.com/office/drawing/2014/main" id="{ED470409-ADB9-3737-A911-C645020F202F}"/>
+                </a:ext>
+              </a:extLst>
+            </p:cNvPr>
+            <p:cNvSpPr/>
+            <p:nvPr/>
+          </p:nvSpPr>
+          <p:spPr bwMode="auto">
+            <a:xfrm>
+              <a:off x="5112060" y="2708920"/>
+              <a:ext cx="111389" cy="107591"/>
+            </a:xfrm>
+            <a:prstGeom prst="rect">
+              <a:avLst/>
+            </a:prstGeom>
+            <a:solidFill>
+              <a:srgbClr val="FFFFFF"/>
+            </a:solidFill>
+            <a:ln>
+              <a:noFill/>
+            </a:ln>
+            <a:effectLst/>
+          </p:spPr>
+          <p:txBody>
+            <a:bodyPr wrap="square" lIns="0" tIns="0" rIns="0" bIns="0" rtlCol="0" anchor="ctr">
+              <a:spAutoFit/>
+            </a:bodyPr>
+            <a:lstStyle/>
+            <a:p>
+              <a:pPr marL="361950" indent="-361950" algn="ctr">
+                <a:lnSpc>
+                  <a:spcPct val="120000"/>
+                </a:lnSpc>
+                <a:spcBef>
+                  <a:spcPts val="1200"/>
+                </a:spcBef>
+                <a:spcAft>
+                  <a:spcPts val="600"/>
+                </a:spcAft>
+                <a:buFont typeface="Wingdings" pitchFamily="2" charset="2"/>
+                <a:buChar char="l"/>
+              </a:pPr>
+              <a:endParaRPr kumimoji="1" lang="ja-JP" altLang="en-US" sz="2000" dirty="0">
+                <a:latin typeface="メイリオ" pitchFamily="50" charset="-128"/>
+                <a:ea typeface="メイリオ" pitchFamily="50" charset="-128"/>
+                <a:cs typeface="メイリオ" pitchFamily="50" charset="-128"/>
+              </a:endParaRPr>
+            </a:p>
+          </p:txBody>
+        </p:sp>
+        <p:sp>
+          <p:nvSpPr>
+            <p:cNvPr id="16" name="正方形/長方形 15">
+              <a:extLst>
+                <a:ext uri="{FF2B5EF4-FFF2-40B4-BE49-F238E27FC236}">
+                  <a16:creationId xmlns:a16="http://schemas.microsoft.com/office/drawing/2014/main" id="{A7231ECF-7BE0-741C-DEFB-30713F71860C}"/>
+                </a:ext>
+              </a:extLst>
+            </p:cNvPr>
+            <p:cNvSpPr/>
+            <p:nvPr/>
+          </p:nvSpPr>
+          <p:spPr bwMode="auto">
+            <a:xfrm>
+              <a:off x="5308393" y="3753036"/>
+              <a:ext cx="55695" cy="107591"/>
+            </a:xfrm>
+            <a:prstGeom prst="rect">
+              <a:avLst/>
+            </a:prstGeom>
+            <a:solidFill>
+              <a:srgbClr val="FFFFFF"/>
+            </a:solidFill>
+            <a:ln>
+              <a:noFill/>
+            </a:ln>
+            <a:effectLst/>
+          </p:spPr>
+          <p:txBody>
+            <a:bodyPr wrap="square" lIns="0" tIns="0" rIns="0" bIns="0" rtlCol="0" anchor="ctr">
+              <a:spAutoFit/>
+            </a:bodyPr>
+            <a:lstStyle/>
+            <a:p>
+              <a:pPr marL="361950" indent="-361950" algn="ctr">
+                <a:lnSpc>
+                  <a:spcPct val="120000"/>
+                </a:lnSpc>
+                <a:spcBef>
+                  <a:spcPts val="1200"/>
+                </a:spcBef>
+                <a:spcAft>
+                  <a:spcPts val="600"/>
+                </a:spcAft>
+                <a:buFont typeface="Wingdings" pitchFamily="2" charset="2"/>
+                <a:buChar char="l"/>
+              </a:pPr>
+              <a:endParaRPr kumimoji="1" lang="ja-JP" altLang="en-US" sz="2000" dirty="0">
+                <a:latin typeface="メイリオ" pitchFamily="50" charset="-128"/>
+                <a:ea typeface="メイリオ" pitchFamily="50" charset="-128"/>
+                <a:cs typeface="メイリオ" pitchFamily="50" charset="-128"/>
+              </a:endParaRPr>
+            </a:p>
+          </p:txBody>
+        </p:sp>
+        <p:sp>
+          <p:nvSpPr>
+            <p:cNvPr id="17" name="正方形/長方形 16">
+              <a:extLst>
+                <a:ext uri="{FF2B5EF4-FFF2-40B4-BE49-F238E27FC236}">
+                  <a16:creationId xmlns:a16="http://schemas.microsoft.com/office/drawing/2014/main" id="{8E5F45B0-3C17-639C-8081-FE2C55F186CC}"/>
+                </a:ext>
+              </a:extLst>
+            </p:cNvPr>
+            <p:cNvSpPr/>
+            <p:nvPr/>
+          </p:nvSpPr>
+          <p:spPr bwMode="auto">
+            <a:xfrm>
+              <a:off x="3779912" y="2140600"/>
+              <a:ext cx="108012" cy="147745"/>
+            </a:xfrm>
+            <a:prstGeom prst="rect">
+              <a:avLst/>
+            </a:prstGeom>
+            <a:solidFill>
+              <a:srgbClr val="FFFFFF"/>
+            </a:solidFill>
+            <a:ln>
+              <a:noFill/>
+            </a:ln>
+            <a:effectLst/>
+          </p:spPr>
+          <p:txBody>
+            <a:bodyPr wrap="square" lIns="0" tIns="0" rIns="0" bIns="0" rtlCol="0" anchor="ctr">
+              <a:spAutoFit/>
+            </a:bodyPr>
+            <a:lstStyle/>
+            <a:p>
+              <a:pPr marL="361950" indent="-361950" algn="ctr">
+                <a:lnSpc>
+                  <a:spcPct val="120000"/>
+                </a:lnSpc>
+                <a:spcBef>
+                  <a:spcPts val="1200"/>
+                </a:spcBef>
+                <a:spcAft>
+                  <a:spcPts val="600"/>
+                </a:spcAft>
+                <a:buFont typeface="Wingdings" pitchFamily="2" charset="2"/>
+                <a:buChar char="l"/>
+              </a:pPr>
+              <a:endParaRPr kumimoji="1" lang="ja-JP" altLang="en-US" sz="2000" dirty="0">
+                <a:latin typeface="メイリオ" pitchFamily="50" charset="-128"/>
+                <a:ea typeface="メイリオ" pitchFamily="50" charset="-128"/>
+                <a:cs typeface="メイリオ" pitchFamily="50" charset="-128"/>
+              </a:endParaRPr>
+            </a:p>
+          </p:txBody>
+        </p:sp>
+        <p:sp>
+          <p:nvSpPr>
+            <p:cNvPr id="18" name="正方形/長方形 17">
+              <a:extLst>
+                <a:ext uri="{FF2B5EF4-FFF2-40B4-BE49-F238E27FC236}">
+                  <a16:creationId xmlns:a16="http://schemas.microsoft.com/office/drawing/2014/main" id="{8E6A9ED4-BDFE-8989-F90E-322ED5DE3860}"/>
+                </a:ext>
+              </a:extLst>
+            </p:cNvPr>
+            <p:cNvSpPr/>
+            <p:nvPr/>
+          </p:nvSpPr>
+          <p:spPr bwMode="auto">
+            <a:xfrm>
+              <a:off x="4211961" y="2130422"/>
+              <a:ext cx="108012" cy="105305"/>
+            </a:xfrm>
+            <a:prstGeom prst="rect">
+              <a:avLst/>
+            </a:prstGeom>
+            <a:solidFill>
+              <a:srgbClr val="FFFFFF"/>
+            </a:solidFill>
+            <a:ln>
+              <a:noFill/>
+            </a:ln>
+            <a:effectLst/>
+          </p:spPr>
+          <p:txBody>
+            <a:bodyPr wrap="square" lIns="0" tIns="0" rIns="0" bIns="0" rtlCol="0" anchor="ctr">
+              <a:spAutoFit/>
+            </a:bodyPr>
+            <a:lstStyle/>
+            <a:p>
+              <a:pPr marL="361950" indent="-361950" algn="ctr">
+                <a:lnSpc>
+                  <a:spcPct val="120000"/>
+                </a:lnSpc>
+                <a:spcBef>
+                  <a:spcPts val="1200"/>
+                </a:spcBef>
+                <a:spcAft>
+                  <a:spcPts val="600"/>
+                </a:spcAft>
+                <a:buFont typeface="Wingdings" pitchFamily="2" charset="2"/>
+                <a:buChar char="l"/>
+              </a:pPr>
+              <a:endParaRPr kumimoji="1" lang="ja-JP" altLang="en-US" sz="2000" dirty="0">
+                <a:latin typeface="メイリオ" pitchFamily="50" charset="-128"/>
+                <a:ea typeface="メイリオ" pitchFamily="50" charset="-128"/>
+                <a:cs typeface="メイリオ" pitchFamily="50" charset="-128"/>
+              </a:endParaRPr>
+            </a:p>
+          </p:txBody>
+        </p:sp>
+        <p:sp>
+          <p:nvSpPr>
+            <p:cNvPr id="19" name="正方形/長方形 18">
+              <a:extLst>
+                <a:ext uri="{FF2B5EF4-FFF2-40B4-BE49-F238E27FC236}">
+                  <a16:creationId xmlns:a16="http://schemas.microsoft.com/office/drawing/2014/main" id="{4EF6C8F4-B5F6-D5CA-5077-EDA06BC05979}"/>
+                </a:ext>
+              </a:extLst>
+            </p:cNvPr>
+            <p:cNvSpPr/>
+            <p:nvPr/>
+          </p:nvSpPr>
+          <p:spPr bwMode="auto">
+            <a:xfrm>
+              <a:off x="3703206" y="2915058"/>
+              <a:ext cx="153411" cy="108011"/>
+            </a:xfrm>
+            <a:prstGeom prst="rect">
+              <a:avLst/>
+            </a:prstGeom>
+            <a:solidFill>
+              <a:srgbClr val="D9D4AD"/>
+            </a:solidFill>
+            <a:ln>
+              <a:noFill/>
+            </a:ln>
+            <a:effectLst/>
+          </p:spPr>
+          <p:txBody>
+            <a:bodyPr wrap="square" lIns="0" tIns="0" rIns="0" bIns="0" rtlCol="0" anchor="ctr">
+              <a:spAutoFit/>
+            </a:bodyPr>
+            <a:lstStyle/>
+            <a:p>
+              <a:pPr marL="361950" indent="-361950" algn="ctr">
+                <a:lnSpc>
+                  <a:spcPct val="120000"/>
+                </a:lnSpc>
+                <a:spcBef>
+                  <a:spcPts val="1200"/>
+                </a:spcBef>
+                <a:spcAft>
+                  <a:spcPts val="600"/>
+                </a:spcAft>
+                <a:buFont typeface="Wingdings" pitchFamily="2" charset="2"/>
+                <a:buChar char="l"/>
+              </a:pPr>
+              <a:endParaRPr kumimoji="1" lang="ja-JP" altLang="en-US" sz="2000" dirty="0">
+                <a:latin typeface="メイリオ" pitchFamily="50" charset="-128"/>
+                <a:ea typeface="メイリオ" pitchFamily="50" charset="-128"/>
+                <a:cs typeface="メイリオ" pitchFamily="50" charset="-128"/>
+              </a:endParaRPr>
+            </a:p>
+          </p:txBody>
+        </p:sp>
+        <p:sp>
+          <p:nvSpPr>
+            <p:cNvPr id="20" name="正方形/長方形 19">
+              <a:extLst>
+                <a:ext uri="{FF2B5EF4-FFF2-40B4-BE49-F238E27FC236}">
+                  <a16:creationId xmlns:a16="http://schemas.microsoft.com/office/drawing/2014/main" id="{E006A372-03EB-4A10-DA60-3AB1649C1763}"/>
+                </a:ext>
+              </a:extLst>
+            </p:cNvPr>
+            <p:cNvSpPr/>
+            <p:nvPr/>
+          </p:nvSpPr>
+          <p:spPr bwMode="auto">
+            <a:xfrm>
+              <a:off x="4449928" y="3733379"/>
+              <a:ext cx="141500" cy="108012"/>
+            </a:xfrm>
+            <a:prstGeom prst="rect">
+              <a:avLst/>
+            </a:prstGeom>
+            <a:solidFill>
+              <a:srgbClr val="FFFFFF"/>
+            </a:solidFill>
+            <a:ln>
+              <a:noFill/>
+            </a:ln>
+            <a:effectLst/>
+          </p:spPr>
+          <p:txBody>
+            <a:bodyPr wrap="square" lIns="0" tIns="0" rIns="0" bIns="0" rtlCol="0" anchor="ctr">
+              <a:spAutoFit/>
+            </a:bodyPr>
+            <a:lstStyle/>
+            <a:p>
+              <a:pPr marL="361950" indent="-361950" algn="ctr">
+                <a:lnSpc>
+                  <a:spcPct val="120000"/>
+                </a:lnSpc>
+                <a:spcBef>
+                  <a:spcPts val="1200"/>
+                </a:spcBef>
+                <a:spcAft>
+                  <a:spcPts val="600"/>
+                </a:spcAft>
+                <a:buFont typeface="Wingdings" pitchFamily="2" charset="2"/>
+                <a:buChar char="l"/>
+              </a:pPr>
+              <a:endParaRPr kumimoji="1" lang="ja-JP" altLang="en-US" sz="2000" dirty="0">
+                <a:latin typeface="メイリオ" pitchFamily="50" charset="-128"/>
+                <a:ea typeface="メイリオ" pitchFamily="50" charset="-128"/>
+                <a:cs typeface="メイリオ" pitchFamily="50" charset="-128"/>
+              </a:endParaRPr>
+            </a:p>
+          </p:txBody>
+        </p:sp>
+        <p:sp>
+          <p:nvSpPr>
+            <p:cNvPr id="21" name="正方形/長方形 20">
+              <a:extLst>
+                <a:ext uri="{FF2B5EF4-FFF2-40B4-BE49-F238E27FC236}">
+                  <a16:creationId xmlns:a16="http://schemas.microsoft.com/office/drawing/2014/main" id="{E9103042-C349-5A82-D257-5B8D475B93E8}"/>
+                </a:ext>
+              </a:extLst>
+            </p:cNvPr>
+            <p:cNvSpPr/>
+            <p:nvPr/>
+          </p:nvSpPr>
+          <p:spPr bwMode="auto">
+            <a:xfrm>
+              <a:off x="3383868" y="2925727"/>
+              <a:ext cx="90410" cy="467269"/>
+            </a:xfrm>
+            <a:prstGeom prst="rect">
+              <a:avLst/>
+            </a:prstGeom>
+            <a:solidFill>
+              <a:srgbClr val="E8F0F3"/>
+            </a:solidFill>
+            <a:ln>
+              <a:noFill/>
+            </a:ln>
+            <a:effectLst/>
+          </p:spPr>
+          <p:txBody>
+            <a:bodyPr wrap="square" lIns="0" tIns="0" rIns="0" bIns="0" rtlCol="0" anchor="ctr">
+              <a:spAutoFit/>
+            </a:bodyPr>
+            <a:lstStyle/>
+            <a:p>
+              <a:pPr marL="361950" indent="-361950" algn="ctr">
+                <a:lnSpc>
+                  <a:spcPct val="120000"/>
+                </a:lnSpc>
+                <a:spcBef>
+                  <a:spcPts val="1200"/>
+                </a:spcBef>
+                <a:spcAft>
+                  <a:spcPts val="600"/>
+                </a:spcAft>
+                <a:buFont typeface="Wingdings" pitchFamily="2" charset="2"/>
+                <a:buChar char="l"/>
+              </a:pPr>
+              <a:endParaRPr kumimoji="1" lang="ja-JP" altLang="en-US" sz="2000" dirty="0">
+                <a:latin typeface="メイリオ" pitchFamily="50" charset="-128"/>
+                <a:ea typeface="メイリオ" pitchFamily="50" charset="-128"/>
+                <a:cs typeface="メイリオ" pitchFamily="50" charset="-128"/>
+              </a:endParaRPr>
+            </a:p>
+          </p:txBody>
+        </p:sp>
+        <p:sp>
+          <p:nvSpPr>
+            <p:cNvPr id="22" name="矢印: 右 21">
+              <a:extLst>
+                <a:ext uri="{FF2B5EF4-FFF2-40B4-BE49-F238E27FC236}">
+                  <a16:creationId xmlns:a16="http://schemas.microsoft.com/office/drawing/2014/main" id="{244541A7-4FEF-5492-EFF7-262833373A02}"/>
+                </a:ext>
+              </a:extLst>
+            </p:cNvPr>
+            <p:cNvSpPr/>
+            <p:nvPr/>
+          </p:nvSpPr>
+          <p:spPr bwMode="auto">
+            <a:xfrm>
+              <a:off x="5313607" y="3214456"/>
+              <a:ext cx="295957" cy="242832"/>
+            </a:xfrm>
+            <a:prstGeom prst="rightArrow">
+              <a:avLst/>
+            </a:prstGeom>
+            <a:solidFill>
+              <a:srgbClr val="92D050"/>
+            </a:solidFill>
+            <a:ln>
+              <a:noFill/>
+            </a:ln>
+            <a:effectLst/>
+          </p:spPr>
+          <p:txBody>
+            <a:bodyPr wrap="square" lIns="0" tIns="0" rIns="0" bIns="0" rtlCol="0" anchor="ctr">
+              <a:spAutoFit/>
+            </a:bodyPr>
+            <a:lstStyle/>
+            <a:p>
+              <a:pPr marL="361950" indent="-361950" algn="ctr">
+                <a:lnSpc>
+                  <a:spcPct val="120000"/>
+                </a:lnSpc>
+                <a:spcBef>
+                  <a:spcPts val="1200"/>
+                </a:spcBef>
+                <a:spcAft>
+                  <a:spcPts val="600"/>
+                </a:spcAft>
+                <a:buFont typeface="Wingdings" pitchFamily="2" charset="2"/>
+                <a:buChar char="l"/>
+              </a:pPr>
+              <a:endParaRPr kumimoji="1" lang="ja-JP" altLang="en-US" sz="2000" dirty="0">
+                <a:latin typeface="メイリオ" pitchFamily="50" charset="-128"/>
+                <a:ea typeface="メイリオ" pitchFamily="50" charset="-128"/>
+                <a:cs typeface="メイリオ" pitchFamily="50" charset="-128"/>
+              </a:endParaRPr>
+            </a:p>
+          </p:txBody>
+        </p:sp>
+        <p:sp>
+          <p:nvSpPr>
+            <p:cNvPr id="23" name="テキスト ボックス 22">
+              <a:extLst>
+                <a:ext uri="{FF2B5EF4-FFF2-40B4-BE49-F238E27FC236}">
+                  <a16:creationId xmlns:a16="http://schemas.microsoft.com/office/drawing/2014/main" id="{C273C0A4-7FAC-83C4-1057-B8C1B104E3CA}"/>
+                </a:ext>
+              </a:extLst>
+            </p:cNvPr>
+            <p:cNvSpPr txBox="1"/>
+            <p:nvPr/>
+          </p:nvSpPr>
+          <p:spPr>
+            <a:xfrm>
+              <a:off x="5308393" y="2818924"/>
+              <a:ext cx="703767" cy="453970"/>
+            </a:xfrm>
+            <a:prstGeom prst="rect">
+              <a:avLst/>
+            </a:prstGeom>
+            <a:noFill/>
+          </p:spPr>
+          <p:txBody>
+            <a:bodyPr wrap="square" rtlCol="0">
+              <a:spAutoFit/>
+            </a:bodyPr>
+            <a:lstStyle/>
+            <a:p>
+              <a:pPr algn="ctr">
+                <a:lnSpc>
+                  <a:spcPct val="120000"/>
+                </a:lnSpc>
+              </a:pPr>
+              <a:r>
+                <a:rPr lang="ja-JP" altLang="en-US" sz="1000" dirty="0"/>
+                <a:t>キッチン</a:t>
+              </a:r>
+              <a:endParaRPr lang="en-US" altLang="ja-JP" sz="1000" dirty="0"/>
+            </a:p>
+            <a:p>
+              <a:pPr algn="ctr">
+                <a:lnSpc>
+                  <a:spcPct val="120000"/>
+                </a:lnSpc>
+              </a:pPr>
+              <a:r>
+                <a:rPr lang="ja-JP" altLang="en-US" sz="1000" dirty="0"/>
+                <a:t>ルーム</a:t>
+              </a:r>
+              <a:endParaRPr kumimoji="1" lang="ja-JP" altLang="en-US" sz="1000" dirty="0"/>
+            </a:p>
+          </p:txBody>
+        </p:sp>
+        <p:sp>
+          <p:nvSpPr>
+            <p:cNvPr id="24" name="テキスト ボックス 23">
+              <a:extLst>
+                <a:ext uri="{FF2B5EF4-FFF2-40B4-BE49-F238E27FC236}">
+                  <a16:creationId xmlns:a16="http://schemas.microsoft.com/office/drawing/2014/main" id="{0A4BFE9C-F67F-6E2E-F4DD-2B7207DEE496}"/>
+                </a:ext>
+              </a:extLst>
+            </p:cNvPr>
+            <p:cNvSpPr txBox="1"/>
+            <p:nvPr/>
+          </p:nvSpPr>
+          <p:spPr>
+            <a:xfrm>
+              <a:off x="4600974" y="1865895"/>
+              <a:ext cx="1082348" cy="269304"/>
+            </a:xfrm>
+            <a:prstGeom prst="rect">
+              <a:avLst/>
+            </a:prstGeom>
+            <a:noFill/>
+          </p:spPr>
+          <p:txBody>
+            <a:bodyPr wrap="square" rtlCol="0">
+              <a:spAutoFit/>
+            </a:bodyPr>
+            <a:lstStyle/>
+            <a:p>
+              <a:pPr>
+                <a:lnSpc>
+                  <a:spcPct val="120000"/>
+                </a:lnSpc>
+              </a:pPr>
+              <a:r>
+                <a:rPr lang="ja-JP" altLang="en-US" sz="1000" dirty="0"/>
+                <a:t>オフィスルーム</a:t>
+              </a:r>
+              <a:endParaRPr kumimoji="1" lang="ja-JP" altLang="en-US" sz="1000" dirty="0"/>
+            </a:p>
+          </p:txBody>
+        </p:sp>
+        <p:sp>
+          <p:nvSpPr>
+            <p:cNvPr id="25" name="矢印: 右 24">
+              <a:extLst>
+                <a:ext uri="{FF2B5EF4-FFF2-40B4-BE49-F238E27FC236}">
+                  <a16:creationId xmlns:a16="http://schemas.microsoft.com/office/drawing/2014/main" id="{0CE46B07-4820-0EC8-6FEE-A26FDDF333A5}"/>
+                </a:ext>
+              </a:extLst>
+            </p:cNvPr>
+            <p:cNvSpPr/>
+            <p:nvPr/>
+          </p:nvSpPr>
+          <p:spPr bwMode="auto">
+            <a:xfrm rot="16200000">
+              <a:off x="4424759" y="2010788"/>
+              <a:ext cx="295957" cy="242832"/>
+            </a:xfrm>
+            <a:prstGeom prst="rightArrow">
+              <a:avLst/>
+            </a:prstGeom>
+            <a:solidFill>
+              <a:srgbClr val="92D050"/>
+            </a:solidFill>
+            <a:ln>
+              <a:noFill/>
+            </a:ln>
+            <a:effectLst/>
+          </p:spPr>
+          <p:txBody>
+            <a:bodyPr wrap="square" lIns="0" tIns="0" rIns="0" bIns="0" rtlCol="0" anchor="ctr">
+              <a:spAutoFit/>
+            </a:bodyPr>
+            <a:lstStyle/>
+            <a:p>
+              <a:pPr marL="361950" indent="-361950" algn="ctr">
+                <a:lnSpc>
+                  <a:spcPct val="120000"/>
+                </a:lnSpc>
+                <a:spcBef>
+                  <a:spcPts val="1200"/>
+                </a:spcBef>
+                <a:spcAft>
+                  <a:spcPts val="600"/>
+                </a:spcAft>
+                <a:buFont typeface="Wingdings" pitchFamily="2" charset="2"/>
+                <a:buChar char="l"/>
+              </a:pPr>
+              <a:endParaRPr kumimoji="1" lang="ja-JP" altLang="en-US" sz="2000" dirty="0">
+                <a:latin typeface="メイリオ" pitchFamily="50" charset="-128"/>
+                <a:ea typeface="メイリオ" pitchFamily="50" charset="-128"/>
+                <a:cs typeface="メイリオ" pitchFamily="50" charset="-128"/>
+              </a:endParaRPr>
+            </a:p>
+          </p:txBody>
+        </p:sp>
+        <p:sp>
+          <p:nvSpPr>
+            <p:cNvPr id="27" name="テキスト ボックス 26">
+              <a:extLst>
+                <a:ext uri="{FF2B5EF4-FFF2-40B4-BE49-F238E27FC236}">
+                  <a16:creationId xmlns:a16="http://schemas.microsoft.com/office/drawing/2014/main" id="{0E9606E8-5719-73C9-BE1F-4BF9DF8CA283}"/>
+                </a:ext>
+              </a:extLst>
+            </p:cNvPr>
+            <p:cNvSpPr txBox="1"/>
+            <p:nvPr/>
+          </p:nvSpPr>
+          <p:spPr>
+            <a:xfrm>
+              <a:off x="3678498" y="3441977"/>
+              <a:ext cx="592640" cy="233910"/>
+            </a:xfrm>
+            <a:prstGeom prst="rect">
+              <a:avLst/>
+            </a:prstGeom>
+            <a:noFill/>
+          </p:spPr>
+          <p:txBody>
+            <a:bodyPr wrap="square" rtlCol="0">
+              <a:spAutoFit/>
+            </a:bodyPr>
+            <a:lstStyle/>
+            <a:p>
+              <a:pPr>
+                <a:lnSpc>
+                  <a:spcPct val="120000"/>
+                </a:lnSpc>
+              </a:pPr>
+              <a:r>
+                <a:rPr lang="ja-JP" altLang="en-US" sz="800" dirty="0"/>
+                <a:t>ソファ</a:t>
+              </a:r>
+              <a:endParaRPr kumimoji="1" lang="ja-JP" altLang="en-US" sz="800" dirty="0"/>
+            </a:p>
+          </p:txBody>
+        </p:sp>
+        <p:cxnSp>
+          <p:nvCxnSpPr>
+            <p:cNvPr id="29" name="直線矢印コネクタ 28">
+              <a:extLst>
+                <a:ext uri="{FF2B5EF4-FFF2-40B4-BE49-F238E27FC236}">
+                  <a16:creationId xmlns:a16="http://schemas.microsoft.com/office/drawing/2014/main" id="{28C6D779-0364-FBD9-1C28-70ECA2926576}"/>
+                </a:ext>
+              </a:extLst>
+            </p:cNvPr>
+            <p:cNvCxnSpPr>
+              <a:cxnSpLocks/>
+              <a:endCxn id="14" idx="0"/>
+            </p:cNvCxnSpPr>
+            <p:nvPr/>
+          </p:nvCxnSpPr>
+          <p:spPr>
+            <a:xfrm flipH="1">
+              <a:off x="4848837" y="3429000"/>
+              <a:ext cx="83203" cy="317748"/>
+            </a:xfrm>
+            <a:prstGeom prst="straightConnector1">
+              <a:avLst/>
+            </a:prstGeom>
+            <a:ln>
+              <a:tailEnd type="triangle"/>
+            </a:ln>
+          </p:spPr>
+          <p:style>
+            <a:lnRef idx="1">
+              <a:schemeClr val="accent1"/>
+            </a:lnRef>
+            <a:fillRef idx="0">
+              <a:schemeClr val="accent1"/>
+            </a:fillRef>
+            <a:effectRef idx="0">
+              <a:schemeClr val="accent1"/>
+            </a:effectRef>
+            <a:fontRef idx="minor">
+              <a:schemeClr val="tx1"/>
+            </a:fontRef>
+          </p:style>
+        </p:cxnSp>
+        <p:cxnSp>
+          <p:nvCxnSpPr>
+            <p:cNvPr id="31" name="直線矢印コネクタ 30">
+              <a:extLst>
+                <a:ext uri="{FF2B5EF4-FFF2-40B4-BE49-F238E27FC236}">
+                  <a16:creationId xmlns:a16="http://schemas.microsoft.com/office/drawing/2014/main" id="{E7378E35-FE64-5BF3-D88D-D29815E8993F}"/>
+                </a:ext>
+              </a:extLst>
+            </p:cNvPr>
+            <p:cNvCxnSpPr>
+              <a:cxnSpLocks/>
+              <a:stCxn id="7" idx="2"/>
+              <a:endCxn id="13" idx="3"/>
+            </p:cNvCxnSpPr>
+            <p:nvPr/>
+          </p:nvCxnSpPr>
+          <p:spPr>
+            <a:xfrm flipH="1">
+              <a:off x="4449928" y="3356992"/>
+              <a:ext cx="302092" cy="32886"/>
+            </a:xfrm>
+            <a:prstGeom prst="straightConnector1">
+              <a:avLst/>
+            </a:prstGeom>
+            <a:ln>
+              <a:tailEnd type="triangle"/>
+            </a:ln>
+          </p:spPr>
+          <p:style>
+            <a:lnRef idx="1">
+              <a:schemeClr val="accent1"/>
+            </a:lnRef>
+            <a:fillRef idx="0">
+              <a:schemeClr val="accent1"/>
+            </a:fillRef>
+            <a:effectRef idx="0">
+              <a:schemeClr val="accent1"/>
+            </a:effectRef>
+            <a:fontRef idx="minor">
+              <a:schemeClr val="tx1"/>
+            </a:fontRef>
+          </p:style>
+        </p:cxnSp>
+        <p:sp>
+          <p:nvSpPr>
+            <p:cNvPr id="50" name="正方形/長方形 49">
+              <a:extLst>
+                <a:ext uri="{FF2B5EF4-FFF2-40B4-BE49-F238E27FC236}">
+                  <a16:creationId xmlns:a16="http://schemas.microsoft.com/office/drawing/2014/main" id="{52D4BA4E-E3EA-4C5C-AA3E-B76C5897DB38}"/>
+                </a:ext>
+              </a:extLst>
+            </p:cNvPr>
+            <p:cNvSpPr/>
+            <p:nvPr/>
+          </p:nvSpPr>
+          <p:spPr bwMode="auto">
+            <a:xfrm>
+              <a:off x="2879812" y="3002178"/>
+              <a:ext cx="432048" cy="181500"/>
+            </a:xfrm>
+            <a:prstGeom prst="rect">
+              <a:avLst/>
+            </a:prstGeom>
+            <a:noFill/>
+            <a:ln>
+              <a:noFill/>
+            </a:ln>
+            <a:effectLst/>
+          </p:spPr>
+          <p:txBody>
+            <a:bodyPr wrap="square" lIns="0" tIns="0" rIns="0" bIns="0" rtlCol="0" anchor="ctr">
+              <a:spAutoFit/>
+            </a:bodyPr>
+            <a:lstStyle/>
+            <a:p>
+              <a:pPr marL="361950" indent="-361950" algn="ctr">
+                <a:lnSpc>
+                  <a:spcPct val="120000"/>
+                </a:lnSpc>
+                <a:spcBef>
+                  <a:spcPts val="1200"/>
+                </a:spcBef>
+                <a:spcAft>
+                  <a:spcPts val="600"/>
+                </a:spcAft>
+                <a:buFont typeface="Wingdings" pitchFamily="2" charset="2"/>
+                <a:buChar char="l"/>
+              </a:pPr>
+              <a:endParaRPr kumimoji="1" lang="ja-JP" altLang="en-US" sz="2000" dirty="0">
+                <a:latin typeface="メイリオ" pitchFamily="50" charset="-128"/>
+                <a:ea typeface="メイリオ" pitchFamily="50" charset="-128"/>
+                <a:cs typeface="メイリオ" pitchFamily="50" charset="-128"/>
+              </a:endParaRPr>
+            </a:p>
+          </p:txBody>
+        </p:sp>
+      </p:grpSp>
+    </p:spTree>
+    <p:extLst>
+      <p:ext uri="{BB962C8B-B14F-4D97-AF65-F5344CB8AC3E}">
+        <p14:creationId xmlns:p14="http://schemas.microsoft.com/office/powerpoint/2010/main" val="3156643427"/>
       </p:ext>
     </p:extLst>
   </p:cSld>
@@ -25255,6 +26518,4395 @@
           <p:cNvPr id="2" name="スライド番号プレースホルダー 1">
             <a:extLst>
               <a:ext uri="{FF2B5EF4-FFF2-40B4-BE49-F238E27FC236}">
+                <a16:creationId xmlns:a16="http://schemas.microsoft.com/office/drawing/2014/main" id="{28A4E369-A8AC-59C0-942A-C61EB9C225EA}"/>
+              </a:ext>
+            </a:extLst>
+          </p:cNvPr>
+          <p:cNvSpPr>
+            <a:spLocks noGrp="1"/>
+          </p:cNvSpPr>
+          <p:nvPr>
+            <p:ph type="sldNum" sz="quarter" idx="4"/>
+          </p:nvPr>
+        </p:nvSpPr>
+        <p:spPr>
+          <a:xfrm>
+            <a:off x="3347864" y="6345324"/>
+            <a:ext cx="590877" cy="257113"/>
+          </a:xfrm>
+        </p:spPr>
+        <p:txBody>
+          <a:bodyPr/>
+          <a:lstStyle/>
+          <a:p>
+            <a:fld id="{FB3508C7-2FE0-4945-9CBD-863E05F850D2}" type="slidenum">
+              <a:rPr lang="ja-JP" altLang="en-US" smtClean="0"/>
+              <a:pPr/>
+              <a:t>7</a:t>
+            </a:fld>
+            <a:endParaRPr lang="ja-JP" altLang="en-US" dirty="0"/>
+          </a:p>
+        </p:txBody>
+      </p:sp>
+      <p:sp>
+        <p:nvSpPr>
+          <p:cNvPr id="122" name="矢印: 右 121">
+            <a:extLst>
+              <a:ext uri="{FF2B5EF4-FFF2-40B4-BE49-F238E27FC236}">
+                <a16:creationId xmlns:a16="http://schemas.microsoft.com/office/drawing/2014/main" id="{DC9DC04B-5D2E-8F64-5806-C9DB0F9EB101}"/>
+              </a:ext>
+            </a:extLst>
+          </p:cNvPr>
+          <p:cNvSpPr/>
+          <p:nvPr/>
+        </p:nvSpPr>
+        <p:spPr bwMode="auto">
+          <a:xfrm>
+            <a:off x="-960108" y="3177470"/>
+            <a:ext cx="1150159" cy="1038772"/>
+          </a:xfrm>
+          <a:prstGeom prst="rightArrow">
+            <a:avLst/>
+          </a:prstGeom>
+          <a:solidFill>
+            <a:schemeClr val="tx1">
+              <a:lumMod val="65000"/>
+              <a:lumOff val="35000"/>
+            </a:schemeClr>
+          </a:solidFill>
+          <a:ln>
+            <a:solidFill>
+              <a:schemeClr val="tx1"/>
+            </a:solidFill>
+          </a:ln>
+          <a:effectLst/>
+        </p:spPr>
+        <p:txBody>
+          <a:bodyPr wrap="square" lIns="0" tIns="0" rIns="0" bIns="0" rtlCol="0" anchor="ctr">
+            <a:spAutoFit/>
+          </a:bodyPr>
+          <a:lstStyle/>
+          <a:p>
+            <a:pPr marL="361950" indent="-361950" algn="ctr">
+              <a:lnSpc>
+                <a:spcPct val="120000"/>
+              </a:lnSpc>
+              <a:spcBef>
+                <a:spcPts val="1200"/>
+              </a:spcBef>
+              <a:spcAft>
+                <a:spcPts val="600"/>
+              </a:spcAft>
+              <a:buFont typeface="Wingdings" pitchFamily="2" charset="2"/>
+              <a:buChar char="l"/>
+            </a:pPr>
+            <a:endParaRPr kumimoji="1" lang="ja-JP" altLang="en-US" sz="2000" dirty="0">
+              <a:latin typeface="メイリオ" pitchFamily="50" charset="-128"/>
+              <a:ea typeface="メイリオ" pitchFamily="50" charset="-128"/>
+              <a:cs typeface="メイリオ" pitchFamily="50" charset="-128"/>
+            </a:endParaRPr>
+          </a:p>
+        </p:txBody>
+      </p:sp>
+      <p:sp>
+        <p:nvSpPr>
+          <p:cNvPr id="143" name="矢印: 右 142">
+            <a:extLst>
+              <a:ext uri="{FF2B5EF4-FFF2-40B4-BE49-F238E27FC236}">
+                <a16:creationId xmlns:a16="http://schemas.microsoft.com/office/drawing/2014/main" id="{3A237494-18DD-FF97-C336-4EF352811E37}"/>
+              </a:ext>
+            </a:extLst>
+          </p:cNvPr>
+          <p:cNvSpPr/>
+          <p:nvPr/>
+        </p:nvSpPr>
+        <p:spPr bwMode="auto">
+          <a:xfrm>
+            <a:off x="7250809" y="3177470"/>
+            <a:ext cx="1150159" cy="1038772"/>
+          </a:xfrm>
+          <a:prstGeom prst="rightArrow">
+            <a:avLst/>
+          </a:prstGeom>
+          <a:solidFill>
+            <a:schemeClr val="tx1">
+              <a:lumMod val="65000"/>
+              <a:lumOff val="35000"/>
+            </a:schemeClr>
+          </a:solidFill>
+          <a:ln>
+            <a:solidFill>
+              <a:schemeClr val="tx1"/>
+            </a:solidFill>
+          </a:ln>
+          <a:effectLst/>
+        </p:spPr>
+        <p:txBody>
+          <a:bodyPr wrap="square" lIns="0" tIns="0" rIns="0" bIns="0" rtlCol="0" anchor="ctr">
+            <a:spAutoFit/>
+          </a:bodyPr>
+          <a:lstStyle/>
+          <a:p>
+            <a:pPr marL="361950" indent="-361950" algn="ctr">
+              <a:lnSpc>
+                <a:spcPct val="120000"/>
+              </a:lnSpc>
+              <a:spcBef>
+                <a:spcPts val="1200"/>
+              </a:spcBef>
+              <a:spcAft>
+                <a:spcPts val="600"/>
+              </a:spcAft>
+              <a:buFont typeface="Wingdings" pitchFamily="2" charset="2"/>
+              <a:buChar char="l"/>
+            </a:pPr>
+            <a:endParaRPr kumimoji="1" lang="ja-JP" altLang="en-US" sz="2000" dirty="0">
+              <a:latin typeface="メイリオ" pitchFamily="50" charset="-128"/>
+              <a:ea typeface="メイリオ" pitchFamily="50" charset="-128"/>
+              <a:cs typeface="メイリオ" pitchFamily="50" charset="-128"/>
+            </a:endParaRPr>
+          </a:p>
+        </p:txBody>
+      </p:sp>
+      <p:grpSp>
+        <p:nvGrpSpPr>
+          <p:cNvPr id="177" name="グループ化 176">
+            <a:extLst>
+              <a:ext uri="{FF2B5EF4-FFF2-40B4-BE49-F238E27FC236}">
+                <a16:creationId xmlns:a16="http://schemas.microsoft.com/office/drawing/2014/main" id="{21EC8FA1-3042-0CF1-A0AE-1B91024EA9DE}"/>
+              </a:ext>
+            </a:extLst>
+          </p:cNvPr>
+          <p:cNvGrpSpPr/>
+          <p:nvPr/>
+        </p:nvGrpSpPr>
+        <p:grpSpPr>
+          <a:xfrm>
+            <a:off x="-8749182" y="188640"/>
+            <a:ext cx="8739871" cy="6118204"/>
+            <a:chOff x="-4233466" y="-1038198"/>
+            <a:chExt cx="8739871" cy="6118204"/>
+          </a:xfrm>
+        </p:grpSpPr>
+        <p:pic>
+          <p:nvPicPr>
+            <p:cNvPr id="18" name="グラフィックス 17" descr="男性のプロフィール 枠線">
+              <a:extLst>
+                <a:ext uri="{FF2B5EF4-FFF2-40B4-BE49-F238E27FC236}">
+                  <a16:creationId xmlns:a16="http://schemas.microsoft.com/office/drawing/2014/main" id="{276F4C45-3BF5-68AA-8FCF-7765CFE36E97}"/>
+                </a:ext>
+              </a:extLst>
+            </p:cNvPr>
+            <p:cNvPicPr>
+              <a:picLocks noChangeAspect="1"/>
+            </p:cNvPicPr>
+            <p:nvPr/>
+          </p:nvPicPr>
+          <p:blipFill>
+            <a:blip r:embed="rId2">
+              <a:extLst>
+                <a:ext uri="{96DAC541-7B7A-43D3-8B79-37D633B846F1}">
+                  <asvg:svgBlip xmlns:asvg="http://schemas.microsoft.com/office/drawing/2016/SVG/main" r:embed="rId3"/>
+                </a:ext>
+              </a:extLst>
+            </a:blip>
+            <a:stretch>
+              <a:fillRect/>
+            </a:stretch>
+          </p:blipFill>
+          <p:spPr>
+            <a:xfrm>
+              <a:off x="-4233466" y="546482"/>
+              <a:ext cx="914400" cy="914400"/>
+            </a:xfrm>
+            <a:prstGeom prst="rect">
+              <a:avLst/>
+            </a:prstGeom>
+          </p:spPr>
+        </p:pic>
+        <p:sp>
+          <p:nvSpPr>
+            <p:cNvPr id="5" name="正方形/長方形 4">
+              <a:extLst>
+                <a:ext uri="{FF2B5EF4-FFF2-40B4-BE49-F238E27FC236}">
+                  <a16:creationId xmlns:a16="http://schemas.microsoft.com/office/drawing/2014/main" id="{D65E2422-6E41-39D5-019C-5E828C6A898C}"/>
+                </a:ext>
+              </a:extLst>
+            </p:cNvPr>
+            <p:cNvSpPr/>
+            <p:nvPr/>
+          </p:nvSpPr>
+          <p:spPr bwMode="auto">
+            <a:xfrm>
+              <a:off x="-3340821" y="127751"/>
+              <a:ext cx="6768752" cy="4501706"/>
+            </a:xfrm>
+            <a:prstGeom prst="rect">
+              <a:avLst/>
+            </a:prstGeom>
+            <a:solidFill>
+              <a:schemeClr val="accent5">
+                <a:lumMod val="95000"/>
+              </a:schemeClr>
+            </a:solidFill>
+            <a:ln w="9525">
+              <a:solidFill>
+                <a:schemeClr val="tx1"/>
+              </a:solidFill>
+              <a:round/>
+              <a:headEnd/>
+              <a:tailEnd/>
+            </a:ln>
+            <a:effectLst/>
+          </p:spPr>
+          <p:txBody>
+            <a:bodyPr wrap="square" lIns="0" tIns="0" rIns="0" bIns="0" rtlCol="0" anchor="ctr">
+              <a:spAutoFit/>
+            </a:bodyPr>
+            <a:lstStyle/>
+            <a:p>
+              <a:pPr marL="361950" indent="-361950" algn="ctr">
+                <a:lnSpc>
+                  <a:spcPct val="120000"/>
+                </a:lnSpc>
+                <a:spcBef>
+                  <a:spcPts val="1200"/>
+                </a:spcBef>
+                <a:spcAft>
+                  <a:spcPts val="600"/>
+                </a:spcAft>
+                <a:buFont typeface="Wingdings" pitchFamily="2" charset="2"/>
+                <a:buChar char="l"/>
+              </a:pPr>
+              <a:endParaRPr kumimoji="1" lang="ja-JP" altLang="en-US" sz="2000" dirty="0">
+                <a:latin typeface="メイリオ" pitchFamily="50" charset="-128"/>
+                <a:ea typeface="メイリオ" pitchFamily="50" charset="-128"/>
+                <a:cs typeface="メイリオ" pitchFamily="50" charset="-128"/>
+              </a:endParaRPr>
+            </a:p>
+          </p:txBody>
+        </p:sp>
+        <p:sp>
+          <p:nvSpPr>
+            <p:cNvPr id="6" name="正方形/長方形 5">
+              <a:extLst>
+                <a:ext uri="{FF2B5EF4-FFF2-40B4-BE49-F238E27FC236}">
+                  <a16:creationId xmlns:a16="http://schemas.microsoft.com/office/drawing/2014/main" id="{A6598C88-A018-7658-32E4-BD0669AD5E83}"/>
+                </a:ext>
+              </a:extLst>
+            </p:cNvPr>
+            <p:cNvSpPr/>
+            <p:nvPr/>
+          </p:nvSpPr>
+          <p:spPr bwMode="auto">
+            <a:xfrm>
+              <a:off x="-3257660" y="307009"/>
+              <a:ext cx="2018181" cy="495520"/>
+            </a:xfrm>
+            <a:prstGeom prst="rect">
+              <a:avLst/>
+            </a:prstGeom>
+            <a:solidFill>
+              <a:srgbClr val="92D050"/>
+            </a:solidFill>
+            <a:ln>
+              <a:noFill/>
+            </a:ln>
+            <a:effectLst/>
+          </p:spPr>
+          <p:txBody>
+            <a:bodyPr wrap="square" lIns="0" tIns="0" rIns="0" bIns="0" rtlCol="0" anchor="ctr">
+              <a:spAutoFit/>
+            </a:bodyPr>
+            <a:lstStyle/>
+            <a:p>
+              <a:pPr algn="ctr">
+                <a:lnSpc>
+                  <a:spcPct val="120000"/>
+                </a:lnSpc>
+                <a:spcBef>
+                  <a:spcPts val="1200"/>
+                </a:spcBef>
+                <a:spcAft>
+                  <a:spcPts val="600"/>
+                </a:spcAft>
+              </a:pPr>
+              <a:r>
+                <a:rPr kumimoji="1" lang="en-US" altLang="ja-JP" sz="2800" b="1" dirty="0">
+                  <a:latin typeface="メイリオ" pitchFamily="50" charset="-128"/>
+                  <a:ea typeface="メイリオ" pitchFamily="50" charset="-128"/>
+                  <a:cs typeface="Times New Roman" panose="02020603050405020304" pitchFamily="18" charset="0"/>
+                </a:rPr>
+                <a:t>field</a:t>
+              </a:r>
+              <a:endParaRPr kumimoji="1" lang="ja-JP" altLang="en-US" sz="2800" b="1" dirty="0">
+                <a:latin typeface="メイリオ" pitchFamily="50" charset="-128"/>
+                <a:ea typeface="メイリオ" pitchFamily="50" charset="-128"/>
+                <a:cs typeface="Times New Roman" panose="02020603050405020304" pitchFamily="18" charset="0"/>
+              </a:endParaRPr>
+            </a:p>
+          </p:txBody>
+        </p:sp>
+        <p:pic>
+          <p:nvPicPr>
+            <p:cNvPr id="7" name="図 6">
+              <a:extLst>
+                <a:ext uri="{FF2B5EF4-FFF2-40B4-BE49-F238E27FC236}">
+                  <a16:creationId xmlns:a16="http://schemas.microsoft.com/office/drawing/2014/main" id="{526539F1-6644-FFBC-001D-3D8B094D7FFA}"/>
+                </a:ext>
+              </a:extLst>
+            </p:cNvPr>
+            <p:cNvPicPr>
+              <a:picLocks noChangeAspect="1"/>
+            </p:cNvPicPr>
+            <p:nvPr/>
+          </p:nvPicPr>
+          <p:blipFill rotWithShape="1">
+            <a:blip r:embed="rId4">
+              <a:extLst>
+                <a:ext uri="{28A0092B-C50C-407E-A947-70E740481C1C}">
+                  <a14:useLocalDpi xmlns:a14="http://schemas.microsoft.com/office/drawing/2010/main" val="0"/>
+                </a:ext>
+              </a:extLst>
+            </a:blip>
+            <a:srcRect l="34762" t="18264" r="34548" b="16637"/>
+            <a:stretch/>
+          </p:blipFill>
+          <p:spPr>
+            <a:xfrm>
+              <a:off x="-361890" y="1344354"/>
+              <a:ext cx="793302" cy="1490446"/>
+            </a:xfrm>
+            <a:prstGeom prst="rect">
+              <a:avLst/>
+            </a:prstGeom>
+          </p:spPr>
+        </p:pic>
+        <p:pic>
+          <p:nvPicPr>
+            <p:cNvPr id="8" name="図 7">
+              <a:extLst>
+                <a:ext uri="{FF2B5EF4-FFF2-40B4-BE49-F238E27FC236}">
+                  <a16:creationId xmlns:a16="http://schemas.microsoft.com/office/drawing/2014/main" id="{C41FA06B-8147-A286-7B99-C064BA07A6A4}"/>
+                </a:ext>
+              </a:extLst>
+            </p:cNvPr>
+            <p:cNvPicPr>
+              <a:picLocks noChangeAspect="1"/>
+            </p:cNvPicPr>
+            <p:nvPr/>
+          </p:nvPicPr>
+          <p:blipFill rotWithShape="1">
+            <a:blip r:embed="rId4">
+              <a:alphaModFix amt="50000"/>
+              <a:extLst>
+                <a:ext uri="{28A0092B-C50C-407E-A947-70E740481C1C}">
+                  <a14:useLocalDpi xmlns:a14="http://schemas.microsoft.com/office/drawing/2010/main" val="0"/>
+                </a:ext>
+              </a:extLst>
+            </a:blip>
+            <a:srcRect l="34762" t="18264" r="34548" b="16637"/>
+            <a:stretch/>
+          </p:blipFill>
+          <p:spPr>
+            <a:xfrm>
+              <a:off x="1690421" y="3517285"/>
+              <a:ext cx="793302" cy="1490446"/>
+            </a:xfrm>
+            <a:prstGeom prst="rect">
+              <a:avLst/>
+            </a:prstGeom>
+          </p:spPr>
+        </p:pic>
+        <p:cxnSp>
+          <p:nvCxnSpPr>
+            <p:cNvPr id="9" name="コネクタ: 曲線 8">
+              <a:extLst>
+                <a:ext uri="{FF2B5EF4-FFF2-40B4-BE49-F238E27FC236}">
+                  <a16:creationId xmlns:a16="http://schemas.microsoft.com/office/drawing/2014/main" id="{940263A8-0939-5DDA-9486-BEC0CDA69DA3}"/>
+                </a:ext>
+              </a:extLst>
+            </p:cNvPr>
+            <p:cNvCxnSpPr>
+              <a:cxnSpLocks/>
+              <a:stCxn id="8" idx="1"/>
+              <a:endCxn id="7" idx="3"/>
+            </p:cNvCxnSpPr>
+            <p:nvPr/>
+          </p:nvCxnSpPr>
+          <p:spPr>
+            <a:xfrm rot="10800000">
+              <a:off x="431413" y="2089578"/>
+              <a:ext cx="1259009" cy="2172931"/>
+            </a:xfrm>
+            <a:prstGeom prst="curvedConnector3">
+              <a:avLst>
+                <a:gd name="adj1" fmla="val 50000"/>
+              </a:avLst>
+            </a:prstGeom>
+            <a:ln w="57150">
+              <a:solidFill>
+                <a:srgbClr val="00B050"/>
+              </a:solidFill>
+              <a:prstDash val="sysDot"/>
+              <a:tailEnd type="triangle"/>
+            </a:ln>
+          </p:spPr>
+          <p:style>
+            <a:lnRef idx="1">
+              <a:schemeClr val="accent1"/>
+            </a:lnRef>
+            <a:fillRef idx="0">
+              <a:schemeClr val="accent1"/>
+            </a:fillRef>
+            <a:effectRef idx="0">
+              <a:schemeClr val="accent1"/>
+            </a:effectRef>
+            <a:fontRef idx="minor">
+              <a:schemeClr val="tx1"/>
+            </a:fontRef>
+          </p:style>
+        </p:cxnSp>
+        <p:sp>
+          <p:nvSpPr>
+            <p:cNvPr id="10" name="テキスト ボックス 9">
+              <a:extLst>
+                <a:ext uri="{FF2B5EF4-FFF2-40B4-BE49-F238E27FC236}">
+                  <a16:creationId xmlns:a16="http://schemas.microsoft.com/office/drawing/2014/main" id="{F80DDB7E-2E7B-0D68-028F-34B10070D46A}"/>
+                </a:ext>
+              </a:extLst>
+            </p:cNvPr>
+            <p:cNvSpPr txBox="1"/>
+            <p:nvPr/>
+          </p:nvSpPr>
+          <p:spPr>
+            <a:xfrm>
+              <a:off x="-1129479" y="3928574"/>
+              <a:ext cx="2440092" cy="631711"/>
+            </a:xfrm>
+            <a:prstGeom prst="rect">
+              <a:avLst/>
+            </a:prstGeom>
+            <a:noFill/>
+          </p:spPr>
+          <p:txBody>
+            <a:bodyPr wrap="none" rtlCol="0">
+              <a:spAutoFit/>
+            </a:bodyPr>
+            <a:lstStyle/>
+            <a:p>
+              <a:pPr>
+                <a:lnSpc>
+                  <a:spcPct val="120000"/>
+                </a:lnSpc>
+              </a:pPr>
+              <a:r>
+                <a:rPr kumimoji="1" lang="en-US" altLang="ja-JP" sz="3200" b="1" dirty="0">
+                  <a:solidFill>
+                    <a:srgbClr val="00B050"/>
+                  </a:solidFill>
+                  <a:latin typeface="Times New Roman" panose="02020603050405020304" pitchFamily="18" charset="0"/>
+                  <a:cs typeface="Times New Roman" panose="02020603050405020304" pitchFamily="18" charset="0"/>
+                </a:rPr>
+                <a:t>1. navigation</a:t>
+              </a:r>
+              <a:endParaRPr kumimoji="1" lang="ja-JP" altLang="en-US" sz="3200" b="1" dirty="0">
+                <a:solidFill>
+                  <a:srgbClr val="00B050"/>
+                </a:solidFill>
+                <a:latin typeface="Times New Roman" panose="02020603050405020304" pitchFamily="18" charset="0"/>
+                <a:cs typeface="Times New Roman" panose="02020603050405020304" pitchFamily="18" charset="0"/>
+              </a:endParaRPr>
+            </a:p>
+          </p:txBody>
+        </p:sp>
+        <p:sp>
+          <p:nvSpPr>
+            <p:cNvPr id="11" name="テキスト ボックス 10">
+              <a:extLst>
+                <a:ext uri="{FF2B5EF4-FFF2-40B4-BE49-F238E27FC236}">
+                  <a16:creationId xmlns:a16="http://schemas.microsoft.com/office/drawing/2014/main" id="{96AD8A44-93BD-523C-E125-4A22595C59D5}"/>
+                </a:ext>
+              </a:extLst>
+            </p:cNvPr>
+            <p:cNvSpPr txBox="1"/>
+            <p:nvPr/>
+          </p:nvSpPr>
+          <p:spPr>
+            <a:xfrm>
+              <a:off x="2234629" y="4515749"/>
+              <a:ext cx="2271776" cy="564257"/>
+            </a:xfrm>
+            <a:prstGeom prst="rect">
+              <a:avLst/>
+            </a:prstGeom>
+            <a:noFill/>
+          </p:spPr>
+          <p:txBody>
+            <a:bodyPr wrap="none" rtlCol="0">
+              <a:spAutoFit/>
+            </a:bodyPr>
+            <a:lstStyle/>
+            <a:p>
+              <a:pPr>
+                <a:lnSpc>
+                  <a:spcPct val="120000"/>
+                </a:lnSpc>
+              </a:pPr>
+              <a:r>
+                <a:rPr kumimoji="1" lang="en-US" altLang="ja-JP" sz="2800" b="1" dirty="0">
+                  <a:latin typeface="Times New Roman" panose="02020603050405020304" pitchFamily="18" charset="0"/>
+                  <a:cs typeface="Times New Roman" panose="02020603050405020304" pitchFamily="18" charset="0"/>
+                </a:rPr>
+                <a:t>Start position</a:t>
+              </a:r>
+              <a:endParaRPr kumimoji="1" lang="ja-JP" altLang="en-US" sz="2800" b="1" dirty="0">
+                <a:latin typeface="Times New Roman" panose="02020603050405020304" pitchFamily="18" charset="0"/>
+                <a:cs typeface="Times New Roman" panose="02020603050405020304" pitchFamily="18" charset="0"/>
+              </a:endParaRPr>
+            </a:p>
+          </p:txBody>
+        </p:sp>
+        <p:pic>
+          <p:nvPicPr>
+            <p:cNvPr id="12" name="グラフィックス 11" descr="ユーザー 単色塗りつぶし">
+              <a:extLst>
+                <a:ext uri="{FF2B5EF4-FFF2-40B4-BE49-F238E27FC236}">
+                  <a16:creationId xmlns:a16="http://schemas.microsoft.com/office/drawing/2014/main" id="{09287643-C8E7-F229-1531-BA4E8D52167D}"/>
+                </a:ext>
+              </a:extLst>
+            </p:cNvPr>
+            <p:cNvPicPr>
+              <a:picLocks noChangeAspect="1"/>
+            </p:cNvPicPr>
+            <p:nvPr/>
+          </p:nvPicPr>
+          <p:blipFill>
+            <a:blip r:embed="rId5">
+              <a:extLst>
+                <a:ext uri="{96DAC541-7B7A-43D3-8B79-37D633B846F1}">
+                  <asvg:svgBlip xmlns:asvg="http://schemas.microsoft.com/office/drawing/2016/SVG/main" r:embed="rId6"/>
+                </a:ext>
+              </a:extLst>
+            </a:blip>
+            <a:stretch>
+              <a:fillRect/>
+            </a:stretch>
+          </p:blipFill>
+          <p:spPr>
+            <a:xfrm>
+              <a:off x="-3087146" y="1434043"/>
+              <a:ext cx="914400" cy="914400"/>
+            </a:xfrm>
+            <a:prstGeom prst="rect">
+              <a:avLst/>
+            </a:prstGeom>
+          </p:spPr>
+        </p:pic>
+        <p:pic>
+          <p:nvPicPr>
+            <p:cNvPr id="13" name="グラフィックス 12" descr="男性のプロフィール 枠線">
+              <a:extLst>
+                <a:ext uri="{FF2B5EF4-FFF2-40B4-BE49-F238E27FC236}">
+                  <a16:creationId xmlns:a16="http://schemas.microsoft.com/office/drawing/2014/main" id="{9535EFF5-DB17-1ED4-0848-00620C68B291}"/>
+                </a:ext>
+              </a:extLst>
+            </p:cNvPr>
+            <p:cNvPicPr>
+              <a:picLocks noChangeAspect="1"/>
+            </p:cNvPicPr>
+            <p:nvPr/>
+          </p:nvPicPr>
+          <p:blipFill>
+            <a:blip r:embed="rId2">
+              <a:extLst>
+                <a:ext uri="{96DAC541-7B7A-43D3-8B79-37D633B846F1}">
+                  <asvg:svgBlip xmlns:asvg="http://schemas.microsoft.com/office/drawing/2016/SVG/main" r:embed="rId3"/>
+                </a:ext>
+              </a:extLst>
+            </a:blip>
+            <a:stretch>
+              <a:fillRect/>
+            </a:stretch>
+          </p:blipFill>
+          <p:spPr>
+            <a:xfrm>
+              <a:off x="-1792649" y="-702370"/>
+              <a:ext cx="914400" cy="914400"/>
+            </a:xfrm>
+            <a:prstGeom prst="rect">
+              <a:avLst/>
+            </a:prstGeom>
+          </p:spPr>
+        </p:pic>
+        <p:pic>
+          <p:nvPicPr>
+            <p:cNvPr id="14" name="グラフィックス 13" descr="男子生徒 枠線">
+              <a:extLst>
+                <a:ext uri="{FF2B5EF4-FFF2-40B4-BE49-F238E27FC236}">
+                  <a16:creationId xmlns:a16="http://schemas.microsoft.com/office/drawing/2014/main" id="{3342F913-00FD-5104-1351-BFE03B67A136}"/>
+                </a:ext>
+              </a:extLst>
+            </p:cNvPr>
+            <p:cNvPicPr>
+              <a:picLocks noChangeAspect="1"/>
+            </p:cNvPicPr>
+            <p:nvPr/>
+          </p:nvPicPr>
+          <p:blipFill>
+            <a:blip r:embed="rId7">
+              <a:extLst>
+                <a:ext uri="{96DAC541-7B7A-43D3-8B79-37D633B846F1}">
+                  <asvg:svgBlip xmlns:asvg="http://schemas.microsoft.com/office/drawing/2016/SVG/main" r:embed="rId8"/>
+                </a:ext>
+              </a:extLst>
+            </a:blip>
+            <a:stretch>
+              <a:fillRect/>
+            </a:stretch>
+          </p:blipFill>
+          <p:spPr>
+            <a:xfrm>
+              <a:off x="2087071" y="1290994"/>
+              <a:ext cx="914400" cy="914400"/>
+            </a:xfrm>
+            <a:prstGeom prst="rect">
+              <a:avLst/>
+            </a:prstGeom>
+          </p:spPr>
+        </p:pic>
+        <p:pic>
+          <p:nvPicPr>
+            <p:cNvPr id="15" name="グラフィックス 14" descr="女性のプロフィール 枠線">
+              <a:extLst>
+                <a:ext uri="{FF2B5EF4-FFF2-40B4-BE49-F238E27FC236}">
+                  <a16:creationId xmlns:a16="http://schemas.microsoft.com/office/drawing/2014/main" id="{9331991A-B623-9A4D-71D9-49EE9655D2E9}"/>
+                </a:ext>
+              </a:extLst>
+            </p:cNvPr>
+            <p:cNvPicPr>
+              <a:picLocks noChangeAspect="1"/>
+            </p:cNvPicPr>
+            <p:nvPr/>
+          </p:nvPicPr>
+          <p:blipFill>
+            <a:blip r:embed="rId9">
+              <a:extLst>
+                <a:ext uri="{96DAC541-7B7A-43D3-8B79-37D633B846F1}">
+                  <asvg:svgBlip xmlns:asvg="http://schemas.microsoft.com/office/drawing/2016/SVG/main" r:embed="rId10"/>
+                </a:ext>
+              </a:extLst>
+            </a:blip>
+            <a:stretch>
+              <a:fillRect/>
+            </a:stretch>
+          </p:blipFill>
+          <p:spPr>
+            <a:xfrm>
+              <a:off x="1060118" y="178259"/>
+              <a:ext cx="914400" cy="914400"/>
+            </a:xfrm>
+            <a:prstGeom prst="rect">
+              <a:avLst/>
+            </a:prstGeom>
+          </p:spPr>
+        </p:pic>
+        <p:pic>
+          <p:nvPicPr>
+            <p:cNvPr id="16" name="グラフィックス 15" descr="男性のプロフィール 単色塗りつぶし">
+              <a:extLst>
+                <a:ext uri="{FF2B5EF4-FFF2-40B4-BE49-F238E27FC236}">
+                  <a16:creationId xmlns:a16="http://schemas.microsoft.com/office/drawing/2014/main" id="{1DBABB6D-0C22-2EE2-73D7-D61E32F3613C}"/>
+                </a:ext>
+              </a:extLst>
+            </p:cNvPr>
+            <p:cNvPicPr>
+              <a:picLocks noChangeAspect="1"/>
+            </p:cNvPicPr>
+            <p:nvPr/>
+          </p:nvPicPr>
+          <p:blipFill>
+            <a:blip r:embed="rId11">
+              <a:extLst>
+                <a:ext uri="{96DAC541-7B7A-43D3-8B79-37D633B846F1}">
+                  <asvg:svgBlip xmlns:asvg="http://schemas.microsoft.com/office/drawing/2016/SVG/main" r:embed="rId12"/>
+                </a:ext>
+              </a:extLst>
+            </a:blip>
+            <a:stretch>
+              <a:fillRect/>
+            </a:stretch>
+          </p:blipFill>
+          <p:spPr>
+            <a:xfrm>
+              <a:off x="2239799" y="2570274"/>
+              <a:ext cx="914400" cy="914400"/>
+            </a:xfrm>
+            <a:prstGeom prst="rect">
+              <a:avLst/>
+            </a:prstGeom>
+          </p:spPr>
+        </p:pic>
+        <p:pic>
+          <p:nvPicPr>
+            <p:cNvPr id="17" name="グラフィックス 16" descr="男性のプロフィール 枠線">
+              <a:extLst>
+                <a:ext uri="{FF2B5EF4-FFF2-40B4-BE49-F238E27FC236}">
+                  <a16:creationId xmlns:a16="http://schemas.microsoft.com/office/drawing/2014/main" id="{706EA993-3360-F0CF-6594-5554CE8FB063}"/>
+                </a:ext>
+              </a:extLst>
+            </p:cNvPr>
+            <p:cNvPicPr>
+              <a:picLocks noChangeAspect="1"/>
+            </p:cNvPicPr>
+            <p:nvPr/>
+          </p:nvPicPr>
+          <p:blipFill>
+            <a:blip r:embed="rId2">
+              <a:extLst>
+                <a:ext uri="{96DAC541-7B7A-43D3-8B79-37D633B846F1}">
+                  <asvg:svgBlip xmlns:asvg="http://schemas.microsoft.com/office/drawing/2016/SVG/main" r:embed="rId3"/>
+                </a:ext>
+              </a:extLst>
+            </a:blip>
+            <a:stretch>
+              <a:fillRect/>
+            </a:stretch>
+          </p:blipFill>
+          <p:spPr>
+            <a:xfrm>
+              <a:off x="702764" y="-1038198"/>
+              <a:ext cx="914400" cy="914400"/>
+            </a:xfrm>
+            <a:prstGeom prst="rect">
+              <a:avLst/>
+            </a:prstGeom>
+          </p:spPr>
+        </p:pic>
+        <p:cxnSp>
+          <p:nvCxnSpPr>
+            <p:cNvPr id="19" name="直線矢印コネクタ 18">
+              <a:extLst>
+                <a:ext uri="{FF2B5EF4-FFF2-40B4-BE49-F238E27FC236}">
+                  <a16:creationId xmlns:a16="http://schemas.microsoft.com/office/drawing/2014/main" id="{9E84EF48-D873-E770-D192-652ECE5AA120}"/>
+                </a:ext>
+              </a:extLst>
+            </p:cNvPr>
+            <p:cNvCxnSpPr>
+              <a:cxnSpLocks/>
+              <a:endCxn id="12" idx="3"/>
+            </p:cNvCxnSpPr>
+            <p:nvPr/>
+          </p:nvCxnSpPr>
+          <p:spPr>
+            <a:xfrm flipH="1">
+              <a:off x="-2172746" y="1434043"/>
+              <a:ext cx="2086534" cy="457200"/>
+            </a:xfrm>
+            <a:prstGeom prst="straightConnector1">
+              <a:avLst/>
+            </a:prstGeom>
+            <a:ln w="76200">
+              <a:solidFill>
+                <a:srgbClr val="7030A0"/>
+              </a:solidFill>
+              <a:tailEnd type="triangle"/>
+            </a:ln>
+          </p:spPr>
+          <p:style>
+            <a:lnRef idx="1">
+              <a:schemeClr val="accent1"/>
+            </a:lnRef>
+            <a:fillRef idx="0">
+              <a:schemeClr val="accent1"/>
+            </a:fillRef>
+            <a:effectRef idx="0">
+              <a:schemeClr val="accent1"/>
+            </a:effectRef>
+            <a:fontRef idx="minor">
+              <a:schemeClr val="tx1"/>
+            </a:fontRef>
+          </p:style>
+        </p:cxnSp>
+        <p:cxnSp>
+          <p:nvCxnSpPr>
+            <p:cNvPr id="20" name="直線矢印コネクタ 19">
+              <a:extLst>
+                <a:ext uri="{FF2B5EF4-FFF2-40B4-BE49-F238E27FC236}">
+                  <a16:creationId xmlns:a16="http://schemas.microsoft.com/office/drawing/2014/main" id="{D9B4DF73-C4D1-9BFE-579B-A7E55D4BDF02}"/>
+                </a:ext>
+              </a:extLst>
+            </p:cNvPr>
+            <p:cNvCxnSpPr>
+              <a:cxnSpLocks/>
+              <a:endCxn id="15" idx="2"/>
+            </p:cNvCxnSpPr>
+            <p:nvPr/>
+          </p:nvCxnSpPr>
+          <p:spPr>
+            <a:xfrm flipV="1">
+              <a:off x="-74020" y="1092659"/>
+              <a:ext cx="1591338" cy="341384"/>
+            </a:xfrm>
+            <a:prstGeom prst="straightConnector1">
+              <a:avLst/>
+            </a:prstGeom>
+            <a:ln w="76200">
+              <a:solidFill>
+                <a:srgbClr val="7030A0"/>
+              </a:solidFill>
+              <a:tailEnd type="triangle"/>
+            </a:ln>
+          </p:spPr>
+          <p:style>
+            <a:lnRef idx="1">
+              <a:schemeClr val="accent1"/>
+            </a:lnRef>
+            <a:fillRef idx="0">
+              <a:schemeClr val="accent1"/>
+            </a:fillRef>
+            <a:effectRef idx="0">
+              <a:schemeClr val="accent1"/>
+            </a:effectRef>
+            <a:fontRef idx="minor">
+              <a:schemeClr val="tx1"/>
+            </a:fontRef>
+          </p:style>
+        </p:cxnSp>
+        <p:cxnSp>
+          <p:nvCxnSpPr>
+            <p:cNvPr id="21" name="直線矢印コネクタ 20">
+              <a:extLst>
+                <a:ext uri="{FF2B5EF4-FFF2-40B4-BE49-F238E27FC236}">
+                  <a16:creationId xmlns:a16="http://schemas.microsoft.com/office/drawing/2014/main" id="{29E26EE7-437D-A02A-DDFA-CFB074B3D813}"/>
+                </a:ext>
+              </a:extLst>
+            </p:cNvPr>
+            <p:cNvCxnSpPr>
+              <a:cxnSpLocks/>
+              <a:endCxn id="14" idx="1"/>
+            </p:cNvCxnSpPr>
+            <p:nvPr/>
+          </p:nvCxnSpPr>
+          <p:spPr>
+            <a:xfrm>
+              <a:off x="-64457" y="1434043"/>
+              <a:ext cx="2151528" cy="314151"/>
+            </a:xfrm>
+            <a:prstGeom prst="straightConnector1">
+              <a:avLst/>
+            </a:prstGeom>
+            <a:ln w="76200">
+              <a:solidFill>
+                <a:srgbClr val="7030A0"/>
+              </a:solidFill>
+              <a:tailEnd type="triangle"/>
+            </a:ln>
+          </p:spPr>
+          <p:style>
+            <a:lnRef idx="1">
+              <a:schemeClr val="accent1"/>
+            </a:lnRef>
+            <a:fillRef idx="0">
+              <a:schemeClr val="accent1"/>
+            </a:fillRef>
+            <a:effectRef idx="0">
+              <a:schemeClr val="accent1"/>
+            </a:effectRef>
+            <a:fontRef idx="minor">
+              <a:schemeClr val="tx1"/>
+            </a:fontRef>
+          </p:style>
+        </p:cxnSp>
+        <p:cxnSp>
+          <p:nvCxnSpPr>
+            <p:cNvPr id="22" name="直線矢印コネクタ 21">
+              <a:extLst>
+                <a:ext uri="{FF2B5EF4-FFF2-40B4-BE49-F238E27FC236}">
+                  <a16:creationId xmlns:a16="http://schemas.microsoft.com/office/drawing/2014/main" id="{0947E3E0-9254-737A-CE17-D02692433BDE}"/>
+                </a:ext>
+              </a:extLst>
+            </p:cNvPr>
+            <p:cNvCxnSpPr>
+              <a:cxnSpLocks/>
+              <a:endCxn id="16" idx="1"/>
+            </p:cNvCxnSpPr>
+            <p:nvPr/>
+          </p:nvCxnSpPr>
+          <p:spPr>
+            <a:xfrm>
+              <a:off x="-64457" y="1434043"/>
+              <a:ext cx="2304256" cy="1593431"/>
+            </a:xfrm>
+            <a:prstGeom prst="straightConnector1">
+              <a:avLst/>
+            </a:prstGeom>
+            <a:ln w="76200">
+              <a:solidFill>
+                <a:srgbClr val="7030A0"/>
+              </a:solidFill>
+              <a:tailEnd type="triangle"/>
+            </a:ln>
+          </p:spPr>
+          <p:style>
+            <a:lnRef idx="1">
+              <a:schemeClr val="accent1"/>
+            </a:lnRef>
+            <a:fillRef idx="0">
+              <a:schemeClr val="accent1"/>
+            </a:fillRef>
+            <a:effectRef idx="0">
+              <a:schemeClr val="accent1"/>
+            </a:effectRef>
+            <a:fontRef idx="minor">
+              <a:schemeClr val="tx1"/>
+            </a:fontRef>
+          </p:style>
+        </p:cxnSp>
+        <p:cxnSp>
+          <p:nvCxnSpPr>
+            <p:cNvPr id="23" name="直線矢印コネクタ 22">
+              <a:extLst>
+                <a:ext uri="{FF2B5EF4-FFF2-40B4-BE49-F238E27FC236}">
+                  <a16:creationId xmlns:a16="http://schemas.microsoft.com/office/drawing/2014/main" id="{B2F69DC5-B5E8-41AE-8C3C-EFB62470C55C}"/>
+                </a:ext>
+              </a:extLst>
+            </p:cNvPr>
+            <p:cNvCxnSpPr>
+              <a:cxnSpLocks/>
+            </p:cNvCxnSpPr>
+            <p:nvPr/>
+          </p:nvCxnSpPr>
+          <p:spPr>
+            <a:xfrm flipH="1" flipV="1">
+              <a:off x="-1306838" y="55236"/>
+              <a:ext cx="1245845" cy="1378807"/>
+            </a:xfrm>
+            <a:prstGeom prst="straightConnector1">
+              <a:avLst/>
+            </a:prstGeom>
+            <a:ln w="76200">
+              <a:solidFill>
+                <a:srgbClr val="7030A0"/>
+              </a:solidFill>
+              <a:prstDash val="sysDot"/>
+              <a:tailEnd type="triangle"/>
+            </a:ln>
+          </p:spPr>
+          <p:style>
+            <a:lnRef idx="1">
+              <a:schemeClr val="accent1"/>
+            </a:lnRef>
+            <a:fillRef idx="0">
+              <a:schemeClr val="accent1"/>
+            </a:fillRef>
+            <a:effectRef idx="0">
+              <a:schemeClr val="accent1"/>
+            </a:effectRef>
+            <a:fontRef idx="minor">
+              <a:schemeClr val="tx1"/>
+            </a:fontRef>
+          </p:style>
+        </p:cxnSp>
+        <p:sp>
+          <p:nvSpPr>
+            <p:cNvPr id="27" name="テキスト ボックス 26">
+              <a:extLst>
+                <a:ext uri="{FF2B5EF4-FFF2-40B4-BE49-F238E27FC236}">
+                  <a16:creationId xmlns:a16="http://schemas.microsoft.com/office/drawing/2014/main" id="{1464FB3B-43DF-43E8-6B65-448C15B5F050}"/>
+                </a:ext>
+              </a:extLst>
+            </p:cNvPr>
+            <p:cNvSpPr txBox="1"/>
+            <p:nvPr/>
+          </p:nvSpPr>
+          <p:spPr>
+            <a:xfrm>
+              <a:off x="-3253030" y="2554656"/>
+              <a:ext cx="2982868" cy="1148776"/>
+            </a:xfrm>
+            <a:prstGeom prst="rect">
+              <a:avLst/>
+            </a:prstGeom>
+            <a:noFill/>
+          </p:spPr>
+          <p:txBody>
+            <a:bodyPr wrap="none" rtlCol="0">
+              <a:spAutoFit/>
+            </a:bodyPr>
+            <a:lstStyle/>
+            <a:p>
+              <a:pPr>
+                <a:lnSpc>
+                  <a:spcPct val="120000"/>
+                </a:lnSpc>
+              </a:pPr>
+              <a:r>
+                <a:rPr kumimoji="1" lang="en-US" altLang="ja-JP" sz="2800" b="1" dirty="0">
+                  <a:solidFill>
+                    <a:srgbClr val="7030A0"/>
+                  </a:solidFill>
+                  <a:latin typeface="Times New Roman" panose="02020603050405020304" pitchFamily="18" charset="0"/>
+                  <a:cs typeface="Times New Roman" panose="02020603050405020304" pitchFamily="18" charset="0"/>
+                </a:rPr>
+                <a:t>2</a:t>
+              </a:r>
+              <a:r>
+                <a:rPr lang="en-US" altLang="ja-JP" sz="2800" b="1" dirty="0">
+                  <a:solidFill>
+                    <a:srgbClr val="7030A0"/>
+                  </a:solidFill>
+                  <a:latin typeface="Times New Roman" panose="02020603050405020304" pitchFamily="18" charset="0"/>
+                  <a:cs typeface="Times New Roman" panose="02020603050405020304" pitchFamily="18" charset="0"/>
+                </a:rPr>
+                <a:t>. </a:t>
+              </a:r>
+              <a:r>
+                <a:rPr kumimoji="1" lang="en-US" altLang="ja-JP" sz="2800" b="1" dirty="0">
+                  <a:solidFill>
+                    <a:srgbClr val="7030A0"/>
+                  </a:solidFill>
+                  <a:latin typeface="Times New Roman" panose="02020603050405020304" pitchFamily="18" charset="0"/>
+                  <a:cs typeface="Times New Roman" panose="02020603050405020304" pitchFamily="18" charset="0"/>
+                </a:rPr>
+                <a:t>Human </a:t>
+              </a:r>
+              <a:r>
+                <a:rPr kumimoji="1" lang="en-US" altLang="ja-JP" sz="2800" b="1" dirty="0" err="1">
+                  <a:solidFill>
+                    <a:srgbClr val="7030A0"/>
+                  </a:solidFill>
+                  <a:latin typeface="Times New Roman" panose="02020603050405020304" pitchFamily="18" charset="0"/>
+                  <a:cs typeface="Times New Roman" panose="02020603050405020304" pitchFamily="18" charset="0"/>
+                </a:rPr>
+                <a:t>recog</a:t>
+              </a:r>
+              <a:r>
+                <a:rPr kumimoji="1" lang="en-US" altLang="ja-JP" sz="2800" b="1" dirty="0">
+                  <a:solidFill>
+                    <a:srgbClr val="7030A0"/>
+                  </a:solidFill>
+                  <a:latin typeface="Times New Roman" panose="02020603050405020304" pitchFamily="18" charset="0"/>
+                  <a:cs typeface="Times New Roman" panose="02020603050405020304" pitchFamily="18" charset="0"/>
+                </a:rPr>
+                <a:t>.</a:t>
+              </a:r>
+              <a:endParaRPr lang="en-US" altLang="ja-JP" sz="2800" b="1" dirty="0">
+                <a:solidFill>
+                  <a:srgbClr val="7030A0"/>
+                </a:solidFill>
+                <a:latin typeface="Times New Roman" panose="02020603050405020304" pitchFamily="18" charset="0"/>
+                <a:cs typeface="Times New Roman" panose="02020603050405020304" pitchFamily="18" charset="0"/>
+              </a:endParaRPr>
+            </a:p>
+            <a:p>
+              <a:pPr>
+                <a:lnSpc>
+                  <a:spcPct val="120000"/>
+                </a:lnSpc>
+              </a:pPr>
+              <a:r>
+                <a:rPr kumimoji="1" lang="en-US" altLang="ja-JP" sz="2800" b="1" dirty="0">
+                  <a:solidFill>
+                    <a:srgbClr val="7030A0"/>
+                  </a:solidFill>
+                  <a:latin typeface="Times New Roman" panose="02020603050405020304" pitchFamily="18" charset="0"/>
+                  <a:cs typeface="Times New Roman" panose="02020603050405020304" pitchFamily="18" charset="0"/>
+                </a:rPr>
+                <a:t>3. Attribute </a:t>
+              </a:r>
+              <a:r>
+                <a:rPr kumimoji="1" lang="en-US" altLang="ja-JP" sz="2800" b="1" dirty="0" err="1">
+                  <a:solidFill>
+                    <a:srgbClr val="7030A0"/>
+                  </a:solidFill>
+                  <a:latin typeface="Times New Roman" panose="02020603050405020304" pitchFamily="18" charset="0"/>
+                  <a:cs typeface="Times New Roman" panose="02020603050405020304" pitchFamily="18" charset="0"/>
+                </a:rPr>
+                <a:t>recog</a:t>
+              </a:r>
+              <a:r>
+                <a:rPr kumimoji="1" lang="en-US" altLang="ja-JP" sz="3200" b="1" dirty="0">
+                  <a:solidFill>
+                    <a:srgbClr val="7030A0"/>
+                  </a:solidFill>
+                  <a:latin typeface="Times New Roman" panose="02020603050405020304" pitchFamily="18" charset="0"/>
+                  <a:cs typeface="Times New Roman" panose="02020603050405020304" pitchFamily="18" charset="0"/>
+                </a:rPr>
+                <a:t>.</a:t>
+              </a:r>
+              <a:endParaRPr kumimoji="1" lang="ja-JP" altLang="en-US" sz="3200" b="1" dirty="0">
+                <a:solidFill>
+                  <a:srgbClr val="7030A0"/>
+                </a:solidFill>
+                <a:latin typeface="Times New Roman" panose="02020603050405020304" pitchFamily="18" charset="0"/>
+                <a:cs typeface="Times New Roman" panose="02020603050405020304" pitchFamily="18" charset="0"/>
+              </a:endParaRPr>
+            </a:p>
+          </p:txBody>
+        </p:sp>
+        <p:sp>
+          <p:nvSpPr>
+            <p:cNvPr id="28" name="テキスト ボックス 27">
+              <a:extLst>
+                <a:ext uri="{FF2B5EF4-FFF2-40B4-BE49-F238E27FC236}">
+                  <a16:creationId xmlns:a16="http://schemas.microsoft.com/office/drawing/2014/main" id="{D67F4A83-2379-A21D-86B1-DEC775D8B2C6}"/>
+                </a:ext>
+              </a:extLst>
+            </p:cNvPr>
+            <p:cNvSpPr txBox="1"/>
+            <p:nvPr/>
+          </p:nvSpPr>
+          <p:spPr>
+            <a:xfrm>
+              <a:off x="1974869" y="-807850"/>
+              <a:ext cx="2188420" cy="631711"/>
+            </a:xfrm>
+            <a:prstGeom prst="rect">
+              <a:avLst/>
+            </a:prstGeom>
+            <a:noFill/>
+          </p:spPr>
+          <p:txBody>
+            <a:bodyPr wrap="none" rtlCol="0">
+              <a:spAutoFit/>
+            </a:bodyPr>
+            <a:lstStyle/>
+            <a:p>
+              <a:pPr>
+                <a:lnSpc>
+                  <a:spcPct val="120000"/>
+                </a:lnSpc>
+              </a:pPr>
+              <a:r>
+                <a:rPr lang="en-US" altLang="ja-JP" sz="3200" b="1" dirty="0">
+                  <a:latin typeface="Times New Roman" panose="02020603050405020304" pitchFamily="18" charset="0"/>
+                  <a:cs typeface="Times New Roman" panose="02020603050405020304" pitchFamily="18" charset="0"/>
+                </a:rPr>
+                <a:t>Out of field</a:t>
+              </a:r>
+              <a:endParaRPr kumimoji="1" lang="ja-JP" altLang="en-US" sz="3200" b="1" dirty="0">
+                <a:latin typeface="Times New Roman" panose="02020603050405020304" pitchFamily="18" charset="0"/>
+                <a:cs typeface="Times New Roman" panose="02020603050405020304" pitchFamily="18" charset="0"/>
+              </a:endParaRPr>
+            </a:p>
+          </p:txBody>
+        </p:sp>
+        <p:cxnSp>
+          <p:nvCxnSpPr>
+            <p:cNvPr id="25" name="直線矢印コネクタ 24">
+              <a:extLst>
+                <a:ext uri="{FF2B5EF4-FFF2-40B4-BE49-F238E27FC236}">
+                  <a16:creationId xmlns:a16="http://schemas.microsoft.com/office/drawing/2014/main" id="{E17F6B62-9072-C0B8-688A-33CE48CF9920}"/>
+                </a:ext>
+              </a:extLst>
+            </p:cNvPr>
+            <p:cNvCxnSpPr>
+              <a:cxnSpLocks/>
+            </p:cNvCxnSpPr>
+            <p:nvPr/>
+          </p:nvCxnSpPr>
+          <p:spPr>
+            <a:xfrm flipH="1" flipV="1">
+              <a:off x="-3565268" y="1085960"/>
+              <a:ext cx="3494428" cy="349357"/>
+            </a:xfrm>
+            <a:prstGeom prst="straightConnector1">
+              <a:avLst/>
+            </a:prstGeom>
+            <a:ln w="76200">
+              <a:solidFill>
+                <a:srgbClr val="7030A0"/>
+              </a:solidFill>
+              <a:prstDash val="sysDot"/>
+              <a:tailEnd type="triangle"/>
+            </a:ln>
+          </p:spPr>
+          <p:style>
+            <a:lnRef idx="1">
+              <a:schemeClr val="accent1"/>
+            </a:lnRef>
+            <a:fillRef idx="0">
+              <a:schemeClr val="accent1"/>
+            </a:fillRef>
+            <a:effectRef idx="0">
+              <a:schemeClr val="accent1"/>
+            </a:effectRef>
+            <a:fontRef idx="minor">
+              <a:schemeClr val="tx1"/>
+            </a:fontRef>
+          </p:style>
+        </p:cxnSp>
+        <p:grpSp>
+          <p:nvGrpSpPr>
+            <p:cNvPr id="150" name="グループ化 149">
+              <a:extLst>
+                <a:ext uri="{FF2B5EF4-FFF2-40B4-BE49-F238E27FC236}">
+                  <a16:creationId xmlns:a16="http://schemas.microsoft.com/office/drawing/2014/main" id="{9BD2CABE-309B-0450-D6E3-ECD824373397}"/>
+                </a:ext>
+              </a:extLst>
+            </p:cNvPr>
+            <p:cNvGrpSpPr/>
+            <p:nvPr/>
+          </p:nvGrpSpPr>
+          <p:grpSpPr>
+            <a:xfrm>
+              <a:off x="1865381" y="37752"/>
+              <a:ext cx="1388111" cy="595383"/>
+              <a:chOff x="4350649" y="325073"/>
+              <a:chExt cx="2518660" cy="1080294"/>
+            </a:xfrm>
+          </p:grpSpPr>
+          <p:sp>
+            <p:nvSpPr>
+              <p:cNvPr id="147" name="吹き出し: 円形 146">
+                <a:extLst>
+                  <a:ext uri="{FF2B5EF4-FFF2-40B4-BE49-F238E27FC236}">
+                    <a16:creationId xmlns:a16="http://schemas.microsoft.com/office/drawing/2014/main" id="{74054C31-187B-A63E-3C49-9335239C9BC6}"/>
+                  </a:ext>
+                </a:extLst>
+              </p:cNvPr>
+              <p:cNvSpPr/>
+              <p:nvPr/>
+            </p:nvSpPr>
+            <p:spPr bwMode="auto">
+              <a:xfrm>
+                <a:off x="4350649" y="488372"/>
+                <a:ext cx="2518660" cy="916995"/>
+              </a:xfrm>
+              <a:prstGeom prst="wedgeEllipseCallout">
+                <a:avLst>
+                  <a:gd name="adj1" fmla="val -62504"/>
+                  <a:gd name="adj2" fmla="val 13458"/>
+                </a:avLst>
+              </a:prstGeom>
+              <a:solidFill>
+                <a:schemeClr val="tx2">
+                  <a:lumMod val="20000"/>
+                  <a:lumOff val="80000"/>
+                </a:schemeClr>
+              </a:solidFill>
+              <a:ln>
+                <a:noFill/>
+              </a:ln>
+              <a:effectLst/>
+            </p:spPr>
+            <p:txBody>
+              <a:bodyPr wrap="square" lIns="0" tIns="0" rIns="0" bIns="0" rtlCol="0" anchor="ctr">
+                <a:spAutoFit/>
+              </a:bodyPr>
+              <a:lstStyle/>
+              <a:p>
+                <a:pPr algn="ctr">
+                  <a:lnSpc>
+                    <a:spcPct val="120000"/>
+                  </a:lnSpc>
+                  <a:spcBef>
+                    <a:spcPts val="1200"/>
+                  </a:spcBef>
+                  <a:spcAft>
+                    <a:spcPts val="600"/>
+                  </a:spcAft>
+                </a:pPr>
+                <a:endParaRPr kumimoji="1" lang="ja-JP" altLang="en-US" sz="1400" dirty="0">
+                  <a:latin typeface="メイリオ" pitchFamily="50" charset="-128"/>
+                  <a:ea typeface="メイリオ" pitchFamily="50" charset="-128"/>
+                  <a:cs typeface="メイリオ" pitchFamily="50" charset="-128"/>
+                </a:endParaRPr>
+              </a:p>
+            </p:txBody>
+          </p:sp>
+          <p:sp>
+            <p:nvSpPr>
+              <p:cNvPr id="149" name="テキスト ボックス 148">
+                <a:extLst>
+                  <a:ext uri="{FF2B5EF4-FFF2-40B4-BE49-F238E27FC236}">
+                    <a16:creationId xmlns:a16="http://schemas.microsoft.com/office/drawing/2014/main" id="{8BB0583E-C09D-958B-24BB-1DB74D847E93}"/>
+                  </a:ext>
+                </a:extLst>
+              </p:cNvPr>
+              <p:cNvSpPr txBox="1"/>
+              <p:nvPr/>
+            </p:nvSpPr>
+            <p:spPr>
+              <a:xfrm>
+                <a:off x="4550623" y="325073"/>
+                <a:ext cx="2179102" cy="1023817"/>
+              </a:xfrm>
+              <a:prstGeom prst="rect">
+                <a:avLst/>
+              </a:prstGeom>
+              <a:noFill/>
+            </p:spPr>
+            <p:txBody>
+              <a:bodyPr wrap="none" rtlCol="0">
+                <a:spAutoFit/>
+              </a:bodyPr>
+              <a:lstStyle/>
+              <a:p>
+                <a:pPr>
+                  <a:lnSpc>
+                    <a:spcPct val="120000"/>
+                  </a:lnSpc>
+                </a:pPr>
+                <a:r>
+                  <a:rPr lang="en-US" altLang="ja-JP" sz="2800" b="1" dirty="0">
+                    <a:latin typeface="Times New Roman" panose="02020603050405020304" pitchFamily="18" charset="0"/>
+                    <a:cs typeface="Times New Roman" panose="02020603050405020304" pitchFamily="18" charset="0"/>
+                  </a:rPr>
+                  <a:t>female</a:t>
+                </a:r>
+                <a:endParaRPr kumimoji="1" lang="en-US" altLang="ja-JP" sz="1000" b="1" dirty="0">
+                  <a:latin typeface="Times New Roman" panose="02020603050405020304" pitchFamily="18" charset="0"/>
+                  <a:cs typeface="Times New Roman" panose="02020603050405020304" pitchFamily="18" charset="0"/>
+                </a:endParaRPr>
+              </a:p>
+            </p:txBody>
+          </p:sp>
+        </p:grpSp>
+        <p:grpSp>
+          <p:nvGrpSpPr>
+            <p:cNvPr id="160" name="グループ化 159">
+              <a:extLst>
+                <a:ext uri="{FF2B5EF4-FFF2-40B4-BE49-F238E27FC236}">
+                  <a16:creationId xmlns:a16="http://schemas.microsoft.com/office/drawing/2014/main" id="{7AF23FC0-3AB8-373E-8369-39765F5E129C}"/>
+                </a:ext>
+              </a:extLst>
+            </p:cNvPr>
+            <p:cNvGrpSpPr/>
+            <p:nvPr/>
+          </p:nvGrpSpPr>
+          <p:grpSpPr>
+            <a:xfrm>
+              <a:off x="2933131" y="1118547"/>
+              <a:ext cx="1052149" cy="626834"/>
+              <a:chOff x="4350649" y="268007"/>
+              <a:chExt cx="1909074" cy="1137360"/>
+            </a:xfrm>
+          </p:grpSpPr>
+          <p:sp>
+            <p:nvSpPr>
+              <p:cNvPr id="161" name="吹き出し: 円形 160">
+                <a:extLst>
+                  <a:ext uri="{FF2B5EF4-FFF2-40B4-BE49-F238E27FC236}">
+                    <a16:creationId xmlns:a16="http://schemas.microsoft.com/office/drawing/2014/main" id="{057E8C63-A144-BACB-B385-0DA0CAFB9BAB}"/>
+                  </a:ext>
+                </a:extLst>
+              </p:cNvPr>
+              <p:cNvSpPr/>
+              <p:nvPr/>
+            </p:nvSpPr>
+            <p:spPr bwMode="auto">
+              <a:xfrm>
+                <a:off x="4350649" y="268007"/>
+                <a:ext cx="1909074" cy="1137360"/>
+              </a:xfrm>
+              <a:prstGeom prst="wedgeEllipseCallout">
+                <a:avLst>
+                  <a:gd name="adj1" fmla="val -62504"/>
+                  <a:gd name="adj2" fmla="val 13458"/>
+                </a:avLst>
+              </a:prstGeom>
+              <a:solidFill>
+                <a:schemeClr val="tx2">
+                  <a:lumMod val="20000"/>
+                  <a:lumOff val="80000"/>
+                </a:schemeClr>
+              </a:solidFill>
+              <a:ln>
+                <a:noFill/>
+              </a:ln>
+              <a:effectLst/>
+            </p:spPr>
+            <p:txBody>
+              <a:bodyPr wrap="square" lIns="0" tIns="0" rIns="0" bIns="0" rtlCol="0" anchor="ctr">
+                <a:spAutoFit/>
+              </a:bodyPr>
+              <a:lstStyle/>
+              <a:p>
+                <a:pPr algn="ctr">
+                  <a:lnSpc>
+                    <a:spcPct val="120000"/>
+                  </a:lnSpc>
+                  <a:spcBef>
+                    <a:spcPts val="1200"/>
+                  </a:spcBef>
+                  <a:spcAft>
+                    <a:spcPts val="600"/>
+                  </a:spcAft>
+                </a:pPr>
+                <a:endParaRPr kumimoji="1" lang="ja-JP" altLang="en-US" sz="1400" dirty="0">
+                  <a:latin typeface="メイリオ" pitchFamily="50" charset="-128"/>
+                  <a:ea typeface="メイリオ" pitchFamily="50" charset="-128"/>
+                  <a:cs typeface="メイリオ" pitchFamily="50" charset="-128"/>
+                </a:endParaRPr>
+              </a:p>
+            </p:txBody>
+          </p:sp>
+          <p:sp>
+            <p:nvSpPr>
+              <p:cNvPr id="162" name="テキスト ボックス 161">
+                <a:extLst>
+                  <a:ext uri="{FF2B5EF4-FFF2-40B4-BE49-F238E27FC236}">
+                    <a16:creationId xmlns:a16="http://schemas.microsoft.com/office/drawing/2014/main" id="{1B06E4F8-DCB1-628A-BD88-174A784A50F1}"/>
+                  </a:ext>
+                </a:extLst>
+              </p:cNvPr>
+              <p:cNvSpPr txBox="1"/>
+              <p:nvPr/>
+            </p:nvSpPr>
+            <p:spPr>
+              <a:xfrm>
+                <a:off x="4518740" y="275194"/>
+                <a:ext cx="1673010" cy="1023817"/>
+              </a:xfrm>
+              <a:prstGeom prst="rect">
+                <a:avLst/>
+              </a:prstGeom>
+              <a:noFill/>
+            </p:spPr>
+            <p:txBody>
+              <a:bodyPr wrap="none" rtlCol="0">
+                <a:spAutoFit/>
+              </a:bodyPr>
+              <a:lstStyle/>
+              <a:p>
+                <a:pPr>
+                  <a:lnSpc>
+                    <a:spcPct val="120000"/>
+                  </a:lnSpc>
+                </a:pPr>
+                <a:r>
+                  <a:rPr kumimoji="1" lang="en-US" altLang="ja-JP" sz="2800" b="1" dirty="0">
+                    <a:latin typeface="Times New Roman" panose="02020603050405020304" pitchFamily="18" charset="0"/>
+                    <a:cs typeface="Times New Roman" panose="02020603050405020304" pitchFamily="18" charset="0"/>
+                  </a:rPr>
+                  <a:t>male</a:t>
+                </a:r>
+                <a:endParaRPr kumimoji="1" lang="en-US" altLang="ja-JP" sz="1000" b="1" dirty="0">
+                  <a:latin typeface="Times New Roman" panose="02020603050405020304" pitchFamily="18" charset="0"/>
+                  <a:cs typeface="Times New Roman" panose="02020603050405020304" pitchFamily="18" charset="0"/>
+                </a:endParaRPr>
+              </a:p>
+            </p:txBody>
+          </p:sp>
+        </p:grpSp>
+        <p:grpSp>
+          <p:nvGrpSpPr>
+            <p:cNvPr id="163" name="グループ化 162">
+              <a:extLst>
+                <a:ext uri="{FF2B5EF4-FFF2-40B4-BE49-F238E27FC236}">
+                  <a16:creationId xmlns:a16="http://schemas.microsoft.com/office/drawing/2014/main" id="{5A900890-096A-8812-0FB7-8B0D291109D1}"/>
+                </a:ext>
+              </a:extLst>
+            </p:cNvPr>
+            <p:cNvGrpSpPr/>
+            <p:nvPr/>
+          </p:nvGrpSpPr>
+          <p:grpSpPr>
+            <a:xfrm>
+              <a:off x="2917529" y="3267362"/>
+              <a:ext cx="1052149" cy="653899"/>
+              <a:chOff x="4350649" y="218899"/>
+              <a:chExt cx="1909074" cy="1186468"/>
+            </a:xfrm>
+          </p:grpSpPr>
+          <p:sp>
+            <p:nvSpPr>
+              <p:cNvPr id="164" name="吹き出し: 円形 163">
+                <a:extLst>
+                  <a:ext uri="{FF2B5EF4-FFF2-40B4-BE49-F238E27FC236}">
+                    <a16:creationId xmlns:a16="http://schemas.microsoft.com/office/drawing/2014/main" id="{ADE3EEEA-2C16-EE54-9E60-D2C3BA335234}"/>
+                  </a:ext>
+                </a:extLst>
+              </p:cNvPr>
+              <p:cNvSpPr/>
+              <p:nvPr/>
+            </p:nvSpPr>
+            <p:spPr bwMode="auto">
+              <a:xfrm>
+                <a:off x="4350649" y="268007"/>
+                <a:ext cx="1909074" cy="1137360"/>
+              </a:xfrm>
+              <a:prstGeom prst="wedgeEllipseCallout">
+                <a:avLst>
+                  <a:gd name="adj1" fmla="val -52075"/>
+                  <a:gd name="adj2" fmla="val -58021"/>
+                </a:avLst>
+              </a:prstGeom>
+              <a:solidFill>
+                <a:schemeClr val="tx2">
+                  <a:lumMod val="20000"/>
+                  <a:lumOff val="80000"/>
+                </a:schemeClr>
+              </a:solidFill>
+              <a:ln>
+                <a:noFill/>
+              </a:ln>
+              <a:effectLst/>
+            </p:spPr>
+            <p:txBody>
+              <a:bodyPr wrap="square" lIns="0" tIns="0" rIns="0" bIns="0" rtlCol="0" anchor="ctr">
+                <a:spAutoFit/>
+              </a:bodyPr>
+              <a:lstStyle/>
+              <a:p>
+                <a:pPr algn="ctr">
+                  <a:lnSpc>
+                    <a:spcPct val="120000"/>
+                  </a:lnSpc>
+                  <a:spcBef>
+                    <a:spcPts val="1200"/>
+                  </a:spcBef>
+                  <a:spcAft>
+                    <a:spcPts val="600"/>
+                  </a:spcAft>
+                </a:pPr>
+                <a:endParaRPr kumimoji="1" lang="ja-JP" altLang="en-US" sz="1400" dirty="0">
+                  <a:latin typeface="メイリオ" pitchFamily="50" charset="-128"/>
+                  <a:ea typeface="メイリオ" pitchFamily="50" charset="-128"/>
+                  <a:cs typeface="メイリオ" pitchFamily="50" charset="-128"/>
+                </a:endParaRPr>
+              </a:p>
+            </p:txBody>
+          </p:sp>
+          <p:sp>
+            <p:nvSpPr>
+              <p:cNvPr id="165" name="テキスト ボックス 164">
+                <a:extLst>
+                  <a:ext uri="{FF2B5EF4-FFF2-40B4-BE49-F238E27FC236}">
+                    <a16:creationId xmlns:a16="http://schemas.microsoft.com/office/drawing/2014/main" id="{E071F0C1-16C9-9087-3C04-4BF688352CDD}"/>
+                  </a:ext>
+                </a:extLst>
+              </p:cNvPr>
+              <p:cNvSpPr txBox="1"/>
+              <p:nvPr/>
+            </p:nvSpPr>
+            <p:spPr>
+              <a:xfrm>
+                <a:off x="4532314" y="218899"/>
+                <a:ext cx="1673010" cy="1023817"/>
+              </a:xfrm>
+              <a:prstGeom prst="rect">
+                <a:avLst/>
+              </a:prstGeom>
+              <a:noFill/>
+            </p:spPr>
+            <p:txBody>
+              <a:bodyPr wrap="none" rtlCol="0">
+                <a:spAutoFit/>
+              </a:bodyPr>
+              <a:lstStyle/>
+              <a:p>
+                <a:pPr>
+                  <a:lnSpc>
+                    <a:spcPct val="120000"/>
+                  </a:lnSpc>
+                </a:pPr>
+                <a:r>
+                  <a:rPr lang="en-US" altLang="ja-JP" sz="2800" b="1" dirty="0">
+                    <a:latin typeface="Times New Roman" panose="02020603050405020304" pitchFamily="18" charset="0"/>
+                    <a:cs typeface="Times New Roman" panose="02020603050405020304" pitchFamily="18" charset="0"/>
+                  </a:rPr>
+                  <a:t>male</a:t>
+                </a:r>
+                <a:endParaRPr kumimoji="1" lang="en-US" altLang="ja-JP" sz="1000" b="1" dirty="0">
+                  <a:latin typeface="Times New Roman" panose="02020603050405020304" pitchFamily="18" charset="0"/>
+                  <a:cs typeface="Times New Roman" panose="02020603050405020304" pitchFamily="18" charset="0"/>
+                </a:endParaRPr>
+              </a:p>
+            </p:txBody>
+          </p:sp>
+        </p:grpSp>
+        <p:grpSp>
+          <p:nvGrpSpPr>
+            <p:cNvPr id="166" name="グループ化 165">
+              <a:extLst>
+                <a:ext uri="{FF2B5EF4-FFF2-40B4-BE49-F238E27FC236}">
+                  <a16:creationId xmlns:a16="http://schemas.microsoft.com/office/drawing/2014/main" id="{1D1DCCB8-F9A4-9AFD-8D64-03BAB00D06C4}"/>
+                </a:ext>
+              </a:extLst>
+            </p:cNvPr>
+            <p:cNvGrpSpPr/>
+            <p:nvPr/>
+          </p:nvGrpSpPr>
+          <p:grpSpPr>
+            <a:xfrm>
+              <a:off x="-4070976" y="1573820"/>
+              <a:ext cx="1052149" cy="626834"/>
+              <a:chOff x="4350650" y="268007"/>
+              <a:chExt cx="1909074" cy="1137360"/>
+            </a:xfrm>
+          </p:grpSpPr>
+          <p:sp>
+            <p:nvSpPr>
+              <p:cNvPr id="167" name="吹き出し: 円形 166">
+                <a:extLst>
+                  <a:ext uri="{FF2B5EF4-FFF2-40B4-BE49-F238E27FC236}">
+                    <a16:creationId xmlns:a16="http://schemas.microsoft.com/office/drawing/2014/main" id="{F367D03B-AA54-D4AF-5FEE-91C3A7D27CCD}"/>
+                  </a:ext>
+                </a:extLst>
+              </p:cNvPr>
+              <p:cNvSpPr/>
+              <p:nvPr/>
+            </p:nvSpPr>
+            <p:spPr bwMode="auto">
+              <a:xfrm>
+                <a:off x="4350650" y="268007"/>
+                <a:ext cx="1909074" cy="1137360"/>
+              </a:xfrm>
+              <a:prstGeom prst="wedgeEllipseCallout">
+                <a:avLst>
+                  <a:gd name="adj1" fmla="val 68727"/>
+                  <a:gd name="adj2" fmla="val -9882"/>
+                </a:avLst>
+              </a:prstGeom>
+              <a:solidFill>
+                <a:schemeClr val="tx2">
+                  <a:lumMod val="20000"/>
+                  <a:lumOff val="80000"/>
+                </a:schemeClr>
+              </a:solidFill>
+              <a:ln>
+                <a:noFill/>
+              </a:ln>
+              <a:effectLst/>
+            </p:spPr>
+            <p:txBody>
+              <a:bodyPr wrap="square" lIns="0" tIns="0" rIns="0" bIns="0" rtlCol="0" anchor="ctr">
+                <a:spAutoFit/>
+              </a:bodyPr>
+              <a:lstStyle/>
+              <a:p>
+                <a:pPr algn="ctr">
+                  <a:lnSpc>
+                    <a:spcPct val="120000"/>
+                  </a:lnSpc>
+                  <a:spcBef>
+                    <a:spcPts val="1200"/>
+                  </a:spcBef>
+                  <a:spcAft>
+                    <a:spcPts val="600"/>
+                  </a:spcAft>
+                </a:pPr>
+                <a:endParaRPr kumimoji="1" lang="ja-JP" altLang="en-US" sz="1400" dirty="0">
+                  <a:latin typeface="メイリオ" pitchFamily="50" charset="-128"/>
+                  <a:ea typeface="メイリオ" pitchFamily="50" charset="-128"/>
+                  <a:cs typeface="メイリオ" pitchFamily="50" charset="-128"/>
+                </a:endParaRPr>
+              </a:p>
+            </p:txBody>
+          </p:sp>
+          <p:sp>
+            <p:nvSpPr>
+              <p:cNvPr id="168" name="テキスト ボックス 167">
+                <a:extLst>
+                  <a:ext uri="{FF2B5EF4-FFF2-40B4-BE49-F238E27FC236}">
+                    <a16:creationId xmlns:a16="http://schemas.microsoft.com/office/drawing/2014/main" id="{EE1D7ED0-FEAA-2400-10E9-237C2A71954B}"/>
+                  </a:ext>
+                </a:extLst>
+              </p:cNvPr>
+              <p:cNvSpPr txBox="1"/>
+              <p:nvPr/>
+            </p:nvSpPr>
+            <p:spPr>
+              <a:xfrm>
+                <a:off x="4497830" y="276700"/>
+                <a:ext cx="1673010" cy="1023817"/>
+              </a:xfrm>
+              <a:prstGeom prst="rect">
+                <a:avLst/>
+              </a:prstGeom>
+              <a:noFill/>
+            </p:spPr>
+            <p:txBody>
+              <a:bodyPr wrap="none" rtlCol="0">
+                <a:spAutoFit/>
+              </a:bodyPr>
+              <a:lstStyle/>
+              <a:p>
+                <a:pPr>
+                  <a:lnSpc>
+                    <a:spcPct val="120000"/>
+                  </a:lnSpc>
+                </a:pPr>
+                <a:r>
+                  <a:rPr lang="en-US" altLang="ja-JP" sz="2800" b="1" dirty="0">
+                    <a:latin typeface="Times New Roman" panose="02020603050405020304" pitchFamily="18" charset="0"/>
+                    <a:cs typeface="Times New Roman" panose="02020603050405020304" pitchFamily="18" charset="0"/>
+                  </a:rPr>
+                  <a:t>male</a:t>
+                </a:r>
+                <a:endParaRPr kumimoji="1" lang="en-US" altLang="ja-JP" sz="1000" b="1" dirty="0">
+                  <a:latin typeface="Times New Roman" panose="02020603050405020304" pitchFamily="18" charset="0"/>
+                  <a:cs typeface="Times New Roman" panose="02020603050405020304" pitchFamily="18" charset="0"/>
+                </a:endParaRPr>
+              </a:p>
+            </p:txBody>
+          </p:sp>
+        </p:grpSp>
+        <p:cxnSp>
+          <p:nvCxnSpPr>
+            <p:cNvPr id="134" name="直線矢印コネクタ 133">
+              <a:extLst>
+                <a:ext uri="{FF2B5EF4-FFF2-40B4-BE49-F238E27FC236}">
+                  <a16:creationId xmlns:a16="http://schemas.microsoft.com/office/drawing/2014/main" id="{81397846-9F31-FFF6-3812-B00E4D5F142B}"/>
+                </a:ext>
+              </a:extLst>
+            </p:cNvPr>
+            <p:cNvCxnSpPr>
+              <a:cxnSpLocks/>
+              <a:endCxn id="17" idx="2"/>
+            </p:cNvCxnSpPr>
+            <p:nvPr/>
+          </p:nvCxnSpPr>
+          <p:spPr>
+            <a:xfrm flipV="1">
+              <a:off x="-118165" y="-123798"/>
+              <a:ext cx="1278129" cy="1584680"/>
+            </a:xfrm>
+            <a:prstGeom prst="straightConnector1">
+              <a:avLst/>
+            </a:prstGeom>
+            <a:ln w="76200">
+              <a:solidFill>
+                <a:srgbClr val="7030A0"/>
+              </a:solidFill>
+              <a:prstDash val="sysDot"/>
+              <a:tailEnd type="triangle"/>
+            </a:ln>
+          </p:spPr>
+          <p:style>
+            <a:lnRef idx="1">
+              <a:schemeClr val="accent1"/>
+            </a:lnRef>
+            <a:fillRef idx="0">
+              <a:schemeClr val="accent1"/>
+            </a:fillRef>
+            <a:effectRef idx="0">
+              <a:schemeClr val="accent1"/>
+            </a:effectRef>
+            <a:fontRef idx="minor">
+              <a:schemeClr val="tx1"/>
+            </a:fontRef>
+          </p:style>
+        </p:cxnSp>
+        <p:sp>
+          <p:nvSpPr>
+            <p:cNvPr id="26" name="テキスト ボックス 25">
+              <a:extLst>
+                <a:ext uri="{FF2B5EF4-FFF2-40B4-BE49-F238E27FC236}">
+                  <a16:creationId xmlns:a16="http://schemas.microsoft.com/office/drawing/2014/main" id="{25174755-FA07-CE3A-3E18-645363BCCD29}"/>
+                </a:ext>
+              </a:extLst>
+            </p:cNvPr>
+            <p:cNvSpPr txBox="1"/>
+            <p:nvPr/>
+          </p:nvSpPr>
+          <p:spPr>
+            <a:xfrm>
+              <a:off x="-3416626" y="679100"/>
+              <a:ext cx="697627" cy="941796"/>
+            </a:xfrm>
+            <a:prstGeom prst="rect">
+              <a:avLst/>
+            </a:prstGeom>
+            <a:noFill/>
+          </p:spPr>
+          <p:txBody>
+            <a:bodyPr wrap="none" rtlCol="0">
+              <a:spAutoFit/>
+            </a:bodyPr>
+            <a:lstStyle/>
+            <a:p>
+              <a:pPr>
+                <a:lnSpc>
+                  <a:spcPct val="120000"/>
+                </a:lnSpc>
+              </a:pPr>
+              <a:r>
+                <a:rPr kumimoji="1" lang="en-US" altLang="ja-JP" sz="4800" b="1" dirty="0"/>
+                <a:t>×</a:t>
+              </a:r>
+              <a:endParaRPr kumimoji="1" lang="ja-JP" altLang="en-US" sz="4800" b="1" dirty="0"/>
+            </a:p>
+          </p:txBody>
+        </p:sp>
+        <p:sp>
+          <p:nvSpPr>
+            <p:cNvPr id="174" name="テキスト ボックス 173">
+              <a:extLst>
+                <a:ext uri="{FF2B5EF4-FFF2-40B4-BE49-F238E27FC236}">
+                  <a16:creationId xmlns:a16="http://schemas.microsoft.com/office/drawing/2014/main" id="{3F47C6AD-6F8D-D35B-F1B9-36253EDEB0F0}"/>
+                </a:ext>
+              </a:extLst>
+            </p:cNvPr>
+            <p:cNvSpPr txBox="1"/>
+            <p:nvPr/>
+          </p:nvSpPr>
+          <p:spPr>
+            <a:xfrm>
+              <a:off x="384397" y="-151180"/>
+              <a:ext cx="697627" cy="941796"/>
+            </a:xfrm>
+            <a:prstGeom prst="rect">
+              <a:avLst/>
+            </a:prstGeom>
+            <a:noFill/>
+          </p:spPr>
+          <p:txBody>
+            <a:bodyPr wrap="none" rtlCol="0">
+              <a:spAutoFit/>
+            </a:bodyPr>
+            <a:lstStyle/>
+            <a:p>
+              <a:pPr>
+                <a:lnSpc>
+                  <a:spcPct val="120000"/>
+                </a:lnSpc>
+              </a:pPr>
+              <a:r>
+                <a:rPr kumimoji="1" lang="en-US" altLang="ja-JP" sz="4800" b="1" dirty="0"/>
+                <a:t>×</a:t>
+              </a:r>
+              <a:endParaRPr kumimoji="1" lang="ja-JP" altLang="en-US" sz="4800" b="1" dirty="0"/>
+            </a:p>
+          </p:txBody>
+        </p:sp>
+        <p:sp>
+          <p:nvSpPr>
+            <p:cNvPr id="176" name="テキスト ボックス 175">
+              <a:extLst>
+                <a:ext uri="{FF2B5EF4-FFF2-40B4-BE49-F238E27FC236}">
+                  <a16:creationId xmlns:a16="http://schemas.microsoft.com/office/drawing/2014/main" id="{AD3B172A-EBAD-0839-AF56-5B414C886AB0}"/>
+                </a:ext>
+              </a:extLst>
+            </p:cNvPr>
+            <p:cNvSpPr txBox="1"/>
+            <p:nvPr/>
+          </p:nvSpPr>
+          <p:spPr>
+            <a:xfrm>
+              <a:off x="-1276507" y="-67494"/>
+              <a:ext cx="697627" cy="941796"/>
+            </a:xfrm>
+            <a:prstGeom prst="rect">
+              <a:avLst/>
+            </a:prstGeom>
+            <a:noFill/>
+          </p:spPr>
+          <p:txBody>
+            <a:bodyPr wrap="none" rtlCol="0">
+              <a:spAutoFit/>
+            </a:bodyPr>
+            <a:lstStyle/>
+            <a:p>
+              <a:pPr>
+                <a:lnSpc>
+                  <a:spcPct val="120000"/>
+                </a:lnSpc>
+              </a:pPr>
+              <a:r>
+                <a:rPr kumimoji="1" lang="en-US" altLang="ja-JP" sz="4800" b="1" dirty="0"/>
+                <a:t>×</a:t>
+              </a:r>
+              <a:endParaRPr kumimoji="1" lang="ja-JP" altLang="en-US" sz="4800" b="1" dirty="0"/>
+            </a:p>
+          </p:txBody>
+        </p:sp>
+      </p:grpSp>
+      <p:grpSp>
+        <p:nvGrpSpPr>
+          <p:cNvPr id="196" name="グループ化 195">
+            <a:extLst>
+              <a:ext uri="{FF2B5EF4-FFF2-40B4-BE49-F238E27FC236}">
+                <a16:creationId xmlns:a16="http://schemas.microsoft.com/office/drawing/2014/main" id="{90D67096-B22C-6A9D-1E4B-A9C50889C357}"/>
+              </a:ext>
+            </a:extLst>
+          </p:cNvPr>
+          <p:cNvGrpSpPr/>
+          <p:nvPr/>
+        </p:nvGrpSpPr>
+        <p:grpSpPr>
+          <a:xfrm>
+            <a:off x="318896" y="1213165"/>
+            <a:ext cx="6931913" cy="4643130"/>
+            <a:chOff x="5472100" y="-93477"/>
+            <a:chExt cx="6931913" cy="4643130"/>
+          </a:xfrm>
+        </p:grpSpPr>
+        <p:sp>
+          <p:nvSpPr>
+            <p:cNvPr id="62" name="正方形/長方形 61">
+              <a:extLst>
+                <a:ext uri="{FF2B5EF4-FFF2-40B4-BE49-F238E27FC236}">
+                  <a16:creationId xmlns:a16="http://schemas.microsoft.com/office/drawing/2014/main" id="{7BBC7CC0-DF9D-9441-3564-A885525A7B31}"/>
+                </a:ext>
+              </a:extLst>
+            </p:cNvPr>
+            <p:cNvSpPr/>
+            <p:nvPr/>
+          </p:nvSpPr>
+          <p:spPr bwMode="auto">
+            <a:xfrm>
+              <a:off x="5472100" y="47947"/>
+              <a:ext cx="6768752" cy="4501706"/>
+            </a:xfrm>
+            <a:prstGeom prst="rect">
+              <a:avLst/>
+            </a:prstGeom>
+            <a:solidFill>
+              <a:schemeClr val="accent5">
+                <a:lumMod val="95000"/>
+              </a:schemeClr>
+            </a:solidFill>
+            <a:ln w="9525">
+              <a:solidFill>
+                <a:schemeClr val="tx1"/>
+              </a:solidFill>
+              <a:round/>
+              <a:headEnd/>
+              <a:tailEnd/>
+            </a:ln>
+            <a:effectLst/>
+          </p:spPr>
+          <p:txBody>
+            <a:bodyPr wrap="square" lIns="0" tIns="0" rIns="0" bIns="0" rtlCol="0" anchor="ctr">
+              <a:spAutoFit/>
+            </a:bodyPr>
+            <a:lstStyle/>
+            <a:p>
+              <a:pPr marL="361950" indent="-361950" algn="ctr">
+                <a:lnSpc>
+                  <a:spcPct val="120000"/>
+                </a:lnSpc>
+                <a:spcBef>
+                  <a:spcPts val="1200"/>
+                </a:spcBef>
+                <a:spcAft>
+                  <a:spcPts val="600"/>
+                </a:spcAft>
+                <a:buFont typeface="Wingdings" pitchFamily="2" charset="2"/>
+                <a:buChar char="l"/>
+              </a:pPr>
+              <a:endParaRPr kumimoji="1" lang="ja-JP" altLang="en-US" sz="2000" dirty="0">
+                <a:latin typeface="メイリオ" pitchFamily="50" charset="-128"/>
+                <a:ea typeface="メイリオ" pitchFamily="50" charset="-128"/>
+                <a:cs typeface="メイリオ" pitchFamily="50" charset="-128"/>
+              </a:endParaRPr>
+            </a:p>
+          </p:txBody>
+        </p:sp>
+        <p:pic>
+          <p:nvPicPr>
+            <p:cNvPr id="63" name="図 62">
+              <a:extLst>
+                <a:ext uri="{FF2B5EF4-FFF2-40B4-BE49-F238E27FC236}">
+                  <a16:creationId xmlns:a16="http://schemas.microsoft.com/office/drawing/2014/main" id="{5971E7F8-6880-B388-1276-82E3358E52F7}"/>
+                </a:ext>
+              </a:extLst>
+            </p:cNvPr>
+            <p:cNvPicPr>
+              <a:picLocks noChangeAspect="1"/>
+            </p:cNvPicPr>
+            <p:nvPr/>
+          </p:nvPicPr>
+          <p:blipFill rotWithShape="1">
+            <a:blip r:embed="rId4">
+              <a:alphaModFix amt="50000"/>
+              <a:extLst>
+                <a:ext uri="{28A0092B-C50C-407E-A947-70E740481C1C}">
+                  <a14:useLocalDpi xmlns:a14="http://schemas.microsoft.com/office/drawing/2010/main" val="0"/>
+                </a:ext>
+              </a:extLst>
+            </a:blip>
+            <a:srcRect l="34762" t="18264" r="34548" b="16637"/>
+            <a:stretch/>
+          </p:blipFill>
+          <p:spPr>
+            <a:xfrm>
+              <a:off x="8459218" y="1271576"/>
+              <a:ext cx="793302" cy="1490446"/>
+            </a:xfrm>
+            <a:prstGeom prst="rect">
+              <a:avLst/>
+            </a:prstGeom>
+          </p:spPr>
+        </p:pic>
+        <p:pic>
+          <p:nvPicPr>
+            <p:cNvPr id="64" name="グラフィックス 63" descr="ユーザー 単色塗りつぶし">
+              <a:extLst>
+                <a:ext uri="{FF2B5EF4-FFF2-40B4-BE49-F238E27FC236}">
+                  <a16:creationId xmlns:a16="http://schemas.microsoft.com/office/drawing/2014/main" id="{545D11E5-2A06-3C78-377A-8C4C4AA3CF02}"/>
+                </a:ext>
+              </a:extLst>
+            </p:cNvPr>
+            <p:cNvPicPr>
+              <a:picLocks noChangeAspect="1"/>
+            </p:cNvPicPr>
+            <p:nvPr/>
+          </p:nvPicPr>
+          <p:blipFill>
+            <a:blip r:embed="rId5">
+              <a:extLst>
+                <a:ext uri="{96DAC541-7B7A-43D3-8B79-37D633B846F1}">
+                  <asvg:svgBlip xmlns:asvg="http://schemas.microsoft.com/office/drawing/2016/SVG/main" r:embed="rId6"/>
+                </a:ext>
+              </a:extLst>
+            </a:blip>
+            <a:stretch>
+              <a:fillRect/>
+            </a:stretch>
+          </p:blipFill>
+          <p:spPr>
+            <a:xfrm>
+              <a:off x="5725775" y="1354239"/>
+              <a:ext cx="914400" cy="914400"/>
+            </a:xfrm>
+            <a:prstGeom prst="rect">
+              <a:avLst/>
+            </a:prstGeom>
+          </p:spPr>
+        </p:pic>
+        <p:pic>
+          <p:nvPicPr>
+            <p:cNvPr id="66" name="グラフィックス 65" descr="男子生徒 枠線">
+              <a:extLst>
+                <a:ext uri="{FF2B5EF4-FFF2-40B4-BE49-F238E27FC236}">
+                  <a16:creationId xmlns:a16="http://schemas.microsoft.com/office/drawing/2014/main" id="{DA1BD0EF-278D-78D7-0F5D-A5C00D756EDD}"/>
+                </a:ext>
+              </a:extLst>
+            </p:cNvPr>
+            <p:cNvPicPr>
+              <a:picLocks noChangeAspect="1"/>
+            </p:cNvPicPr>
+            <p:nvPr/>
+          </p:nvPicPr>
+          <p:blipFill>
+            <a:blip r:embed="rId7">
+              <a:extLst>
+                <a:ext uri="{96DAC541-7B7A-43D3-8B79-37D633B846F1}">
+                  <asvg:svgBlip xmlns:asvg="http://schemas.microsoft.com/office/drawing/2016/SVG/main" r:embed="rId8"/>
+                </a:ext>
+              </a:extLst>
+            </a:blip>
+            <a:stretch>
+              <a:fillRect/>
+            </a:stretch>
+          </p:blipFill>
+          <p:spPr>
+            <a:xfrm>
+              <a:off x="10899992" y="1211190"/>
+              <a:ext cx="914400" cy="914400"/>
+            </a:xfrm>
+            <a:prstGeom prst="rect">
+              <a:avLst/>
+            </a:prstGeom>
+          </p:spPr>
+        </p:pic>
+        <p:pic>
+          <p:nvPicPr>
+            <p:cNvPr id="67" name="グラフィックス 66" descr="女性のプロフィール 枠線">
+              <a:extLst>
+                <a:ext uri="{FF2B5EF4-FFF2-40B4-BE49-F238E27FC236}">
+                  <a16:creationId xmlns:a16="http://schemas.microsoft.com/office/drawing/2014/main" id="{96F67CF0-E102-4122-AF01-DAA68ABE357C}"/>
+                </a:ext>
+              </a:extLst>
+            </p:cNvPr>
+            <p:cNvPicPr>
+              <a:picLocks noChangeAspect="1"/>
+            </p:cNvPicPr>
+            <p:nvPr/>
+          </p:nvPicPr>
+          <p:blipFill>
+            <a:blip r:embed="rId9">
+              <a:extLst>
+                <a:ext uri="{96DAC541-7B7A-43D3-8B79-37D633B846F1}">
+                  <asvg:svgBlip xmlns:asvg="http://schemas.microsoft.com/office/drawing/2016/SVG/main" r:embed="rId10"/>
+                </a:ext>
+              </a:extLst>
+            </a:blip>
+            <a:stretch>
+              <a:fillRect/>
+            </a:stretch>
+          </p:blipFill>
+          <p:spPr>
+            <a:xfrm>
+              <a:off x="9879042" y="101247"/>
+              <a:ext cx="914400" cy="914400"/>
+            </a:xfrm>
+            <a:prstGeom prst="rect">
+              <a:avLst/>
+            </a:prstGeom>
+          </p:spPr>
+        </p:pic>
+        <p:pic>
+          <p:nvPicPr>
+            <p:cNvPr id="68" name="グラフィックス 67" descr="男性のプロフィール 単色塗りつぶし">
+              <a:extLst>
+                <a:ext uri="{FF2B5EF4-FFF2-40B4-BE49-F238E27FC236}">
+                  <a16:creationId xmlns:a16="http://schemas.microsoft.com/office/drawing/2014/main" id="{155B8BE3-BA8C-2AEB-46A1-CAB9655449B2}"/>
+                </a:ext>
+              </a:extLst>
+            </p:cNvPr>
+            <p:cNvPicPr>
+              <a:picLocks noChangeAspect="1"/>
+            </p:cNvPicPr>
+            <p:nvPr/>
+          </p:nvPicPr>
+          <p:blipFill>
+            <a:blip r:embed="rId11">
+              <a:extLst>
+                <a:ext uri="{96DAC541-7B7A-43D3-8B79-37D633B846F1}">
+                  <asvg:svgBlip xmlns:asvg="http://schemas.microsoft.com/office/drawing/2016/SVG/main" r:embed="rId12"/>
+                </a:ext>
+              </a:extLst>
+            </a:blip>
+            <a:stretch>
+              <a:fillRect/>
+            </a:stretch>
+          </p:blipFill>
+          <p:spPr>
+            <a:xfrm>
+              <a:off x="11052720" y="2490470"/>
+              <a:ext cx="914400" cy="914400"/>
+            </a:xfrm>
+            <a:prstGeom prst="rect">
+              <a:avLst/>
+            </a:prstGeom>
+          </p:spPr>
+        </p:pic>
+        <p:cxnSp>
+          <p:nvCxnSpPr>
+            <p:cNvPr id="70" name="コネクタ: 曲線 69">
+              <a:extLst>
+                <a:ext uri="{FF2B5EF4-FFF2-40B4-BE49-F238E27FC236}">
+                  <a16:creationId xmlns:a16="http://schemas.microsoft.com/office/drawing/2014/main" id="{EBE05A2B-B645-7527-7E30-9DEC440FB88C}"/>
+                </a:ext>
+              </a:extLst>
+            </p:cNvPr>
+            <p:cNvCxnSpPr>
+              <a:cxnSpLocks/>
+              <a:endCxn id="67" idx="2"/>
+            </p:cNvCxnSpPr>
+            <p:nvPr/>
+          </p:nvCxnSpPr>
+          <p:spPr>
+            <a:xfrm flipV="1">
+              <a:off x="9002936" y="1015647"/>
+              <a:ext cx="1333306" cy="169660"/>
+            </a:xfrm>
+            <a:prstGeom prst="curvedConnector2">
+              <a:avLst/>
+            </a:prstGeom>
+            <a:ln w="57150">
+              <a:solidFill>
+                <a:srgbClr val="00B050"/>
+              </a:solidFill>
+              <a:prstDash val="sysDot"/>
+              <a:tailEnd type="triangle"/>
+            </a:ln>
+          </p:spPr>
+          <p:style>
+            <a:lnRef idx="1">
+              <a:schemeClr val="accent1"/>
+            </a:lnRef>
+            <a:fillRef idx="0">
+              <a:schemeClr val="accent1"/>
+            </a:fillRef>
+            <a:effectRef idx="0">
+              <a:schemeClr val="accent1"/>
+            </a:effectRef>
+            <a:fontRef idx="minor">
+              <a:schemeClr val="tx1"/>
+            </a:fontRef>
+          </p:style>
+        </p:cxnSp>
+        <p:cxnSp>
+          <p:nvCxnSpPr>
+            <p:cNvPr id="71" name="コネクタ: 曲線 70">
+              <a:extLst>
+                <a:ext uri="{FF2B5EF4-FFF2-40B4-BE49-F238E27FC236}">
+                  <a16:creationId xmlns:a16="http://schemas.microsoft.com/office/drawing/2014/main" id="{DB8DA3A3-5F22-BDF3-6C51-D49AAB01129A}"/>
+                </a:ext>
+              </a:extLst>
+            </p:cNvPr>
+            <p:cNvCxnSpPr>
+              <a:cxnSpLocks/>
+            </p:cNvCxnSpPr>
+            <p:nvPr/>
+          </p:nvCxnSpPr>
+          <p:spPr>
+            <a:xfrm flipV="1">
+              <a:off x="9399588" y="1703624"/>
+              <a:ext cx="1500400" cy="288032"/>
+            </a:xfrm>
+            <a:prstGeom prst="curvedConnector3">
+              <a:avLst>
+                <a:gd name="adj1" fmla="val 50000"/>
+              </a:avLst>
+            </a:prstGeom>
+            <a:ln w="57150">
+              <a:solidFill>
+                <a:srgbClr val="00B050"/>
+              </a:solidFill>
+              <a:prstDash val="sysDot"/>
+              <a:tailEnd type="triangle"/>
+            </a:ln>
+          </p:spPr>
+          <p:style>
+            <a:lnRef idx="1">
+              <a:schemeClr val="accent1"/>
+            </a:lnRef>
+            <a:fillRef idx="0">
+              <a:schemeClr val="accent1"/>
+            </a:fillRef>
+            <a:effectRef idx="0">
+              <a:schemeClr val="accent1"/>
+            </a:effectRef>
+            <a:fontRef idx="minor">
+              <a:schemeClr val="tx1"/>
+            </a:fontRef>
+          </p:style>
+        </p:cxnSp>
+        <p:cxnSp>
+          <p:nvCxnSpPr>
+            <p:cNvPr id="72" name="コネクタ: 曲線 71">
+              <a:extLst>
+                <a:ext uri="{FF2B5EF4-FFF2-40B4-BE49-F238E27FC236}">
+                  <a16:creationId xmlns:a16="http://schemas.microsoft.com/office/drawing/2014/main" id="{4F9A5242-33B1-8F3B-F288-84369692DB14}"/>
+                </a:ext>
+              </a:extLst>
+            </p:cNvPr>
+            <p:cNvCxnSpPr>
+              <a:cxnSpLocks/>
+              <a:endCxn id="68" idx="1"/>
+            </p:cNvCxnSpPr>
+            <p:nvPr/>
+          </p:nvCxnSpPr>
+          <p:spPr>
+            <a:xfrm>
+              <a:off x="9036496" y="2688129"/>
+              <a:ext cx="2016224" cy="259541"/>
+            </a:xfrm>
+            <a:prstGeom prst="curvedConnector3">
+              <a:avLst>
+                <a:gd name="adj1" fmla="val 50000"/>
+              </a:avLst>
+            </a:prstGeom>
+            <a:ln w="57150">
+              <a:solidFill>
+                <a:srgbClr val="00B050"/>
+              </a:solidFill>
+              <a:prstDash val="sysDot"/>
+              <a:tailEnd type="triangle"/>
+            </a:ln>
+          </p:spPr>
+          <p:style>
+            <a:lnRef idx="1">
+              <a:schemeClr val="accent1"/>
+            </a:lnRef>
+            <a:fillRef idx="0">
+              <a:schemeClr val="accent1"/>
+            </a:fillRef>
+            <a:effectRef idx="0">
+              <a:schemeClr val="accent1"/>
+            </a:effectRef>
+            <a:fontRef idx="minor">
+              <a:schemeClr val="tx1"/>
+            </a:fontRef>
+          </p:style>
+        </p:cxnSp>
+        <p:cxnSp>
+          <p:nvCxnSpPr>
+            <p:cNvPr id="73" name="コネクタ: 曲線 72">
+              <a:extLst>
+                <a:ext uri="{FF2B5EF4-FFF2-40B4-BE49-F238E27FC236}">
+                  <a16:creationId xmlns:a16="http://schemas.microsoft.com/office/drawing/2014/main" id="{CE6E0A08-88F1-FA99-4484-F5F8457DEE54}"/>
+                </a:ext>
+              </a:extLst>
+            </p:cNvPr>
+            <p:cNvCxnSpPr>
+              <a:cxnSpLocks/>
+              <a:stCxn id="63" idx="1"/>
+              <a:endCxn id="64" idx="0"/>
+            </p:cNvCxnSpPr>
+            <p:nvPr/>
+          </p:nvCxnSpPr>
+          <p:spPr>
+            <a:xfrm rot="10800000">
+              <a:off x="6182976" y="1354239"/>
+              <a:ext cx="2276243" cy="662560"/>
+            </a:xfrm>
+            <a:prstGeom prst="curvedConnector4">
+              <a:avLst>
+                <a:gd name="adj1" fmla="val 39957"/>
+                <a:gd name="adj2" fmla="val 134503"/>
+              </a:avLst>
+            </a:prstGeom>
+            <a:ln w="57150">
+              <a:solidFill>
+                <a:srgbClr val="00B050"/>
+              </a:solidFill>
+              <a:prstDash val="sysDot"/>
+              <a:tailEnd type="triangle"/>
+            </a:ln>
+          </p:spPr>
+          <p:style>
+            <a:lnRef idx="1">
+              <a:schemeClr val="accent1"/>
+            </a:lnRef>
+            <a:fillRef idx="0">
+              <a:schemeClr val="accent1"/>
+            </a:fillRef>
+            <a:effectRef idx="0">
+              <a:schemeClr val="accent1"/>
+            </a:effectRef>
+            <a:fontRef idx="minor">
+              <a:schemeClr val="tx1"/>
+            </a:fontRef>
+          </p:style>
+        </p:cxnSp>
+        <p:pic>
+          <p:nvPicPr>
+            <p:cNvPr id="74" name="図 73">
+              <a:extLst>
+                <a:ext uri="{FF2B5EF4-FFF2-40B4-BE49-F238E27FC236}">
+                  <a16:creationId xmlns:a16="http://schemas.microsoft.com/office/drawing/2014/main" id="{F39E0807-30F6-9B20-D0CA-C64A5E436984}"/>
+                </a:ext>
+              </a:extLst>
+            </p:cNvPr>
+            <p:cNvPicPr>
+              <a:picLocks noChangeAspect="1"/>
+            </p:cNvPicPr>
+            <p:nvPr/>
+          </p:nvPicPr>
+          <p:blipFill rotWithShape="1">
+            <a:blip r:embed="rId4">
+              <a:extLst>
+                <a:ext uri="{28A0092B-C50C-407E-A947-70E740481C1C}">
+                  <a14:useLocalDpi xmlns:a14="http://schemas.microsoft.com/office/drawing/2010/main" val="0"/>
+                </a:ext>
+              </a:extLst>
+            </a:blip>
+            <a:srcRect l="34762" t="18264" r="34548" b="16637"/>
+            <a:stretch/>
+          </p:blipFill>
+          <p:spPr>
+            <a:xfrm>
+              <a:off x="10656586" y="3107780"/>
+              <a:ext cx="536819" cy="1008569"/>
+            </a:xfrm>
+            <a:prstGeom prst="rect">
+              <a:avLst/>
+            </a:prstGeom>
+          </p:spPr>
+        </p:pic>
+        <p:sp>
+          <p:nvSpPr>
+            <p:cNvPr id="75" name="テキスト ボックス 74">
+              <a:extLst>
+                <a:ext uri="{FF2B5EF4-FFF2-40B4-BE49-F238E27FC236}">
+                  <a16:creationId xmlns:a16="http://schemas.microsoft.com/office/drawing/2014/main" id="{FDE1F5E6-4B8E-BFB6-7413-5750AE93F52C}"/>
+                </a:ext>
+              </a:extLst>
+            </p:cNvPr>
+            <p:cNvSpPr txBox="1"/>
+            <p:nvPr/>
+          </p:nvSpPr>
+          <p:spPr>
+            <a:xfrm>
+              <a:off x="5753052" y="3055719"/>
+              <a:ext cx="3904210" cy="1222642"/>
+            </a:xfrm>
+            <a:prstGeom prst="rect">
+              <a:avLst/>
+            </a:prstGeom>
+            <a:noFill/>
+          </p:spPr>
+          <p:txBody>
+            <a:bodyPr wrap="none" rtlCol="0">
+              <a:spAutoFit/>
+            </a:bodyPr>
+            <a:lstStyle/>
+            <a:p>
+              <a:pPr>
+                <a:lnSpc>
+                  <a:spcPct val="120000"/>
+                </a:lnSpc>
+              </a:pPr>
+              <a:r>
+                <a:rPr lang="en-US" altLang="ja-JP" sz="3200" b="1" dirty="0">
+                  <a:solidFill>
+                    <a:schemeClr val="accent2">
+                      <a:lumMod val="50000"/>
+                    </a:schemeClr>
+                  </a:solidFill>
+                  <a:latin typeface="Times New Roman" panose="02020603050405020304" pitchFamily="18" charset="0"/>
+                  <a:cs typeface="Times New Roman" panose="02020603050405020304" pitchFamily="18" charset="0"/>
+                </a:rPr>
+                <a:t>4. Speech</a:t>
+              </a:r>
+              <a:r>
+                <a:rPr lang="ja-JP" altLang="en-US" sz="3200" b="1" dirty="0">
+                  <a:solidFill>
+                    <a:schemeClr val="accent2">
+                      <a:lumMod val="50000"/>
+                    </a:schemeClr>
+                  </a:solidFill>
+                  <a:latin typeface="Times New Roman" panose="02020603050405020304" pitchFamily="18" charset="0"/>
+                  <a:cs typeface="Times New Roman" panose="02020603050405020304" pitchFamily="18" charset="0"/>
+                </a:rPr>
+                <a:t> </a:t>
+              </a:r>
+              <a:r>
+                <a:rPr lang="en-US" altLang="ja-JP" sz="3200" b="1" dirty="0">
+                  <a:solidFill>
+                    <a:schemeClr val="accent2">
+                      <a:lumMod val="50000"/>
+                    </a:schemeClr>
+                  </a:solidFill>
+                  <a:latin typeface="Times New Roman" panose="02020603050405020304" pitchFamily="18" charset="0"/>
+                  <a:cs typeface="Times New Roman" panose="02020603050405020304" pitchFamily="18" charset="0"/>
+                </a:rPr>
+                <a:t>recognition</a:t>
+              </a:r>
+            </a:p>
+            <a:p>
+              <a:pPr>
+                <a:lnSpc>
+                  <a:spcPct val="120000"/>
+                </a:lnSpc>
+              </a:pPr>
+              <a:r>
+                <a:rPr lang="en-US" altLang="ja-JP" sz="3200" b="1" dirty="0">
+                  <a:solidFill>
+                    <a:schemeClr val="accent2">
+                      <a:lumMod val="50000"/>
+                    </a:schemeClr>
+                  </a:solidFill>
+                  <a:latin typeface="Times New Roman" panose="02020603050405020304" pitchFamily="18" charset="0"/>
+                  <a:cs typeface="Times New Roman" panose="02020603050405020304" pitchFamily="18" charset="0"/>
+                </a:rPr>
+                <a:t>     (with navigation)</a:t>
+              </a:r>
+            </a:p>
+          </p:txBody>
+        </p:sp>
+        <p:pic>
+          <p:nvPicPr>
+            <p:cNvPr id="76" name="図 75">
+              <a:extLst>
+                <a:ext uri="{FF2B5EF4-FFF2-40B4-BE49-F238E27FC236}">
+                  <a16:creationId xmlns:a16="http://schemas.microsoft.com/office/drawing/2014/main" id="{8BE8299E-F94A-2F29-D0C4-17F5A705787A}"/>
+                </a:ext>
+              </a:extLst>
+            </p:cNvPr>
+            <p:cNvPicPr>
+              <a:picLocks noChangeAspect="1"/>
+            </p:cNvPicPr>
+            <p:nvPr/>
+          </p:nvPicPr>
+          <p:blipFill rotWithShape="1">
+            <a:blip r:embed="rId4">
+              <a:extLst>
+                <a:ext uri="{28A0092B-C50C-407E-A947-70E740481C1C}">
+                  <a14:useLocalDpi xmlns:a14="http://schemas.microsoft.com/office/drawing/2010/main" val="0"/>
+                </a:ext>
+              </a:extLst>
+            </a:blip>
+            <a:srcRect l="34762" t="18264" r="34548" b="16637"/>
+            <a:stretch/>
+          </p:blipFill>
+          <p:spPr>
+            <a:xfrm>
+              <a:off x="10434152" y="1744951"/>
+              <a:ext cx="549745" cy="1032854"/>
+            </a:xfrm>
+            <a:prstGeom prst="rect">
+              <a:avLst/>
+            </a:prstGeom>
+          </p:spPr>
+        </p:pic>
+        <p:pic>
+          <p:nvPicPr>
+            <p:cNvPr id="77" name="図 76">
+              <a:extLst>
+                <a:ext uri="{FF2B5EF4-FFF2-40B4-BE49-F238E27FC236}">
+                  <a16:creationId xmlns:a16="http://schemas.microsoft.com/office/drawing/2014/main" id="{1774C8CA-BB04-0502-E21C-5374E6047F40}"/>
+                </a:ext>
+              </a:extLst>
+            </p:cNvPr>
+            <p:cNvPicPr>
+              <a:picLocks noChangeAspect="1"/>
+            </p:cNvPicPr>
+            <p:nvPr/>
+          </p:nvPicPr>
+          <p:blipFill rotWithShape="1">
+            <a:blip r:embed="rId4">
+              <a:extLst>
+                <a:ext uri="{28A0092B-C50C-407E-A947-70E740481C1C}">
+                  <a14:useLocalDpi xmlns:a14="http://schemas.microsoft.com/office/drawing/2010/main" val="0"/>
+                </a:ext>
+              </a:extLst>
+            </a:blip>
+            <a:srcRect l="34762" t="18264" r="34548" b="16637"/>
+            <a:stretch/>
+          </p:blipFill>
+          <p:spPr>
+            <a:xfrm>
+              <a:off x="9440999" y="384449"/>
+              <a:ext cx="511662" cy="961304"/>
+            </a:xfrm>
+            <a:prstGeom prst="rect">
+              <a:avLst/>
+            </a:prstGeom>
+          </p:spPr>
+        </p:pic>
+        <p:pic>
+          <p:nvPicPr>
+            <p:cNvPr id="78" name="図 77">
+              <a:extLst>
+                <a:ext uri="{FF2B5EF4-FFF2-40B4-BE49-F238E27FC236}">
+                  <a16:creationId xmlns:a16="http://schemas.microsoft.com/office/drawing/2014/main" id="{38EC8DB8-1D25-A6FE-040F-16349A12D236}"/>
+                </a:ext>
+              </a:extLst>
+            </p:cNvPr>
+            <p:cNvPicPr>
+              <a:picLocks noChangeAspect="1"/>
+            </p:cNvPicPr>
+            <p:nvPr/>
+          </p:nvPicPr>
+          <p:blipFill rotWithShape="1">
+            <a:blip r:embed="rId4">
+              <a:extLst>
+                <a:ext uri="{28A0092B-C50C-407E-A947-70E740481C1C}">
+                  <a14:useLocalDpi xmlns:a14="http://schemas.microsoft.com/office/drawing/2010/main" val="0"/>
+                </a:ext>
+              </a:extLst>
+            </a:blip>
+            <a:srcRect l="34762" t="18264" r="34548" b="16637"/>
+            <a:stretch/>
+          </p:blipFill>
+          <p:spPr>
+            <a:xfrm flipH="1">
+              <a:off x="6696986" y="1704306"/>
+              <a:ext cx="589550" cy="1107639"/>
+            </a:xfrm>
+            <a:prstGeom prst="rect">
+              <a:avLst/>
+            </a:prstGeom>
+          </p:spPr>
+        </p:pic>
+        <p:sp>
+          <p:nvSpPr>
+            <p:cNvPr id="79" name="テキスト ボックス 78">
+              <a:extLst>
+                <a:ext uri="{FF2B5EF4-FFF2-40B4-BE49-F238E27FC236}">
+                  <a16:creationId xmlns:a16="http://schemas.microsoft.com/office/drawing/2014/main" id="{2208FF90-45E5-AFC5-0D67-E50150617829}"/>
+                </a:ext>
+              </a:extLst>
+            </p:cNvPr>
+            <p:cNvSpPr txBox="1"/>
+            <p:nvPr/>
+          </p:nvSpPr>
+          <p:spPr>
+            <a:xfrm>
+              <a:off x="11134744" y="2015829"/>
+              <a:ext cx="1132041" cy="658642"/>
+            </a:xfrm>
+            <a:prstGeom prst="rect">
+              <a:avLst/>
+            </a:prstGeom>
+            <a:noFill/>
+          </p:spPr>
+          <p:txBody>
+            <a:bodyPr wrap="none" rtlCol="0">
+              <a:spAutoFit/>
+            </a:bodyPr>
+            <a:lstStyle/>
+            <a:p>
+              <a:pPr>
+                <a:lnSpc>
+                  <a:spcPct val="120000"/>
+                </a:lnSpc>
+              </a:pPr>
+              <a:r>
+                <a:rPr kumimoji="1" lang="en-US" altLang="ja-JP" sz="3200" b="1" dirty="0"/>
+                <a:t>Jack</a:t>
+              </a:r>
+            </a:p>
+          </p:txBody>
+        </p:sp>
+        <p:grpSp>
+          <p:nvGrpSpPr>
+            <p:cNvPr id="80" name="グループ化 79">
+              <a:extLst>
+                <a:ext uri="{FF2B5EF4-FFF2-40B4-BE49-F238E27FC236}">
+                  <a16:creationId xmlns:a16="http://schemas.microsoft.com/office/drawing/2014/main" id="{C1656CF3-7507-182E-8F82-DFFE80EADAF0}"/>
+                </a:ext>
+              </a:extLst>
+            </p:cNvPr>
+            <p:cNvGrpSpPr/>
+            <p:nvPr/>
+          </p:nvGrpSpPr>
+          <p:grpSpPr>
+            <a:xfrm flipH="1">
+              <a:off x="11099397" y="2614228"/>
+              <a:ext cx="223902" cy="464972"/>
+              <a:chOff x="4608013" y="5841269"/>
+              <a:chExt cx="220689" cy="458298"/>
+            </a:xfrm>
+          </p:grpSpPr>
+          <p:cxnSp>
+            <p:nvCxnSpPr>
+              <p:cNvPr id="114" name="直線コネクタ 113">
+                <a:extLst>
+                  <a:ext uri="{FF2B5EF4-FFF2-40B4-BE49-F238E27FC236}">
+                    <a16:creationId xmlns:a16="http://schemas.microsoft.com/office/drawing/2014/main" id="{8893AD7D-740C-D892-6D54-2A2AF81688FB}"/>
+                  </a:ext>
+                </a:extLst>
+              </p:cNvPr>
+              <p:cNvCxnSpPr>
+                <a:cxnSpLocks/>
+              </p:cNvCxnSpPr>
+              <p:nvPr/>
+            </p:nvCxnSpPr>
+            <p:spPr>
+              <a:xfrm flipV="1">
+                <a:off x="4608013" y="5841269"/>
+                <a:ext cx="216024" cy="144016"/>
+              </a:xfrm>
+              <a:prstGeom prst="line">
+                <a:avLst/>
+              </a:prstGeom>
+              <a:ln w="28575">
+                <a:solidFill>
+                  <a:schemeClr val="accent2"/>
+                </a:solidFill>
+              </a:ln>
+            </p:spPr>
+            <p:style>
+              <a:lnRef idx="1">
+                <a:schemeClr val="accent1"/>
+              </a:lnRef>
+              <a:fillRef idx="0">
+                <a:schemeClr val="accent1"/>
+              </a:fillRef>
+              <a:effectRef idx="0">
+                <a:schemeClr val="accent1"/>
+              </a:effectRef>
+              <a:fontRef idx="minor">
+                <a:schemeClr val="tx1"/>
+              </a:fontRef>
+            </p:style>
+          </p:cxnSp>
+          <p:cxnSp>
+            <p:nvCxnSpPr>
+              <p:cNvPr id="115" name="直線コネクタ 114">
+                <a:extLst>
+                  <a:ext uri="{FF2B5EF4-FFF2-40B4-BE49-F238E27FC236}">
+                    <a16:creationId xmlns:a16="http://schemas.microsoft.com/office/drawing/2014/main" id="{FFC531B0-FF12-3195-BECD-433EA274A704}"/>
+                  </a:ext>
+                </a:extLst>
+              </p:cNvPr>
+              <p:cNvCxnSpPr>
+                <a:cxnSpLocks/>
+              </p:cNvCxnSpPr>
+              <p:nvPr/>
+            </p:nvCxnSpPr>
+            <p:spPr>
+              <a:xfrm flipV="1">
+                <a:off x="4644008" y="5949280"/>
+                <a:ext cx="180020" cy="72008"/>
+              </a:xfrm>
+              <a:prstGeom prst="line">
+                <a:avLst/>
+              </a:prstGeom>
+              <a:ln w="28575">
+                <a:solidFill>
+                  <a:schemeClr val="accent2"/>
+                </a:solidFill>
+              </a:ln>
+            </p:spPr>
+            <p:style>
+              <a:lnRef idx="1">
+                <a:schemeClr val="accent1"/>
+              </a:lnRef>
+              <a:fillRef idx="0">
+                <a:schemeClr val="accent1"/>
+              </a:fillRef>
+              <a:effectRef idx="0">
+                <a:schemeClr val="accent1"/>
+              </a:effectRef>
+              <a:fontRef idx="minor">
+                <a:schemeClr val="tx1"/>
+              </a:fontRef>
+            </p:style>
+          </p:cxnSp>
+          <p:cxnSp>
+            <p:nvCxnSpPr>
+              <p:cNvPr id="116" name="直線コネクタ 115">
+                <a:extLst>
+                  <a:ext uri="{FF2B5EF4-FFF2-40B4-BE49-F238E27FC236}">
+                    <a16:creationId xmlns:a16="http://schemas.microsoft.com/office/drawing/2014/main" id="{1D1A859E-ECA9-9B4E-FB54-128098E32CA9}"/>
+                  </a:ext>
+                </a:extLst>
+              </p:cNvPr>
+              <p:cNvCxnSpPr>
+                <a:cxnSpLocks/>
+              </p:cNvCxnSpPr>
+              <p:nvPr/>
+            </p:nvCxnSpPr>
+            <p:spPr>
+              <a:xfrm>
+                <a:off x="4654564" y="6057292"/>
+                <a:ext cx="133460" cy="0"/>
+              </a:xfrm>
+              <a:prstGeom prst="line">
+                <a:avLst/>
+              </a:prstGeom>
+              <a:ln w="28575">
+                <a:solidFill>
+                  <a:schemeClr val="accent2"/>
+                </a:solidFill>
+              </a:ln>
+            </p:spPr>
+            <p:style>
+              <a:lnRef idx="1">
+                <a:schemeClr val="accent1"/>
+              </a:lnRef>
+              <a:fillRef idx="0">
+                <a:schemeClr val="accent1"/>
+              </a:fillRef>
+              <a:effectRef idx="0">
+                <a:schemeClr val="accent1"/>
+              </a:effectRef>
+              <a:fontRef idx="minor">
+                <a:schemeClr val="tx1"/>
+              </a:fontRef>
+            </p:style>
+          </p:cxnSp>
+          <p:cxnSp>
+            <p:nvCxnSpPr>
+              <p:cNvPr id="117" name="直線コネクタ 116">
+                <a:extLst>
+                  <a:ext uri="{FF2B5EF4-FFF2-40B4-BE49-F238E27FC236}">
+                    <a16:creationId xmlns:a16="http://schemas.microsoft.com/office/drawing/2014/main" id="{CBFE3028-8FB8-FE97-82C7-8491914A6527}"/>
+                  </a:ext>
+                </a:extLst>
+              </p:cNvPr>
+              <p:cNvCxnSpPr>
+                <a:cxnSpLocks/>
+              </p:cNvCxnSpPr>
+              <p:nvPr/>
+            </p:nvCxnSpPr>
+            <p:spPr>
+              <a:xfrm>
+                <a:off x="4657066" y="6093296"/>
+                <a:ext cx="171636" cy="63624"/>
+              </a:xfrm>
+              <a:prstGeom prst="line">
+                <a:avLst/>
+              </a:prstGeom>
+              <a:ln w="28575">
+                <a:solidFill>
+                  <a:schemeClr val="accent2"/>
+                </a:solidFill>
+              </a:ln>
+            </p:spPr>
+            <p:style>
+              <a:lnRef idx="1">
+                <a:schemeClr val="accent1"/>
+              </a:lnRef>
+              <a:fillRef idx="0">
+                <a:schemeClr val="accent1"/>
+              </a:fillRef>
+              <a:effectRef idx="0">
+                <a:schemeClr val="accent1"/>
+              </a:effectRef>
+              <a:fontRef idx="minor">
+                <a:schemeClr val="tx1"/>
+              </a:fontRef>
+            </p:style>
+          </p:cxnSp>
+          <p:cxnSp>
+            <p:nvCxnSpPr>
+              <p:cNvPr id="118" name="直線コネクタ 117">
+                <a:extLst>
+                  <a:ext uri="{FF2B5EF4-FFF2-40B4-BE49-F238E27FC236}">
+                    <a16:creationId xmlns:a16="http://schemas.microsoft.com/office/drawing/2014/main" id="{E49044F3-C83C-0EF7-A497-373BDA795D19}"/>
+                  </a:ext>
+                </a:extLst>
+              </p:cNvPr>
+              <p:cNvCxnSpPr>
+                <a:cxnSpLocks/>
+              </p:cNvCxnSpPr>
+              <p:nvPr/>
+            </p:nvCxnSpPr>
+            <p:spPr>
+              <a:xfrm>
+                <a:off x="4621062" y="6127931"/>
+                <a:ext cx="207640" cy="171636"/>
+              </a:xfrm>
+              <a:prstGeom prst="line">
+                <a:avLst/>
+              </a:prstGeom>
+              <a:ln w="28575">
+                <a:solidFill>
+                  <a:schemeClr val="accent2"/>
+                </a:solidFill>
+              </a:ln>
+            </p:spPr>
+            <p:style>
+              <a:lnRef idx="1">
+                <a:schemeClr val="accent1"/>
+              </a:lnRef>
+              <a:fillRef idx="0">
+                <a:schemeClr val="accent1"/>
+              </a:fillRef>
+              <a:effectRef idx="0">
+                <a:schemeClr val="accent1"/>
+              </a:effectRef>
+              <a:fontRef idx="minor">
+                <a:schemeClr val="tx1"/>
+              </a:fontRef>
+            </p:style>
+          </p:cxnSp>
+        </p:grpSp>
+        <p:sp>
+          <p:nvSpPr>
+            <p:cNvPr id="82" name="テキスト ボックス 81">
+              <a:extLst>
+                <a:ext uri="{FF2B5EF4-FFF2-40B4-BE49-F238E27FC236}">
+                  <a16:creationId xmlns:a16="http://schemas.microsoft.com/office/drawing/2014/main" id="{537A999C-9DAC-3DD9-D701-6016ABFD9DCA}"/>
+                </a:ext>
+              </a:extLst>
+            </p:cNvPr>
+            <p:cNvSpPr txBox="1"/>
+            <p:nvPr/>
+          </p:nvSpPr>
+          <p:spPr>
+            <a:xfrm>
+              <a:off x="10710921" y="718073"/>
+              <a:ext cx="1693092" cy="658642"/>
+            </a:xfrm>
+            <a:prstGeom prst="rect">
+              <a:avLst/>
+            </a:prstGeom>
+            <a:noFill/>
+          </p:spPr>
+          <p:txBody>
+            <a:bodyPr wrap="none" rtlCol="0">
+              <a:spAutoFit/>
+            </a:bodyPr>
+            <a:lstStyle/>
+            <a:p>
+              <a:pPr>
+                <a:lnSpc>
+                  <a:spcPct val="120000"/>
+                </a:lnSpc>
+              </a:pPr>
+              <a:r>
+                <a:rPr kumimoji="1" lang="en-US" altLang="ja-JP" sz="3200" b="1" dirty="0"/>
+                <a:t>Hunter</a:t>
+              </a:r>
+            </a:p>
+          </p:txBody>
+        </p:sp>
+        <p:sp>
+          <p:nvSpPr>
+            <p:cNvPr id="83" name="テキスト ボックス 82">
+              <a:extLst>
+                <a:ext uri="{FF2B5EF4-FFF2-40B4-BE49-F238E27FC236}">
+                  <a16:creationId xmlns:a16="http://schemas.microsoft.com/office/drawing/2014/main" id="{81A2ABB2-C4E8-CF30-A038-43F98130B5C1}"/>
+                </a:ext>
+              </a:extLst>
+            </p:cNvPr>
+            <p:cNvSpPr txBox="1"/>
+            <p:nvPr/>
+          </p:nvSpPr>
+          <p:spPr>
+            <a:xfrm>
+              <a:off x="8385728" y="-93477"/>
+              <a:ext cx="1396536" cy="658642"/>
+            </a:xfrm>
+            <a:prstGeom prst="rect">
+              <a:avLst/>
+            </a:prstGeom>
+            <a:noFill/>
+          </p:spPr>
+          <p:txBody>
+            <a:bodyPr wrap="none" rtlCol="0">
+              <a:spAutoFit/>
+            </a:bodyPr>
+            <a:lstStyle/>
+            <a:p>
+              <a:pPr>
+                <a:lnSpc>
+                  <a:spcPct val="120000"/>
+                </a:lnSpc>
+              </a:pPr>
+              <a:r>
+                <a:rPr kumimoji="1" lang="en-US" altLang="ja-JP" sz="3200" b="1" dirty="0"/>
+                <a:t>Olivia</a:t>
+              </a:r>
+            </a:p>
+          </p:txBody>
+        </p:sp>
+        <p:grpSp>
+          <p:nvGrpSpPr>
+            <p:cNvPr id="85" name="グループ化 84">
+              <a:extLst>
+                <a:ext uri="{FF2B5EF4-FFF2-40B4-BE49-F238E27FC236}">
+                  <a16:creationId xmlns:a16="http://schemas.microsoft.com/office/drawing/2014/main" id="{EFCA3C26-931C-497A-EA52-BCEE51BED40A}"/>
+                </a:ext>
+              </a:extLst>
+            </p:cNvPr>
+            <p:cNvGrpSpPr/>
+            <p:nvPr/>
+          </p:nvGrpSpPr>
+          <p:grpSpPr>
+            <a:xfrm>
+              <a:off x="6365090" y="1429462"/>
+              <a:ext cx="212537" cy="441351"/>
+              <a:chOff x="4608004" y="5841268"/>
+              <a:chExt cx="220698" cy="458299"/>
+            </a:xfrm>
+          </p:grpSpPr>
+          <p:cxnSp>
+            <p:nvCxnSpPr>
+              <p:cNvPr id="99" name="直線コネクタ 98">
+                <a:extLst>
+                  <a:ext uri="{FF2B5EF4-FFF2-40B4-BE49-F238E27FC236}">
+                    <a16:creationId xmlns:a16="http://schemas.microsoft.com/office/drawing/2014/main" id="{626D52B3-6E93-6BAA-5BA6-15A9CF885CEA}"/>
+                  </a:ext>
+                </a:extLst>
+              </p:cNvPr>
+              <p:cNvCxnSpPr>
+                <a:cxnSpLocks/>
+              </p:cNvCxnSpPr>
+              <p:nvPr/>
+            </p:nvCxnSpPr>
+            <p:spPr>
+              <a:xfrm flipV="1">
+                <a:off x="4608004" y="5841268"/>
+                <a:ext cx="216024" cy="144016"/>
+              </a:xfrm>
+              <a:prstGeom prst="line">
+                <a:avLst/>
+              </a:prstGeom>
+              <a:ln w="28575">
+                <a:solidFill>
+                  <a:schemeClr val="accent2"/>
+                </a:solidFill>
+              </a:ln>
+            </p:spPr>
+            <p:style>
+              <a:lnRef idx="1">
+                <a:schemeClr val="accent1"/>
+              </a:lnRef>
+              <a:fillRef idx="0">
+                <a:schemeClr val="accent1"/>
+              </a:fillRef>
+              <a:effectRef idx="0">
+                <a:schemeClr val="accent1"/>
+              </a:effectRef>
+              <a:fontRef idx="minor">
+                <a:schemeClr val="tx1"/>
+              </a:fontRef>
+            </p:style>
+          </p:cxnSp>
+          <p:cxnSp>
+            <p:nvCxnSpPr>
+              <p:cNvPr id="100" name="直線コネクタ 99">
+                <a:extLst>
+                  <a:ext uri="{FF2B5EF4-FFF2-40B4-BE49-F238E27FC236}">
+                    <a16:creationId xmlns:a16="http://schemas.microsoft.com/office/drawing/2014/main" id="{8FC0F7D8-4EE5-D0E9-4E76-162C2AE4BC27}"/>
+                  </a:ext>
+                </a:extLst>
+              </p:cNvPr>
+              <p:cNvCxnSpPr>
+                <a:cxnSpLocks/>
+              </p:cNvCxnSpPr>
+              <p:nvPr/>
+            </p:nvCxnSpPr>
+            <p:spPr>
+              <a:xfrm flipV="1">
+                <a:off x="4644008" y="5949280"/>
+                <a:ext cx="180020" cy="72008"/>
+              </a:xfrm>
+              <a:prstGeom prst="line">
+                <a:avLst/>
+              </a:prstGeom>
+              <a:ln w="28575">
+                <a:solidFill>
+                  <a:schemeClr val="accent2"/>
+                </a:solidFill>
+              </a:ln>
+            </p:spPr>
+            <p:style>
+              <a:lnRef idx="1">
+                <a:schemeClr val="accent1"/>
+              </a:lnRef>
+              <a:fillRef idx="0">
+                <a:schemeClr val="accent1"/>
+              </a:fillRef>
+              <a:effectRef idx="0">
+                <a:schemeClr val="accent1"/>
+              </a:effectRef>
+              <a:fontRef idx="minor">
+                <a:schemeClr val="tx1"/>
+              </a:fontRef>
+            </p:style>
+          </p:cxnSp>
+          <p:cxnSp>
+            <p:nvCxnSpPr>
+              <p:cNvPr id="101" name="直線コネクタ 100">
+                <a:extLst>
+                  <a:ext uri="{FF2B5EF4-FFF2-40B4-BE49-F238E27FC236}">
+                    <a16:creationId xmlns:a16="http://schemas.microsoft.com/office/drawing/2014/main" id="{3CD446EB-CDFC-37C2-1DB9-9AC7D0EBCEAF}"/>
+                  </a:ext>
+                </a:extLst>
+              </p:cNvPr>
+              <p:cNvCxnSpPr>
+                <a:cxnSpLocks/>
+              </p:cNvCxnSpPr>
+              <p:nvPr/>
+            </p:nvCxnSpPr>
+            <p:spPr>
+              <a:xfrm>
+                <a:off x="4654564" y="6057292"/>
+                <a:ext cx="133460" cy="0"/>
+              </a:xfrm>
+              <a:prstGeom prst="line">
+                <a:avLst/>
+              </a:prstGeom>
+              <a:ln w="28575">
+                <a:solidFill>
+                  <a:schemeClr val="accent2"/>
+                </a:solidFill>
+              </a:ln>
+            </p:spPr>
+            <p:style>
+              <a:lnRef idx="1">
+                <a:schemeClr val="accent1"/>
+              </a:lnRef>
+              <a:fillRef idx="0">
+                <a:schemeClr val="accent1"/>
+              </a:fillRef>
+              <a:effectRef idx="0">
+                <a:schemeClr val="accent1"/>
+              </a:effectRef>
+              <a:fontRef idx="minor">
+                <a:schemeClr val="tx1"/>
+              </a:fontRef>
+            </p:style>
+          </p:cxnSp>
+          <p:cxnSp>
+            <p:nvCxnSpPr>
+              <p:cNvPr id="102" name="直線コネクタ 101">
+                <a:extLst>
+                  <a:ext uri="{FF2B5EF4-FFF2-40B4-BE49-F238E27FC236}">
+                    <a16:creationId xmlns:a16="http://schemas.microsoft.com/office/drawing/2014/main" id="{3B0ADA19-2C62-7432-3BE8-8A78A0DF8CC5}"/>
+                  </a:ext>
+                </a:extLst>
+              </p:cNvPr>
+              <p:cNvCxnSpPr>
+                <a:cxnSpLocks/>
+              </p:cNvCxnSpPr>
+              <p:nvPr/>
+            </p:nvCxnSpPr>
+            <p:spPr>
+              <a:xfrm>
+                <a:off x="4657066" y="6093296"/>
+                <a:ext cx="171636" cy="63624"/>
+              </a:xfrm>
+              <a:prstGeom prst="line">
+                <a:avLst/>
+              </a:prstGeom>
+              <a:ln w="28575">
+                <a:solidFill>
+                  <a:schemeClr val="accent2"/>
+                </a:solidFill>
+              </a:ln>
+            </p:spPr>
+            <p:style>
+              <a:lnRef idx="1">
+                <a:schemeClr val="accent1"/>
+              </a:lnRef>
+              <a:fillRef idx="0">
+                <a:schemeClr val="accent1"/>
+              </a:fillRef>
+              <a:effectRef idx="0">
+                <a:schemeClr val="accent1"/>
+              </a:effectRef>
+              <a:fontRef idx="minor">
+                <a:schemeClr val="tx1"/>
+              </a:fontRef>
+            </p:style>
+          </p:cxnSp>
+          <p:cxnSp>
+            <p:nvCxnSpPr>
+              <p:cNvPr id="103" name="直線コネクタ 102">
+                <a:extLst>
+                  <a:ext uri="{FF2B5EF4-FFF2-40B4-BE49-F238E27FC236}">
+                    <a16:creationId xmlns:a16="http://schemas.microsoft.com/office/drawing/2014/main" id="{F72E2BFC-42B2-018F-E6D5-5556A8110265}"/>
+                  </a:ext>
+                </a:extLst>
+              </p:cNvPr>
+              <p:cNvCxnSpPr>
+                <a:cxnSpLocks/>
+              </p:cNvCxnSpPr>
+              <p:nvPr/>
+            </p:nvCxnSpPr>
+            <p:spPr>
+              <a:xfrm>
+                <a:off x="4621062" y="6127931"/>
+                <a:ext cx="207640" cy="171636"/>
+              </a:xfrm>
+              <a:prstGeom prst="line">
+                <a:avLst/>
+              </a:prstGeom>
+              <a:ln w="28575">
+                <a:solidFill>
+                  <a:schemeClr val="accent2"/>
+                </a:solidFill>
+              </a:ln>
+            </p:spPr>
+            <p:style>
+              <a:lnRef idx="1">
+                <a:schemeClr val="accent1"/>
+              </a:lnRef>
+              <a:fillRef idx="0">
+                <a:schemeClr val="accent1"/>
+              </a:fillRef>
+              <a:effectRef idx="0">
+                <a:schemeClr val="accent1"/>
+              </a:effectRef>
+              <a:fontRef idx="minor">
+                <a:schemeClr val="tx1"/>
+              </a:fontRef>
+            </p:style>
+          </p:cxnSp>
+        </p:grpSp>
+        <p:sp>
+          <p:nvSpPr>
+            <p:cNvPr id="86" name="テキスト ボックス 85">
+              <a:extLst>
+                <a:ext uri="{FF2B5EF4-FFF2-40B4-BE49-F238E27FC236}">
+                  <a16:creationId xmlns:a16="http://schemas.microsoft.com/office/drawing/2014/main" id="{9DAE4314-CFF1-C5CA-0BE2-7F7F6C9CD98C}"/>
+                </a:ext>
+              </a:extLst>
+            </p:cNvPr>
+            <p:cNvSpPr txBox="1"/>
+            <p:nvPr/>
+          </p:nvSpPr>
+          <p:spPr>
+            <a:xfrm>
+              <a:off x="6453872" y="910169"/>
+              <a:ext cx="1077539" cy="658642"/>
+            </a:xfrm>
+            <a:prstGeom prst="rect">
+              <a:avLst/>
+            </a:prstGeom>
+            <a:noFill/>
+          </p:spPr>
+          <p:txBody>
+            <a:bodyPr wrap="none" rtlCol="0">
+              <a:spAutoFit/>
+            </a:bodyPr>
+            <a:lstStyle/>
+            <a:p>
+              <a:pPr>
+                <a:lnSpc>
+                  <a:spcPct val="120000"/>
+                </a:lnSpc>
+              </a:pPr>
+              <a:r>
+                <a:rPr kumimoji="1" lang="en-US" altLang="ja-JP" sz="3200" b="1" dirty="0"/>
+                <a:t>Max</a:t>
+              </a:r>
+            </a:p>
+          </p:txBody>
+        </p:sp>
+        <p:grpSp>
+          <p:nvGrpSpPr>
+            <p:cNvPr id="181" name="グループ化 180">
+              <a:extLst>
+                <a:ext uri="{FF2B5EF4-FFF2-40B4-BE49-F238E27FC236}">
+                  <a16:creationId xmlns:a16="http://schemas.microsoft.com/office/drawing/2014/main" id="{29EDDF74-6D6D-90F3-9BAA-C81BF891A35D}"/>
+                </a:ext>
+              </a:extLst>
+            </p:cNvPr>
+            <p:cNvGrpSpPr/>
+            <p:nvPr/>
+          </p:nvGrpSpPr>
+          <p:grpSpPr>
+            <a:xfrm flipH="1">
+              <a:off x="10924995" y="1381109"/>
+              <a:ext cx="223902" cy="464972"/>
+              <a:chOff x="4608013" y="5841269"/>
+              <a:chExt cx="220689" cy="458298"/>
+            </a:xfrm>
+          </p:grpSpPr>
+          <p:cxnSp>
+            <p:nvCxnSpPr>
+              <p:cNvPr id="182" name="直線コネクタ 181">
+                <a:extLst>
+                  <a:ext uri="{FF2B5EF4-FFF2-40B4-BE49-F238E27FC236}">
+                    <a16:creationId xmlns:a16="http://schemas.microsoft.com/office/drawing/2014/main" id="{FC80281B-A8E1-689A-BF75-A6755C17ACB5}"/>
+                  </a:ext>
+                </a:extLst>
+              </p:cNvPr>
+              <p:cNvCxnSpPr>
+                <a:cxnSpLocks/>
+              </p:cNvCxnSpPr>
+              <p:nvPr/>
+            </p:nvCxnSpPr>
+            <p:spPr>
+              <a:xfrm flipV="1">
+                <a:off x="4608013" y="5841269"/>
+                <a:ext cx="216024" cy="144016"/>
+              </a:xfrm>
+              <a:prstGeom prst="line">
+                <a:avLst/>
+              </a:prstGeom>
+              <a:ln w="28575">
+                <a:solidFill>
+                  <a:schemeClr val="accent2"/>
+                </a:solidFill>
+              </a:ln>
+            </p:spPr>
+            <p:style>
+              <a:lnRef idx="1">
+                <a:schemeClr val="accent1"/>
+              </a:lnRef>
+              <a:fillRef idx="0">
+                <a:schemeClr val="accent1"/>
+              </a:fillRef>
+              <a:effectRef idx="0">
+                <a:schemeClr val="accent1"/>
+              </a:effectRef>
+              <a:fontRef idx="minor">
+                <a:schemeClr val="tx1"/>
+              </a:fontRef>
+            </p:style>
+          </p:cxnSp>
+          <p:cxnSp>
+            <p:nvCxnSpPr>
+              <p:cNvPr id="183" name="直線コネクタ 182">
+                <a:extLst>
+                  <a:ext uri="{FF2B5EF4-FFF2-40B4-BE49-F238E27FC236}">
+                    <a16:creationId xmlns:a16="http://schemas.microsoft.com/office/drawing/2014/main" id="{22E41FBE-7B0D-B597-E1CC-9AF589262A97}"/>
+                  </a:ext>
+                </a:extLst>
+              </p:cNvPr>
+              <p:cNvCxnSpPr>
+                <a:cxnSpLocks/>
+              </p:cNvCxnSpPr>
+              <p:nvPr/>
+            </p:nvCxnSpPr>
+            <p:spPr>
+              <a:xfrm flipV="1">
+                <a:off x="4644008" y="5949280"/>
+                <a:ext cx="180020" cy="72008"/>
+              </a:xfrm>
+              <a:prstGeom prst="line">
+                <a:avLst/>
+              </a:prstGeom>
+              <a:ln w="28575">
+                <a:solidFill>
+                  <a:schemeClr val="accent2"/>
+                </a:solidFill>
+              </a:ln>
+            </p:spPr>
+            <p:style>
+              <a:lnRef idx="1">
+                <a:schemeClr val="accent1"/>
+              </a:lnRef>
+              <a:fillRef idx="0">
+                <a:schemeClr val="accent1"/>
+              </a:fillRef>
+              <a:effectRef idx="0">
+                <a:schemeClr val="accent1"/>
+              </a:effectRef>
+              <a:fontRef idx="minor">
+                <a:schemeClr val="tx1"/>
+              </a:fontRef>
+            </p:style>
+          </p:cxnSp>
+          <p:cxnSp>
+            <p:nvCxnSpPr>
+              <p:cNvPr id="184" name="直線コネクタ 183">
+                <a:extLst>
+                  <a:ext uri="{FF2B5EF4-FFF2-40B4-BE49-F238E27FC236}">
+                    <a16:creationId xmlns:a16="http://schemas.microsoft.com/office/drawing/2014/main" id="{91F4602E-F629-91F9-06DB-535007A1949D}"/>
+                  </a:ext>
+                </a:extLst>
+              </p:cNvPr>
+              <p:cNvCxnSpPr>
+                <a:cxnSpLocks/>
+              </p:cNvCxnSpPr>
+              <p:nvPr/>
+            </p:nvCxnSpPr>
+            <p:spPr>
+              <a:xfrm>
+                <a:off x="4654564" y="6057292"/>
+                <a:ext cx="133460" cy="0"/>
+              </a:xfrm>
+              <a:prstGeom prst="line">
+                <a:avLst/>
+              </a:prstGeom>
+              <a:ln w="28575">
+                <a:solidFill>
+                  <a:schemeClr val="accent2"/>
+                </a:solidFill>
+              </a:ln>
+            </p:spPr>
+            <p:style>
+              <a:lnRef idx="1">
+                <a:schemeClr val="accent1"/>
+              </a:lnRef>
+              <a:fillRef idx="0">
+                <a:schemeClr val="accent1"/>
+              </a:fillRef>
+              <a:effectRef idx="0">
+                <a:schemeClr val="accent1"/>
+              </a:effectRef>
+              <a:fontRef idx="minor">
+                <a:schemeClr val="tx1"/>
+              </a:fontRef>
+            </p:style>
+          </p:cxnSp>
+          <p:cxnSp>
+            <p:nvCxnSpPr>
+              <p:cNvPr id="185" name="直線コネクタ 184">
+                <a:extLst>
+                  <a:ext uri="{FF2B5EF4-FFF2-40B4-BE49-F238E27FC236}">
+                    <a16:creationId xmlns:a16="http://schemas.microsoft.com/office/drawing/2014/main" id="{EE367A63-FD97-A32A-1398-36BE80327F33}"/>
+                  </a:ext>
+                </a:extLst>
+              </p:cNvPr>
+              <p:cNvCxnSpPr>
+                <a:cxnSpLocks/>
+              </p:cNvCxnSpPr>
+              <p:nvPr/>
+            </p:nvCxnSpPr>
+            <p:spPr>
+              <a:xfrm>
+                <a:off x="4657066" y="6093296"/>
+                <a:ext cx="171636" cy="63624"/>
+              </a:xfrm>
+              <a:prstGeom prst="line">
+                <a:avLst/>
+              </a:prstGeom>
+              <a:ln w="28575">
+                <a:solidFill>
+                  <a:schemeClr val="accent2"/>
+                </a:solidFill>
+              </a:ln>
+            </p:spPr>
+            <p:style>
+              <a:lnRef idx="1">
+                <a:schemeClr val="accent1"/>
+              </a:lnRef>
+              <a:fillRef idx="0">
+                <a:schemeClr val="accent1"/>
+              </a:fillRef>
+              <a:effectRef idx="0">
+                <a:schemeClr val="accent1"/>
+              </a:effectRef>
+              <a:fontRef idx="minor">
+                <a:schemeClr val="tx1"/>
+              </a:fontRef>
+            </p:style>
+          </p:cxnSp>
+          <p:cxnSp>
+            <p:nvCxnSpPr>
+              <p:cNvPr id="186" name="直線コネクタ 185">
+                <a:extLst>
+                  <a:ext uri="{FF2B5EF4-FFF2-40B4-BE49-F238E27FC236}">
+                    <a16:creationId xmlns:a16="http://schemas.microsoft.com/office/drawing/2014/main" id="{4333538E-89E9-59CF-6255-0790A5F36D4A}"/>
+                  </a:ext>
+                </a:extLst>
+              </p:cNvPr>
+              <p:cNvCxnSpPr>
+                <a:cxnSpLocks/>
+              </p:cNvCxnSpPr>
+              <p:nvPr/>
+            </p:nvCxnSpPr>
+            <p:spPr>
+              <a:xfrm>
+                <a:off x="4621062" y="6127931"/>
+                <a:ext cx="207640" cy="171636"/>
+              </a:xfrm>
+              <a:prstGeom prst="line">
+                <a:avLst/>
+              </a:prstGeom>
+              <a:ln w="28575">
+                <a:solidFill>
+                  <a:schemeClr val="accent2"/>
+                </a:solidFill>
+              </a:ln>
+            </p:spPr>
+            <p:style>
+              <a:lnRef idx="1">
+                <a:schemeClr val="accent1"/>
+              </a:lnRef>
+              <a:fillRef idx="0">
+                <a:schemeClr val="accent1"/>
+              </a:fillRef>
+              <a:effectRef idx="0">
+                <a:schemeClr val="accent1"/>
+              </a:effectRef>
+              <a:fontRef idx="minor">
+                <a:schemeClr val="tx1"/>
+              </a:fontRef>
+            </p:style>
+          </p:cxnSp>
+        </p:grpSp>
+        <p:grpSp>
+          <p:nvGrpSpPr>
+            <p:cNvPr id="187" name="グループ化 186">
+              <a:extLst>
+                <a:ext uri="{FF2B5EF4-FFF2-40B4-BE49-F238E27FC236}">
+                  <a16:creationId xmlns:a16="http://schemas.microsoft.com/office/drawing/2014/main" id="{6026E5F2-67EA-92C2-B96F-537EEA83ED8F}"/>
+                </a:ext>
+              </a:extLst>
+            </p:cNvPr>
+            <p:cNvGrpSpPr/>
+            <p:nvPr/>
+          </p:nvGrpSpPr>
+          <p:grpSpPr>
+            <a:xfrm flipH="1">
+              <a:off x="9859728" y="145880"/>
+              <a:ext cx="223902" cy="464972"/>
+              <a:chOff x="4608013" y="5841269"/>
+              <a:chExt cx="220689" cy="458298"/>
+            </a:xfrm>
+          </p:grpSpPr>
+          <p:cxnSp>
+            <p:nvCxnSpPr>
+              <p:cNvPr id="188" name="直線コネクタ 187">
+                <a:extLst>
+                  <a:ext uri="{FF2B5EF4-FFF2-40B4-BE49-F238E27FC236}">
+                    <a16:creationId xmlns:a16="http://schemas.microsoft.com/office/drawing/2014/main" id="{55FA5477-6D23-CA7C-2E34-B8822EA4D0FF}"/>
+                  </a:ext>
+                </a:extLst>
+              </p:cNvPr>
+              <p:cNvCxnSpPr>
+                <a:cxnSpLocks/>
+              </p:cNvCxnSpPr>
+              <p:nvPr/>
+            </p:nvCxnSpPr>
+            <p:spPr>
+              <a:xfrm flipV="1">
+                <a:off x="4608013" y="5841269"/>
+                <a:ext cx="216024" cy="144016"/>
+              </a:xfrm>
+              <a:prstGeom prst="line">
+                <a:avLst/>
+              </a:prstGeom>
+              <a:ln w="28575">
+                <a:solidFill>
+                  <a:schemeClr val="accent2"/>
+                </a:solidFill>
+              </a:ln>
+            </p:spPr>
+            <p:style>
+              <a:lnRef idx="1">
+                <a:schemeClr val="accent1"/>
+              </a:lnRef>
+              <a:fillRef idx="0">
+                <a:schemeClr val="accent1"/>
+              </a:fillRef>
+              <a:effectRef idx="0">
+                <a:schemeClr val="accent1"/>
+              </a:effectRef>
+              <a:fontRef idx="minor">
+                <a:schemeClr val="tx1"/>
+              </a:fontRef>
+            </p:style>
+          </p:cxnSp>
+          <p:cxnSp>
+            <p:nvCxnSpPr>
+              <p:cNvPr id="189" name="直線コネクタ 188">
+                <a:extLst>
+                  <a:ext uri="{FF2B5EF4-FFF2-40B4-BE49-F238E27FC236}">
+                    <a16:creationId xmlns:a16="http://schemas.microsoft.com/office/drawing/2014/main" id="{A12DFA2C-E0C8-EF7C-B4E5-279CD5460B6C}"/>
+                  </a:ext>
+                </a:extLst>
+              </p:cNvPr>
+              <p:cNvCxnSpPr>
+                <a:cxnSpLocks/>
+              </p:cNvCxnSpPr>
+              <p:nvPr/>
+            </p:nvCxnSpPr>
+            <p:spPr>
+              <a:xfrm flipV="1">
+                <a:off x="4644008" y="5949280"/>
+                <a:ext cx="180020" cy="72008"/>
+              </a:xfrm>
+              <a:prstGeom prst="line">
+                <a:avLst/>
+              </a:prstGeom>
+              <a:ln w="28575">
+                <a:solidFill>
+                  <a:schemeClr val="accent2"/>
+                </a:solidFill>
+              </a:ln>
+            </p:spPr>
+            <p:style>
+              <a:lnRef idx="1">
+                <a:schemeClr val="accent1"/>
+              </a:lnRef>
+              <a:fillRef idx="0">
+                <a:schemeClr val="accent1"/>
+              </a:fillRef>
+              <a:effectRef idx="0">
+                <a:schemeClr val="accent1"/>
+              </a:effectRef>
+              <a:fontRef idx="minor">
+                <a:schemeClr val="tx1"/>
+              </a:fontRef>
+            </p:style>
+          </p:cxnSp>
+          <p:cxnSp>
+            <p:nvCxnSpPr>
+              <p:cNvPr id="190" name="直線コネクタ 189">
+                <a:extLst>
+                  <a:ext uri="{FF2B5EF4-FFF2-40B4-BE49-F238E27FC236}">
+                    <a16:creationId xmlns:a16="http://schemas.microsoft.com/office/drawing/2014/main" id="{B75FDE6F-21FD-78B5-D0CF-3D93EF38628B}"/>
+                  </a:ext>
+                </a:extLst>
+              </p:cNvPr>
+              <p:cNvCxnSpPr>
+                <a:cxnSpLocks/>
+              </p:cNvCxnSpPr>
+              <p:nvPr/>
+            </p:nvCxnSpPr>
+            <p:spPr>
+              <a:xfrm>
+                <a:off x="4654564" y="6057292"/>
+                <a:ext cx="133460" cy="0"/>
+              </a:xfrm>
+              <a:prstGeom prst="line">
+                <a:avLst/>
+              </a:prstGeom>
+              <a:ln w="28575">
+                <a:solidFill>
+                  <a:schemeClr val="accent2"/>
+                </a:solidFill>
+              </a:ln>
+            </p:spPr>
+            <p:style>
+              <a:lnRef idx="1">
+                <a:schemeClr val="accent1"/>
+              </a:lnRef>
+              <a:fillRef idx="0">
+                <a:schemeClr val="accent1"/>
+              </a:fillRef>
+              <a:effectRef idx="0">
+                <a:schemeClr val="accent1"/>
+              </a:effectRef>
+              <a:fontRef idx="minor">
+                <a:schemeClr val="tx1"/>
+              </a:fontRef>
+            </p:style>
+          </p:cxnSp>
+          <p:cxnSp>
+            <p:nvCxnSpPr>
+              <p:cNvPr id="191" name="直線コネクタ 190">
+                <a:extLst>
+                  <a:ext uri="{FF2B5EF4-FFF2-40B4-BE49-F238E27FC236}">
+                    <a16:creationId xmlns:a16="http://schemas.microsoft.com/office/drawing/2014/main" id="{89BB9DDD-BB2B-6F26-8EC6-B89C16754FA3}"/>
+                  </a:ext>
+                </a:extLst>
+              </p:cNvPr>
+              <p:cNvCxnSpPr>
+                <a:cxnSpLocks/>
+              </p:cNvCxnSpPr>
+              <p:nvPr/>
+            </p:nvCxnSpPr>
+            <p:spPr>
+              <a:xfrm>
+                <a:off x="4657066" y="6093296"/>
+                <a:ext cx="171636" cy="63624"/>
+              </a:xfrm>
+              <a:prstGeom prst="line">
+                <a:avLst/>
+              </a:prstGeom>
+              <a:ln w="28575">
+                <a:solidFill>
+                  <a:schemeClr val="accent2"/>
+                </a:solidFill>
+              </a:ln>
+            </p:spPr>
+            <p:style>
+              <a:lnRef idx="1">
+                <a:schemeClr val="accent1"/>
+              </a:lnRef>
+              <a:fillRef idx="0">
+                <a:schemeClr val="accent1"/>
+              </a:fillRef>
+              <a:effectRef idx="0">
+                <a:schemeClr val="accent1"/>
+              </a:effectRef>
+              <a:fontRef idx="minor">
+                <a:schemeClr val="tx1"/>
+              </a:fontRef>
+            </p:style>
+          </p:cxnSp>
+          <p:cxnSp>
+            <p:nvCxnSpPr>
+              <p:cNvPr id="192" name="直線コネクタ 191">
+                <a:extLst>
+                  <a:ext uri="{FF2B5EF4-FFF2-40B4-BE49-F238E27FC236}">
+                    <a16:creationId xmlns:a16="http://schemas.microsoft.com/office/drawing/2014/main" id="{CF1CAD6E-B3F0-F61B-C817-27F6095E7D1A}"/>
+                  </a:ext>
+                </a:extLst>
+              </p:cNvPr>
+              <p:cNvCxnSpPr>
+                <a:cxnSpLocks/>
+              </p:cNvCxnSpPr>
+              <p:nvPr/>
+            </p:nvCxnSpPr>
+            <p:spPr>
+              <a:xfrm>
+                <a:off x="4621062" y="6127931"/>
+                <a:ext cx="207640" cy="171636"/>
+              </a:xfrm>
+              <a:prstGeom prst="line">
+                <a:avLst/>
+              </a:prstGeom>
+              <a:ln w="28575">
+                <a:solidFill>
+                  <a:schemeClr val="accent2"/>
+                </a:solidFill>
+              </a:ln>
+            </p:spPr>
+            <p:style>
+              <a:lnRef idx="1">
+                <a:schemeClr val="accent1"/>
+              </a:lnRef>
+              <a:fillRef idx="0">
+                <a:schemeClr val="accent1"/>
+              </a:fillRef>
+              <a:effectRef idx="0">
+                <a:schemeClr val="accent1"/>
+              </a:effectRef>
+              <a:fontRef idx="minor">
+                <a:schemeClr val="tx1"/>
+              </a:fontRef>
+            </p:style>
+          </p:cxnSp>
+        </p:grpSp>
+        <p:sp>
+          <p:nvSpPr>
+            <p:cNvPr id="194" name="正方形/長方形 193">
+              <a:extLst>
+                <a:ext uri="{FF2B5EF4-FFF2-40B4-BE49-F238E27FC236}">
+                  <a16:creationId xmlns:a16="http://schemas.microsoft.com/office/drawing/2014/main" id="{6DFBD16D-93F3-878C-4C16-A22B93B71362}"/>
+                </a:ext>
+              </a:extLst>
+            </p:cNvPr>
+            <p:cNvSpPr/>
+            <p:nvPr/>
+          </p:nvSpPr>
+          <p:spPr bwMode="auto">
+            <a:xfrm>
+              <a:off x="5596441" y="184820"/>
+              <a:ext cx="2018181" cy="471924"/>
+            </a:xfrm>
+            <a:prstGeom prst="rect">
+              <a:avLst/>
+            </a:prstGeom>
+            <a:solidFill>
+              <a:srgbClr val="92D050"/>
+            </a:solidFill>
+            <a:ln>
+              <a:noFill/>
+            </a:ln>
+            <a:effectLst/>
+          </p:spPr>
+          <p:txBody>
+            <a:bodyPr wrap="square" lIns="0" tIns="0" rIns="0" bIns="0" rtlCol="0" anchor="ctr">
+              <a:spAutoFit/>
+            </a:bodyPr>
+            <a:lstStyle/>
+            <a:p>
+              <a:pPr algn="ctr">
+                <a:lnSpc>
+                  <a:spcPct val="120000"/>
+                </a:lnSpc>
+                <a:spcBef>
+                  <a:spcPts val="1200"/>
+                </a:spcBef>
+                <a:spcAft>
+                  <a:spcPts val="600"/>
+                </a:spcAft>
+              </a:pPr>
+              <a:r>
+                <a:rPr kumimoji="1" lang="en-US" altLang="ja-JP" sz="2800" b="1" dirty="0">
+                  <a:latin typeface="Times New Roman" panose="02020603050405020304" pitchFamily="18" charset="0"/>
+                  <a:ea typeface="メイリオ" pitchFamily="50" charset="-128"/>
+                  <a:cs typeface="Times New Roman" panose="02020603050405020304" pitchFamily="18" charset="0"/>
+                </a:rPr>
+                <a:t>field</a:t>
+              </a:r>
+              <a:endParaRPr kumimoji="1" lang="ja-JP" altLang="en-US" sz="2800" b="1" dirty="0">
+                <a:latin typeface="Times New Roman" panose="02020603050405020304" pitchFamily="18" charset="0"/>
+                <a:ea typeface="メイリオ" pitchFamily="50" charset="-128"/>
+                <a:cs typeface="Times New Roman" panose="02020603050405020304" pitchFamily="18" charset="0"/>
+              </a:endParaRPr>
+            </a:p>
+          </p:txBody>
+        </p:sp>
+      </p:grpSp>
+      <p:pic>
+        <p:nvPicPr>
+          <p:cNvPr id="125" name="図 124" descr="グラフ が含まれている画像&#10;&#10;自動的に生成された説明">
+            <a:extLst>
+              <a:ext uri="{FF2B5EF4-FFF2-40B4-BE49-F238E27FC236}">
+                <a16:creationId xmlns:a16="http://schemas.microsoft.com/office/drawing/2014/main" id="{9A18A86C-7DEB-B479-D8EF-F8F8AC20515B}"/>
+              </a:ext>
+            </a:extLst>
+          </p:cNvPr>
+          <p:cNvPicPr>
+            <a:picLocks noChangeAspect="1"/>
+          </p:cNvPicPr>
+          <p:nvPr/>
+        </p:nvPicPr>
+        <p:blipFill>
+          <a:blip r:embed="rId13"/>
+          <a:stretch>
+            <a:fillRect/>
+          </a:stretch>
+        </p:blipFill>
+        <p:spPr>
+          <a:xfrm>
+            <a:off x="8529783" y="1575711"/>
+            <a:ext cx="7506002" cy="4289148"/>
+          </a:xfrm>
+          <a:prstGeom prst="rect">
+            <a:avLst/>
+          </a:prstGeom>
+        </p:spPr>
+      </p:pic>
+      <p:pic>
+        <p:nvPicPr>
+          <p:cNvPr id="126" name="グラフィックス 125" descr="ユーザー 単色塗りつぶし">
+            <a:extLst>
+              <a:ext uri="{FF2B5EF4-FFF2-40B4-BE49-F238E27FC236}">
+                <a16:creationId xmlns:a16="http://schemas.microsoft.com/office/drawing/2014/main" id="{D49EED3E-964C-0B93-4375-BC2057DD61A2}"/>
+              </a:ext>
+            </a:extLst>
+          </p:cNvPr>
+          <p:cNvPicPr>
+            <a:picLocks noChangeAspect="1"/>
+          </p:cNvPicPr>
+          <p:nvPr/>
+        </p:nvPicPr>
+        <p:blipFill>
+          <a:blip r:embed="rId5">
+            <a:extLst>
+              <a:ext uri="{96DAC541-7B7A-43D3-8B79-37D633B846F1}">
+                <asvg:svgBlip xmlns:asvg="http://schemas.microsoft.com/office/drawing/2016/SVG/main" r:embed="rId6"/>
+              </a:ext>
+            </a:extLst>
+          </a:blip>
+          <a:stretch>
+            <a:fillRect/>
+          </a:stretch>
+        </p:blipFill>
+        <p:spPr>
+          <a:xfrm>
+            <a:off x="9010481" y="2852705"/>
+            <a:ext cx="1033113" cy="1033114"/>
+          </a:xfrm>
+          <a:prstGeom prst="rect">
+            <a:avLst/>
+          </a:prstGeom>
+        </p:spPr>
+      </p:pic>
+      <p:pic>
+        <p:nvPicPr>
+          <p:cNvPr id="127" name="グラフィックス 126" descr="男性のプロフィール 単色塗りつぶし">
+            <a:extLst>
+              <a:ext uri="{FF2B5EF4-FFF2-40B4-BE49-F238E27FC236}">
+                <a16:creationId xmlns:a16="http://schemas.microsoft.com/office/drawing/2014/main" id="{578DCD2E-06E0-C5E4-003F-EEA3C73028F1}"/>
+              </a:ext>
+            </a:extLst>
+          </p:cNvPr>
+          <p:cNvPicPr>
+            <a:picLocks noChangeAspect="1"/>
+          </p:cNvPicPr>
+          <p:nvPr/>
+        </p:nvPicPr>
+        <p:blipFill>
+          <a:blip r:embed="rId11">
+            <a:extLst>
+              <a:ext uri="{96DAC541-7B7A-43D3-8B79-37D633B846F1}">
+                <asvg:svgBlip xmlns:asvg="http://schemas.microsoft.com/office/drawing/2016/SVG/main" r:embed="rId12"/>
+              </a:ext>
+            </a:extLst>
+          </a:blip>
+          <a:stretch>
+            <a:fillRect/>
+          </a:stretch>
+        </p:blipFill>
+        <p:spPr>
+          <a:xfrm>
+            <a:off x="14268744" y="3912355"/>
+            <a:ext cx="1163689" cy="1163690"/>
+          </a:xfrm>
+          <a:prstGeom prst="rect">
+            <a:avLst/>
+          </a:prstGeom>
+        </p:spPr>
+      </p:pic>
+      <p:pic>
+        <p:nvPicPr>
+          <p:cNvPr id="128" name="グラフィックス 127" descr="男子生徒 枠線">
+            <a:extLst>
+              <a:ext uri="{FF2B5EF4-FFF2-40B4-BE49-F238E27FC236}">
+                <a16:creationId xmlns:a16="http://schemas.microsoft.com/office/drawing/2014/main" id="{D3D4F155-793F-9B7F-9BD7-6870418949E4}"/>
+              </a:ext>
+            </a:extLst>
+          </p:cNvPr>
+          <p:cNvPicPr>
+            <a:picLocks noChangeAspect="1"/>
+          </p:cNvPicPr>
+          <p:nvPr/>
+        </p:nvPicPr>
+        <p:blipFill>
+          <a:blip r:embed="rId7">
+            <a:extLst>
+              <a:ext uri="{96DAC541-7B7A-43D3-8B79-37D633B846F1}">
+                <asvg:svgBlip xmlns:asvg="http://schemas.microsoft.com/office/drawing/2016/SVG/main" r:embed="rId8"/>
+              </a:ext>
+            </a:extLst>
+          </a:blip>
+          <a:stretch>
+            <a:fillRect/>
+          </a:stretch>
+        </p:blipFill>
+        <p:spPr>
+          <a:xfrm>
+            <a:off x="14687136" y="2586139"/>
+            <a:ext cx="1013769" cy="1013770"/>
+          </a:xfrm>
+          <a:prstGeom prst="rect">
+            <a:avLst/>
+          </a:prstGeom>
+        </p:spPr>
+      </p:pic>
+      <p:pic>
+        <p:nvPicPr>
+          <p:cNvPr id="129" name="グラフィックス 128" descr="女性のプロフィール 枠線">
+            <a:extLst>
+              <a:ext uri="{FF2B5EF4-FFF2-40B4-BE49-F238E27FC236}">
+                <a16:creationId xmlns:a16="http://schemas.microsoft.com/office/drawing/2014/main" id="{FD552CBA-BE89-35F7-8537-7C678FA42FD7}"/>
+              </a:ext>
+            </a:extLst>
+          </p:cNvPr>
+          <p:cNvPicPr>
+            <a:picLocks noChangeAspect="1"/>
+          </p:cNvPicPr>
+          <p:nvPr/>
+        </p:nvPicPr>
+        <p:blipFill>
+          <a:blip r:embed="rId9">
+            <a:extLst>
+              <a:ext uri="{96DAC541-7B7A-43D3-8B79-37D633B846F1}">
+                <asvg:svgBlip xmlns:asvg="http://schemas.microsoft.com/office/drawing/2016/SVG/main" r:embed="rId10"/>
+              </a:ext>
+            </a:extLst>
+          </a:blip>
+          <a:stretch>
+            <a:fillRect/>
+          </a:stretch>
+        </p:blipFill>
+        <p:spPr>
+          <a:xfrm>
+            <a:off x="12468796" y="1701622"/>
+            <a:ext cx="1088607" cy="1088608"/>
+          </a:xfrm>
+          <a:prstGeom prst="rect">
+            <a:avLst/>
+          </a:prstGeom>
+        </p:spPr>
+      </p:pic>
+      <p:sp>
+        <p:nvSpPr>
+          <p:cNvPr id="130" name="テキスト ボックス 129">
+            <a:extLst>
+              <a:ext uri="{FF2B5EF4-FFF2-40B4-BE49-F238E27FC236}">
+                <a16:creationId xmlns:a16="http://schemas.microsoft.com/office/drawing/2014/main" id="{C5159A20-701E-0B4F-6A12-D201470AEA25}"/>
+              </a:ext>
+            </a:extLst>
+          </p:cNvPr>
+          <p:cNvSpPr txBox="1"/>
+          <p:nvPr/>
+        </p:nvSpPr>
+        <p:spPr>
+          <a:xfrm>
+            <a:off x="11626116" y="2577339"/>
+            <a:ext cx="2773965" cy="587853"/>
+          </a:xfrm>
+          <a:prstGeom prst="rect">
+            <a:avLst/>
+          </a:prstGeom>
+          <a:noFill/>
+        </p:spPr>
+        <p:txBody>
+          <a:bodyPr wrap="none" rtlCol="0">
+            <a:spAutoFit/>
+          </a:bodyPr>
+          <a:lstStyle/>
+          <a:p>
+            <a:pPr>
+              <a:lnSpc>
+                <a:spcPct val="120000"/>
+              </a:lnSpc>
+            </a:pPr>
+            <a:r>
+              <a:rPr kumimoji="1" lang="en-US" altLang="ja-JP" sz="2800" b="1" dirty="0"/>
+              <a:t>Olivia, female</a:t>
+            </a:r>
+            <a:endParaRPr kumimoji="1" lang="ja-JP" altLang="en-US" sz="4800" b="1" dirty="0"/>
+          </a:p>
+        </p:txBody>
+      </p:sp>
+      <p:sp>
+        <p:nvSpPr>
+          <p:cNvPr id="131" name="テキスト ボックス 130">
+            <a:extLst>
+              <a:ext uri="{FF2B5EF4-FFF2-40B4-BE49-F238E27FC236}">
+                <a16:creationId xmlns:a16="http://schemas.microsoft.com/office/drawing/2014/main" id="{F24766D3-FB08-DB7F-5462-3EFF6E4234F9}"/>
+              </a:ext>
+            </a:extLst>
+          </p:cNvPr>
+          <p:cNvSpPr txBox="1"/>
+          <p:nvPr/>
+        </p:nvSpPr>
+        <p:spPr>
+          <a:xfrm>
+            <a:off x="13227472" y="3419365"/>
+            <a:ext cx="2623667" cy="587853"/>
+          </a:xfrm>
+          <a:prstGeom prst="rect">
+            <a:avLst/>
+          </a:prstGeom>
+          <a:noFill/>
+        </p:spPr>
+        <p:txBody>
+          <a:bodyPr wrap="none" rtlCol="0">
+            <a:spAutoFit/>
+          </a:bodyPr>
+          <a:lstStyle/>
+          <a:p>
+            <a:pPr>
+              <a:lnSpc>
+                <a:spcPct val="120000"/>
+              </a:lnSpc>
+            </a:pPr>
+            <a:r>
+              <a:rPr kumimoji="1" lang="en-US" altLang="ja-JP" sz="2800" b="1" dirty="0"/>
+              <a:t>Hunter, male</a:t>
+            </a:r>
+            <a:endParaRPr kumimoji="1" lang="ja-JP" altLang="en-US" sz="4800" b="1" dirty="0"/>
+          </a:p>
+        </p:txBody>
+      </p:sp>
+      <p:sp>
+        <p:nvSpPr>
+          <p:cNvPr id="132" name="テキスト ボックス 131">
+            <a:extLst>
+              <a:ext uri="{FF2B5EF4-FFF2-40B4-BE49-F238E27FC236}">
+                <a16:creationId xmlns:a16="http://schemas.microsoft.com/office/drawing/2014/main" id="{9820210E-2A87-B938-6533-44B4139A6FD6}"/>
+              </a:ext>
+            </a:extLst>
+          </p:cNvPr>
+          <p:cNvSpPr txBox="1"/>
+          <p:nvPr/>
+        </p:nvSpPr>
+        <p:spPr>
+          <a:xfrm>
+            <a:off x="13557403" y="4857634"/>
+            <a:ext cx="2298023" cy="587853"/>
+          </a:xfrm>
+          <a:prstGeom prst="rect">
+            <a:avLst/>
+          </a:prstGeom>
+          <a:noFill/>
+        </p:spPr>
+        <p:txBody>
+          <a:bodyPr wrap="square" rtlCol="0">
+            <a:spAutoFit/>
+          </a:bodyPr>
+          <a:lstStyle/>
+          <a:p>
+            <a:pPr>
+              <a:lnSpc>
+                <a:spcPct val="120000"/>
+              </a:lnSpc>
+            </a:pPr>
+            <a:r>
+              <a:rPr lang="en-US" altLang="ja-JP" sz="2800" b="1" dirty="0"/>
+              <a:t>Jack</a:t>
+            </a:r>
+            <a:r>
+              <a:rPr kumimoji="1" lang="en-US" altLang="ja-JP" sz="2800" b="1" dirty="0"/>
+              <a:t>, male</a:t>
+            </a:r>
+            <a:endParaRPr kumimoji="1" lang="ja-JP" altLang="en-US" sz="4800" b="1" dirty="0"/>
+          </a:p>
+        </p:txBody>
+      </p:sp>
+      <p:sp>
+        <p:nvSpPr>
+          <p:cNvPr id="133" name="テキスト ボックス 132">
+            <a:extLst>
+              <a:ext uri="{FF2B5EF4-FFF2-40B4-BE49-F238E27FC236}">
+                <a16:creationId xmlns:a16="http://schemas.microsoft.com/office/drawing/2014/main" id="{D9B2D822-B203-AE9C-A4B0-6404FE0454E3}"/>
+              </a:ext>
+            </a:extLst>
+          </p:cNvPr>
+          <p:cNvSpPr txBox="1"/>
+          <p:nvPr/>
+        </p:nvSpPr>
+        <p:spPr>
+          <a:xfrm>
+            <a:off x="8556799" y="3622392"/>
+            <a:ext cx="2137125" cy="587853"/>
+          </a:xfrm>
+          <a:prstGeom prst="rect">
+            <a:avLst/>
+          </a:prstGeom>
+          <a:noFill/>
+        </p:spPr>
+        <p:txBody>
+          <a:bodyPr wrap="none" rtlCol="0">
+            <a:spAutoFit/>
+          </a:bodyPr>
+          <a:lstStyle/>
+          <a:p>
+            <a:pPr>
+              <a:lnSpc>
+                <a:spcPct val="120000"/>
+              </a:lnSpc>
+            </a:pPr>
+            <a:r>
+              <a:rPr kumimoji="1" lang="en-US" altLang="ja-JP" sz="2800" b="1" dirty="0"/>
+              <a:t>Max, male</a:t>
+            </a:r>
+            <a:endParaRPr kumimoji="1" lang="ja-JP" altLang="en-US" sz="4800" b="1" dirty="0"/>
+          </a:p>
+        </p:txBody>
+      </p:sp>
+      <p:sp>
+        <p:nvSpPr>
+          <p:cNvPr id="195" name="楕円 194">
+            <a:extLst>
+              <a:ext uri="{FF2B5EF4-FFF2-40B4-BE49-F238E27FC236}">
+                <a16:creationId xmlns:a16="http://schemas.microsoft.com/office/drawing/2014/main" id="{8FA72F91-985C-91BC-13C8-E9BA22FC0318}"/>
+              </a:ext>
+            </a:extLst>
+          </p:cNvPr>
+          <p:cNvSpPr/>
+          <p:nvPr/>
+        </p:nvSpPr>
+        <p:spPr bwMode="auto">
+          <a:xfrm>
+            <a:off x="8006893" y="865241"/>
+            <a:ext cx="3094971" cy="895880"/>
+          </a:xfrm>
+          <a:prstGeom prst="ellipse">
+            <a:avLst/>
+          </a:prstGeom>
+          <a:solidFill>
+            <a:srgbClr val="FFC000"/>
+          </a:solidFill>
+          <a:ln>
+            <a:noFill/>
+          </a:ln>
+          <a:effectLst/>
+        </p:spPr>
+        <p:txBody>
+          <a:bodyPr wrap="square" lIns="0" tIns="0" rIns="0" bIns="0" rtlCol="0" anchor="ctr">
+            <a:spAutoFit/>
+          </a:bodyPr>
+          <a:lstStyle/>
+          <a:p>
+            <a:pPr algn="ctr">
+              <a:lnSpc>
+                <a:spcPct val="120000"/>
+              </a:lnSpc>
+              <a:spcBef>
+                <a:spcPts val="1200"/>
+              </a:spcBef>
+              <a:spcAft>
+                <a:spcPts val="600"/>
+              </a:spcAft>
+            </a:pPr>
+            <a:endParaRPr kumimoji="1" lang="ja-JP" altLang="en-US" sz="3600" b="1" dirty="0">
+              <a:latin typeface="メイリオ" pitchFamily="50" charset="-128"/>
+              <a:ea typeface="メイリオ" pitchFamily="50" charset="-128"/>
+              <a:cs typeface="Times New Roman" panose="02020603050405020304" pitchFamily="18" charset="0"/>
+            </a:endParaRPr>
+          </a:p>
+        </p:txBody>
+      </p:sp>
+      <p:sp>
+        <p:nvSpPr>
+          <p:cNvPr id="4" name="テキスト ボックス 3">
+            <a:extLst>
+              <a:ext uri="{FF2B5EF4-FFF2-40B4-BE49-F238E27FC236}">
+                <a16:creationId xmlns:a16="http://schemas.microsoft.com/office/drawing/2014/main" id="{49CA6D34-BFA3-638A-C0A2-0998E05A8898}"/>
+              </a:ext>
+            </a:extLst>
+          </p:cNvPr>
+          <p:cNvSpPr txBox="1"/>
+          <p:nvPr/>
+        </p:nvSpPr>
+        <p:spPr>
+          <a:xfrm>
+            <a:off x="-7145662" y="6344713"/>
+            <a:ext cx="5404043" cy="624979"/>
+          </a:xfrm>
+          <a:prstGeom prst="rect">
+            <a:avLst/>
+          </a:prstGeom>
+          <a:noFill/>
+        </p:spPr>
+        <p:txBody>
+          <a:bodyPr wrap="none" rtlCol="0">
+            <a:spAutoFit/>
+          </a:bodyPr>
+          <a:lstStyle/>
+          <a:p>
+            <a:pPr>
+              <a:lnSpc>
+                <a:spcPct val="120000"/>
+              </a:lnSpc>
+            </a:pPr>
+            <a:r>
+              <a:rPr kumimoji="1" lang="en-US" altLang="ja-JP" sz="3200" dirty="0">
+                <a:latin typeface="Times New Roman" panose="02020603050405020304" pitchFamily="18" charset="0"/>
+                <a:ea typeface="BIZ UD明朝 Medium" panose="02020500000000000000" pitchFamily="17" charset="-128"/>
+                <a:cs typeface="Times New Roman" panose="02020603050405020304" pitchFamily="18" charset="0"/>
+              </a:rPr>
+              <a:t>(a) </a:t>
+            </a:r>
+            <a:r>
+              <a:rPr lang="en-US" altLang="ja-JP" sz="3200" dirty="0">
+                <a:latin typeface="Times New Roman" panose="02020603050405020304" pitchFamily="18" charset="0"/>
+                <a:ea typeface="BIZ UD明朝 Medium" panose="02020500000000000000" pitchFamily="17" charset="-128"/>
+                <a:cs typeface="Times New Roman" panose="02020603050405020304" pitchFamily="18" charset="0"/>
+              </a:rPr>
+              <a:t>start </a:t>
+            </a:r>
+            <a:r>
+              <a:rPr lang="ja-JP" altLang="en-US" sz="3200" dirty="0">
+                <a:latin typeface="Times New Roman" panose="02020603050405020304" pitchFamily="18" charset="0"/>
+                <a:ea typeface="BIZ UD明朝 Medium" panose="02020500000000000000" pitchFamily="17" charset="-128"/>
+                <a:cs typeface="Times New Roman" panose="02020603050405020304" pitchFamily="18" charset="0"/>
+              </a:rPr>
+              <a:t>～</a:t>
+            </a:r>
+            <a:r>
+              <a:rPr kumimoji="1" lang="en-US" altLang="ja-JP" sz="3200" dirty="0">
+                <a:latin typeface="Times New Roman" panose="02020603050405020304" pitchFamily="18" charset="0"/>
+                <a:ea typeface="BIZ UD明朝 Medium" panose="02020500000000000000" pitchFamily="17" charset="-128"/>
+                <a:cs typeface="Times New Roman" panose="02020603050405020304" pitchFamily="18" charset="0"/>
+              </a:rPr>
+              <a:t> attribute recognition</a:t>
+            </a:r>
+            <a:endParaRPr kumimoji="1" lang="ja-JP" altLang="en-US" sz="3200" dirty="0">
+              <a:latin typeface="Times New Roman" panose="02020603050405020304" pitchFamily="18" charset="0"/>
+              <a:ea typeface="BIZ UD明朝 Medium" panose="02020500000000000000" pitchFamily="17" charset="-128"/>
+              <a:cs typeface="Times New Roman" panose="02020603050405020304" pitchFamily="18" charset="0"/>
+            </a:endParaRPr>
+          </a:p>
+        </p:txBody>
+      </p:sp>
+      <p:sp>
+        <p:nvSpPr>
+          <p:cNvPr id="24" name="テキスト ボックス 23">
+            <a:extLst>
+              <a:ext uri="{FF2B5EF4-FFF2-40B4-BE49-F238E27FC236}">
+                <a16:creationId xmlns:a16="http://schemas.microsoft.com/office/drawing/2014/main" id="{03111D23-652B-A522-DBDC-4B0811643074}"/>
+              </a:ext>
+            </a:extLst>
+          </p:cNvPr>
+          <p:cNvSpPr txBox="1"/>
+          <p:nvPr/>
+        </p:nvSpPr>
+        <p:spPr>
+          <a:xfrm>
+            <a:off x="190051" y="6337399"/>
+            <a:ext cx="7117461" cy="631711"/>
+          </a:xfrm>
+          <a:prstGeom prst="rect">
+            <a:avLst/>
+          </a:prstGeom>
+          <a:noFill/>
+        </p:spPr>
+        <p:txBody>
+          <a:bodyPr wrap="none" rtlCol="0">
+            <a:spAutoFit/>
+          </a:bodyPr>
+          <a:lstStyle/>
+          <a:p>
+            <a:pPr>
+              <a:lnSpc>
+                <a:spcPct val="120000"/>
+              </a:lnSpc>
+            </a:pPr>
+            <a:r>
+              <a:rPr kumimoji="1" lang="en-US" altLang="ja-JP" sz="3200" dirty="0">
+                <a:latin typeface="Times New Roman" panose="02020603050405020304" pitchFamily="18" charset="0"/>
+                <a:ea typeface="BIZ UD明朝 Medium" panose="02020500000000000000" pitchFamily="17" charset="-128"/>
+                <a:cs typeface="Times New Roman" panose="02020603050405020304" pitchFamily="18" charset="0"/>
+              </a:rPr>
+              <a:t>(b) speech recognition to get guest’s name</a:t>
+            </a:r>
+            <a:endParaRPr kumimoji="1" lang="ja-JP" altLang="en-US" sz="3200" dirty="0">
+              <a:latin typeface="Times New Roman" panose="02020603050405020304" pitchFamily="18" charset="0"/>
+              <a:ea typeface="BIZ UD明朝 Medium" panose="02020500000000000000" pitchFamily="17" charset="-128"/>
+              <a:cs typeface="Times New Roman" panose="02020603050405020304" pitchFamily="18" charset="0"/>
+            </a:endParaRPr>
+          </a:p>
+        </p:txBody>
+      </p:sp>
+      <p:sp>
+        <p:nvSpPr>
+          <p:cNvPr id="29" name="テキスト ボックス 28">
+            <a:extLst>
+              <a:ext uri="{FF2B5EF4-FFF2-40B4-BE49-F238E27FC236}">
+                <a16:creationId xmlns:a16="http://schemas.microsoft.com/office/drawing/2014/main" id="{E87B8C81-68B8-C40B-644D-A2E67F3F5A40}"/>
+              </a:ext>
+            </a:extLst>
+          </p:cNvPr>
+          <p:cNvSpPr txBox="1"/>
+          <p:nvPr/>
+        </p:nvSpPr>
+        <p:spPr>
+          <a:xfrm>
+            <a:off x="10584668" y="6337398"/>
+            <a:ext cx="3536546" cy="631711"/>
+          </a:xfrm>
+          <a:prstGeom prst="rect">
+            <a:avLst/>
+          </a:prstGeom>
+          <a:noFill/>
+        </p:spPr>
+        <p:txBody>
+          <a:bodyPr wrap="none" rtlCol="0">
+            <a:spAutoFit/>
+          </a:bodyPr>
+          <a:lstStyle/>
+          <a:p>
+            <a:pPr>
+              <a:lnSpc>
+                <a:spcPct val="120000"/>
+              </a:lnSpc>
+            </a:pPr>
+            <a:r>
+              <a:rPr lang="en-US" altLang="ja-JP" sz="3200" dirty="0">
+                <a:latin typeface="Times New Roman" panose="02020603050405020304" pitchFamily="18" charset="0"/>
+                <a:ea typeface="BIZ UD明朝 Medium" panose="02020500000000000000" pitchFamily="17" charset="-128"/>
+                <a:cs typeface="Times New Roman" panose="02020603050405020304" pitchFamily="18" charset="0"/>
+              </a:rPr>
+              <a:t>(c) Generated image</a:t>
+            </a:r>
+            <a:endParaRPr kumimoji="1" lang="ja-JP" altLang="en-US" sz="3200" dirty="0">
+              <a:latin typeface="Times New Roman" panose="02020603050405020304" pitchFamily="18" charset="0"/>
+              <a:ea typeface="BIZ UD明朝 Medium" panose="02020500000000000000" pitchFamily="17" charset="-128"/>
+              <a:cs typeface="Times New Roman" panose="02020603050405020304" pitchFamily="18" charset="0"/>
+            </a:endParaRPr>
+          </a:p>
+        </p:txBody>
+      </p:sp>
+      <p:sp>
+        <p:nvSpPr>
+          <p:cNvPr id="32" name="テキスト ボックス 31">
+            <a:extLst>
+              <a:ext uri="{FF2B5EF4-FFF2-40B4-BE49-F238E27FC236}">
+                <a16:creationId xmlns:a16="http://schemas.microsoft.com/office/drawing/2014/main" id="{0C0B750C-40D1-A100-61E3-6A65D72F5886}"/>
+              </a:ext>
+            </a:extLst>
+          </p:cNvPr>
+          <p:cNvSpPr txBox="1"/>
+          <p:nvPr/>
+        </p:nvSpPr>
+        <p:spPr>
+          <a:xfrm>
+            <a:off x="8123933" y="1068745"/>
+            <a:ext cx="2977931" cy="517065"/>
+          </a:xfrm>
+          <a:prstGeom prst="rect">
+            <a:avLst/>
+          </a:prstGeom>
+          <a:noFill/>
+        </p:spPr>
+        <p:txBody>
+          <a:bodyPr wrap="none" rtlCol="0">
+            <a:spAutoFit/>
+          </a:bodyPr>
+          <a:lstStyle/>
+          <a:p>
+            <a:pPr>
+              <a:lnSpc>
+                <a:spcPct val="120000"/>
+              </a:lnSpc>
+            </a:pPr>
+            <a:r>
+              <a:rPr kumimoji="1" lang="en-US" altLang="ja-JP" sz="2400" b="1" dirty="0"/>
+              <a:t>Generated image</a:t>
+            </a:r>
+            <a:endParaRPr kumimoji="1" lang="ja-JP" altLang="en-US" sz="2400" b="1" dirty="0"/>
+          </a:p>
+        </p:txBody>
+      </p:sp>
+    </p:spTree>
+    <p:extLst>
+      <p:ext uri="{BB962C8B-B14F-4D97-AF65-F5344CB8AC3E}">
+        <p14:creationId xmlns:p14="http://schemas.microsoft.com/office/powerpoint/2010/main" val="2518867034"/>
+      </p:ext>
+    </p:extLst>
+  </p:cSld>
+  <p:clrMapOvr>
+    <a:masterClrMapping/>
+  </p:clrMapOvr>
+</p:sld>
+</file>
+
+<file path=ppt/slides/slide9.xml><?xml version="1.0" encoding="utf-8"?>
+<p:sld xmlns:a="http://schemas.openxmlformats.org/drawingml/2006/main" xmlns:r="http://schemas.openxmlformats.org/officeDocument/2006/relationships" xmlns:p="http://schemas.openxmlformats.org/presentationml/2006/main">
+  <p:cSld>
+    <p:spTree>
+      <p:nvGrpSpPr>
+        <p:cNvPr id="1" name=""/>
+        <p:cNvGrpSpPr/>
+        <p:nvPr/>
+      </p:nvGrpSpPr>
+      <p:grpSpPr>
+        <a:xfrm>
+          <a:off x="0" y="0"/>
+          <a:ext cx="0" cy="0"/>
+          <a:chOff x="0" y="0"/>
+          <a:chExt cx="0" cy="0"/>
+        </a:xfrm>
+      </p:grpSpPr>
+      <p:sp>
+        <p:nvSpPr>
+          <p:cNvPr id="2" name="スライド番号プレースホルダー 1">
+            <a:extLst>
+              <a:ext uri="{FF2B5EF4-FFF2-40B4-BE49-F238E27FC236}">
                 <a16:creationId xmlns:a16="http://schemas.microsoft.com/office/drawing/2014/main" id="{D29AF457-91EB-89A9-D96F-231727FA18DC}"/>
               </a:ext>
             </a:extLst>
@@ -25274,7 +30926,7 @@
             <a:fld id="{FB3508C7-2FE0-4945-9CBD-863E05F850D2}" type="slidenum">
               <a:rPr lang="ja-JP" altLang="en-US" smtClean="0"/>
               <a:pPr/>
-              <a:t>7</a:t>
+              <a:t>8</a:t>
             </a:fld>
             <a:endParaRPr lang="ja-JP" altLang="en-US" dirty="0"/>
           </a:p>
@@ -25656,1267 +31308,6 @@
     <p:extLst>
       <p:ext uri="{BB962C8B-B14F-4D97-AF65-F5344CB8AC3E}">
         <p14:creationId xmlns:p14="http://schemas.microsoft.com/office/powerpoint/2010/main" val="1834241353"/>
-      </p:ext>
-    </p:extLst>
-  </p:cSld>
-  <p:clrMapOvr>
-    <a:masterClrMapping/>
-  </p:clrMapOvr>
-</p:sld>
-</file>
-
-<file path=ppt/slides/slide9.xml><?xml version="1.0" encoding="utf-8"?>
-<p:sld xmlns:a="http://schemas.openxmlformats.org/drawingml/2006/main" xmlns:r="http://schemas.openxmlformats.org/officeDocument/2006/relationships" xmlns:p="http://schemas.openxmlformats.org/presentationml/2006/main">
-  <p:cSld>
-    <p:spTree>
-      <p:nvGrpSpPr>
-        <p:cNvPr id="1" name=""/>
-        <p:cNvGrpSpPr/>
-        <p:nvPr/>
-      </p:nvGrpSpPr>
-      <p:grpSpPr>
-        <a:xfrm>
-          <a:off x="0" y="0"/>
-          <a:ext cx="0" cy="0"/>
-          <a:chOff x="0" y="0"/>
-          <a:chExt cx="0" cy="0"/>
-        </a:xfrm>
-      </p:grpSpPr>
-      <p:sp>
-        <p:nvSpPr>
-          <p:cNvPr id="2" name="スライド番号プレースホルダー 1">
-            <a:extLst>
-              <a:ext uri="{FF2B5EF4-FFF2-40B4-BE49-F238E27FC236}">
-                <a16:creationId xmlns:a16="http://schemas.microsoft.com/office/drawing/2014/main" id="{CAE8FF55-D954-CABA-E3F7-F1B3BEA35F50}"/>
-              </a:ext>
-            </a:extLst>
-          </p:cNvPr>
-          <p:cNvSpPr>
-            <a:spLocks noGrp="1"/>
-          </p:cNvSpPr>
-          <p:nvPr>
-            <p:ph type="sldNum" sz="quarter" idx="4"/>
-          </p:nvPr>
-        </p:nvSpPr>
-        <p:spPr/>
-        <p:txBody>
-          <a:bodyPr/>
-          <a:lstStyle/>
-          <a:p>
-            <a:fld id="{FB3508C7-2FE0-4945-9CBD-863E05F850D2}" type="slidenum">
-              <a:rPr lang="ja-JP" altLang="en-US" smtClean="0"/>
-              <a:pPr/>
-              <a:t>8</a:t>
-            </a:fld>
-            <a:endParaRPr lang="ja-JP" altLang="en-US" dirty="0"/>
-          </a:p>
-        </p:txBody>
-      </p:sp>
-      <p:sp>
-        <p:nvSpPr>
-          <p:cNvPr id="3" name="タイトル 2">
-            <a:extLst>
-              <a:ext uri="{FF2B5EF4-FFF2-40B4-BE49-F238E27FC236}">
-                <a16:creationId xmlns:a16="http://schemas.microsoft.com/office/drawing/2014/main" id="{0175A26D-11FE-1273-411F-CF68B308DB98}"/>
-              </a:ext>
-            </a:extLst>
-          </p:cNvPr>
-          <p:cNvSpPr>
-            <a:spLocks noGrp="1"/>
-          </p:cNvSpPr>
-          <p:nvPr>
-            <p:ph type="title"/>
-          </p:nvPr>
-        </p:nvSpPr>
-        <p:spPr/>
-        <p:txBody>
-          <a:bodyPr/>
-          <a:lstStyle/>
-          <a:p>
-            <a:endParaRPr kumimoji="1" lang="ja-JP" altLang="en-US"/>
-          </a:p>
-        </p:txBody>
-      </p:sp>
-      <p:sp>
-        <p:nvSpPr>
-          <p:cNvPr id="4" name="フッター プレースホルダー 3">
-            <a:extLst>
-              <a:ext uri="{FF2B5EF4-FFF2-40B4-BE49-F238E27FC236}">
-                <a16:creationId xmlns:a16="http://schemas.microsoft.com/office/drawing/2014/main" id="{86A888A3-8D11-E3EC-8FFD-31CF0CF868F6}"/>
-              </a:ext>
-            </a:extLst>
-          </p:cNvPr>
-          <p:cNvSpPr>
-            <a:spLocks noGrp="1"/>
-          </p:cNvSpPr>
-          <p:nvPr>
-            <p:ph type="ftr" sz="quarter" idx="3"/>
-          </p:nvPr>
-        </p:nvSpPr>
-        <p:spPr/>
-        <p:txBody>
-          <a:bodyPr/>
-          <a:lstStyle/>
-          <a:p>
-            <a:r>
-              <a:rPr lang="en-US" altLang="ja-JP"/>
-              <a:t>©Tamukoh Lab. Kyutech, Japan</a:t>
-            </a:r>
-            <a:endParaRPr lang="ja-JP" altLang="en-US" dirty="0"/>
-          </a:p>
-        </p:txBody>
-      </p:sp>
-      <p:grpSp>
-        <p:nvGrpSpPr>
-          <p:cNvPr id="51" name="グループ化 50">
-            <a:extLst>
-              <a:ext uri="{FF2B5EF4-FFF2-40B4-BE49-F238E27FC236}">
-                <a16:creationId xmlns:a16="http://schemas.microsoft.com/office/drawing/2014/main" id="{C8B0BFD2-B48F-5EFC-5D29-791528882B3F}"/>
-              </a:ext>
-            </a:extLst>
-          </p:cNvPr>
-          <p:cNvGrpSpPr/>
-          <p:nvPr/>
-        </p:nvGrpSpPr>
-        <p:grpSpPr>
-          <a:xfrm>
-            <a:off x="2879812" y="1865895"/>
-            <a:ext cx="3132348" cy="2391197"/>
-            <a:chOff x="2879812" y="1865895"/>
-            <a:chExt cx="3132348" cy="2391197"/>
-          </a:xfrm>
-        </p:grpSpPr>
-        <p:pic>
-          <p:nvPicPr>
-            <p:cNvPr id="6" name="図 5" descr="ダイアグラム&#10;&#10;自動的に生成された説明">
-              <a:extLst>
-                <a:ext uri="{FF2B5EF4-FFF2-40B4-BE49-F238E27FC236}">
-                  <a16:creationId xmlns:a16="http://schemas.microsoft.com/office/drawing/2014/main" id="{69854D6F-1FC1-9F77-FA4F-9EF85EF7AEB1}"/>
-                </a:ext>
-              </a:extLst>
-            </p:cNvPr>
-            <p:cNvPicPr>
-              <a:picLocks noChangeAspect="1"/>
-            </p:cNvPicPr>
-            <p:nvPr/>
-          </p:nvPicPr>
-          <p:blipFill rotWithShape="1">
-            <a:blip r:embed="rId2"/>
-            <a:srcRect l="5240" t="44446" r="45857" b="3108"/>
-            <a:stretch/>
-          </p:blipFill>
-          <p:spPr>
-            <a:xfrm>
-              <a:off x="3347864" y="2132856"/>
-              <a:ext cx="2016224" cy="2124236"/>
-            </a:xfrm>
-            <a:prstGeom prst="rect">
-              <a:avLst/>
-            </a:prstGeom>
-          </p:spPr>
-        </p:pic>
-        <p:sp>
-          <p:nvSpPr>
-            <p:cNvPr id="7" name="正方形/長方形 6">
-              <a:extLst>
-                <a:ext uri="{FF2B5EF4-FFF2-40B4-BE49-F238E27FC236}">
-                  <a16:creationId xmlns:a16="http://schemas.microsoft.com/office/drawing/2014/main" id="{27DFCD67-FEF0-0977-5742-084D253ADA13}"/>
-                </a:ext>
-              </a:extLst>
-            </p:cNvPr>
-            <p:cNvSpPr/>
-            <p:nvPr/>
-          </p:nvSpPr>
-          <p:spPr bwMode="auto">
-            <a:xfrm>
-              <a:off x="4680012" y="2708920"/>
-              <a:ext cx="144016" cy="648072"/>
-            </a:xfrm>
-            <a:prstGeom prst="rect">
-              <a:avLst/>
-            </a:prstGeom>
-            <a:solidFill>
-              <a:srgbClr val="D9D4AD"/>
-            </a:solidFill>
-            <a:ln>
-              <a:noFill/>
-            </a:ln>
-            <a:effectLst/>
-          </p:spPr>
-          <p:txBody>
-            <a:bodyPr wrap="square" lIns="0" tIns="0" rIns="0" bIns="0" rtlCol="0" anchor="ctr">
-              <a:spAutoFit/>
-            </a:bodyPr>
-            <a:lstStyle/>
-            <a:p>
-              <a:pPr marL="361950" indent="-361950" algn="ctr">
-                <a:lnSpc>
-                  <a:spcPct val="120000"/>
-                </a:lnSpc>
-                <a:spcBef>
-                  <a:spcPts val="1200"/>
-                </a:spcBef>
-                <a:spcAft>
-                  <a:spcPts val="600"/>
-                </a:spcAft>
-                <a:buFont typeface="Wingdings" pitchFamily="2" charset="2"/>
-                <a:buChar char="l"/>
-              </a:pPr>
-              <a:endParaRPr kumimoji="1" lang="ja-JP" altLang="en-US" sz="2000" dirty="0">
-                <a:latin typeface="メイリオ" pitchFamily="50" charset="-128"/>
-                <a:ea typeface="メイリオ" pitchFamily="50" charset="-128"/>
-                <a:cs typeface="メイリオ" pitchFamily="50" charset="-128"/>
-              </a:endParaRPr>
-            </a:p>
-          </p:txBody>
-        </p:sp>
-        <p:sp>
-          <p:nvSpPr>
-            <p:cNvPr id="9" name="テキスト ボックス 8">
-              <a:extLst>
-                <a:ext uri="{FF2B5EF4-FFF2-40B4-BE49-F238E27FC236}">
-                  <a16:creationId xmlns:a16="http://schemas.microsoft.com/office/drawing/2014/main" id="{46CF3961-7E24-E7AF-4165-DB461F074D48}"/>
-                </a:ext>
-              </a:extLst>
-            </p:cNvPr>
-            <p:cNvSpPr txBox="1"/>
-            <p:nvPr/>
-          </p:nvSpPr>
-          <p:spPr>
-            <a:xfrm>
-              <a:off x="3959932" y="2841262"/>
-              <a:ext cx="1082348" cy="269304"/>
-            </a:xfrm>
-            <a:prstGeom prst="rect">
-              <a:avLst/>
-            </a:prstGeom>
-            <a:noFill/>
-          </p:spPr>
-          <p:txBody>
-            <a:bodyPr wrap="square" rtlCol="0">
-              <a:spAutoFit/>
-            </a:bodyPr>
-            <a:lstStyle/>
-            <a:p>
-              <a:pPr>
-                <a:lnSpc>
-                  <a:spcPct val="120000"/>
-                </a:lnSpc>
-              </a:pPr>
-              <a:r>
-                <a:rPr lang="ja-JP" altLang="en-US" sz="1000" dirty="0"/>
-                <a:t>リビングルーム</a:t>
-              </a:r>
-              <a:endParaRPr kumimoji="1" lang="ja-JP" altLang="en-US" sz="1000" dirty="0"/>
-            </a:p>
-          </p:txBody>
-        </p:sp>
-        <p:sp>
-          <p:nvSpPr>
-            <p:cNvPr id="10" name="テキスト ボックス 9">
-              <a:extLst>
-                <a:ext uri="{FF2B5EF4-FFF2-40B4-BE49-F238E27FC236}">
-                  <a16:creationId xmlns:a16="http://schemas.microsoft.com/office/drawing/2014/main" id="{60012374-BACB-A24F-2BD0-2D768AEDBB65}"/>
-                </a:ext>
-              </a:extLst>
-            </p:cNvPr>
-            <p:cNvSpPr txBox="1"/>
-            <p:nvPr/>
-          </p:nvSpPr>
-          <p:spPr>
-            <a:xfrm>
-              <a:off x="3833918" y="2564904"/>
-              <a:ext cx="530915" cy="251607"/>
-            </a:xfrm>
-            <a:prstGeom prst="rect">
-              <a:avLst/>
-            </a:prstGeom>
-            <a:solidFill>
-              <a:srgbClr val="D9D4AD"/>
-            </a:solidFill>
-          </p:spPr>
-          <p:txBody>
-            <a:bodyPr wrap="square" rtlCol="0">
-              <a:spAutoFit/>
-            </a:bodyPr>
-            <a:lstStyle/>
-            <a:p>
-              <a:pPr>
-                <a:lnSpc>
-                  <a:spcPct val="120000"/>
-                </a:lnSpc>
-              </a:pPr>
-              <a:r>
-                <a:rPr lang="ja-JP" altLang="en-US" sz="900" dirty="0"/>
-                <a:t>テレビ</a:t>
-              </a:r>
-              <a:endParaRPr kumimoji="1" lang="ja-JP" altLang="en-US" sz="900" dirty="0"/>
-            </a:p>
-          </p:txBody>
-        </p:sp>
-        <p:sp>
-          <p:nvSpPr>
-            <p:cNvPr id="11" name="テキスト ボックス 10">
-              <a:extLst>
-                <a:ext uri="{FF2B5EF4-FFF2-40B4-BE49-F238E27FC236}">
-                  <a16:creationId xmlns:a16="http://schemas.microsoft.com/office/drawing/2014/main" id="{597C506A-5828-40FC-ABF3-DA6ECC322076}"/>
-                </a:ext>
-              </a:extLst>
-            </p:cNvPr>
-            <p:cNvSpPr txBox="1"/>
-            <p:nvPr/>
-          </p:nvSpPr>
-          <p:spPr>
-            <a:xfrm>
-              <a:off x="4680012" y="3256480"/>
-              <a:ext cx="592640" cy="233910"/>
-            </a:xfrm>
-            <a:prstGeom prst="rect">
-              <a:avLst/>
-            </a:prstGeom>
-            <a:noFill/>
-          </p:spPr>
-          <p:txBody>
-            <a:bodyPr wrap="square" rtlCol="0">
-              <a:spAutoFit/>
-            </a:bodyPr>
-            <a:lstStyle/>
-            <a:p>
-              <a:pPr>
-                <a:lnSpc>
-                  <a:spcPct val="120000"/>
-                </a:lnSpc>
-              </a:pPr>
-              <a:r>
-                <a:rPr lang="ja-JP" altLang="en-US" sz="800" dirty="0"/>
-                <a:t>テーブル</a:t>
-              </a:r>
-              <a:endParaRPr kumimoji="1" lang="ja-JP" altLang="en-US" sz="800" dirty="0"/>
-            </a:p>
-          </p:txBody>
-        </p:sp>
-        <p:sp>
-          <p:nvSpPr>
-            <p:cNvPr id="12" name="テキスト ボックス 11">
-              <a:extLst>
-                <a:ext uri="{FF2B5EF4-FFF2-40B4-BE49-F238E27FC236}">
-                  <a16:creationId xmlns:a16="http://schemas.microsoft.com/office/drawing/2014/main" id="{A6BA9C53-520B-ED08-336D-57C1EDB50CB4}"/>
-                </a:ext>
-              </a:extLst>
-            </p:cNvPr>
-            <p:cNvSpPr txBox="1"/>
-            <p:nvPr/>
-          </p:nvSpPr>
-          <p:spPr>
-            <a:xfrm>
-              <a:off x="3671900" y="3513820"/>
-              <a:ext cx="252028" cy="198516"/>
-            </a:xfrm>
-            <a:prstGeom prst="rect">
-              <a:avLst/>
-            </a:prstGeom>
-            <a:solidFill>
-              <a:srgbClr val="D9D4AD"/>
-            </a:solidFill>
-          </p:spPr>
-          <p:txBody>
-            <a:bodyPr wrap="square" rtlCol="0">
-              <a:spAutoFit/>
-            </a:bodyPr>
-            <a:lstStyle/>
-            <a:p>
-              <a:pPr>
-                <a:lnSpc>
-                  <a:spcPct val="120000"/>
-                </a:lnSpc>
-              </a:pPr>
-              <a:endParaRPr kumimoji="1" lang="ja-JP" altLang="en-US" sz="600" dirty="0"/>
-            </a:p>
-          </p:txBody>
-        </p:sp>
-        <p:sp>
-          <p:nvSpPr>
-            <p:cNvPr id="13" name="正方形/長方形 12">
-              <a:extLst>
-                <a:ext uri="{FF2B5EF4-FFF2-40B4-BE49-F238E27FC236}">
-                  <a16:creationId xmlns:a16="http://schemas.microsoft.com/office/drawing/2014/main" id="{AE0EFC70-2E01-8804-68FB-694B6B5505C6}"/>
-                </a:ext>
-              </a:extLst>
-            </p:cNvPr>
-            <p:cNvSpPr/>
-            <p:nvPr/>
-          </p:nvSpPr>
-          <p:spPr bwMode="auto">
-            <a:xfrm>
-              <a:off x="4308428" y="3335872"/>
-              <a:ext cx="141500" cy="108012"/>
-            </a:xfrm>
-            <a:prstGeom prst="rect">
-              <a:avLst/>
-            </a:prstGeom>
-            <a:solidFill>
-              <a:srgbClr val="FFFFFF"/>
-            </a:solidFill>
-            <a:ln>
-              <a:noFill/>
-            </a:ln>
-            <a:effectLst/>
-          </p:spPr>
-          <p:txBody>
-            <a:bodyPr wrap="square" lIns="0" tIns="0" rIns="0" bIns="0" rtlCol="0" anchor="ctr">
-              <a:spAutoFit/>
-            </a:bodyPr>
-            <a:lstStyle/>
-            <a:p>
-              <a:pPr marL="361950" indent="-361950" algn="ctr">
-                <a:lnSpc>
-                  <a:spcPct val="120000"/>
-                </a:lnSpc>
-                <a:spcBef>
-                  <a:spcPts val="1200"/>
-                </a:spcBef>
-                <a:spcAft>
-                  <a:spcPts val="600"/>
-                </a:spcAft>
-                <a:buFont typeface="Wingdings" pitchFamily="2" charset="2"/>
-                <a:buChar char="l"/>
-              </a:pPr>
-              <a:endParaRPr kumimoji="1" lang="ja-JP" altLang="en-US" sz="2000" dirty="0">
-                <a:latin typeface="メイリオ" pitchFamily="50" charset="-128"/>
-                <a:ea typeface="メイリオ" pitchFamily="50" charset="-128"/>
-                <a:cs typeface="メイリオ" pitchFamily="50" charset="-128"/>
-              </a:endParaRPr>
-            </a:p>
-          </p:txBody>
-        </p:sp>
-        <p:sp>
-          <p:nvSpPr>
-            <p:cNvPr id="14" name="正方形/長方形 13">
-              <a:extLst>
-                <a:ext uri="{FF2B5EF4-FFF2-40B4-BE49-F238E27FC236}">
-                  <a16:creationId xmlns:a16="http://schemas.microsoft.com/office/drawing/2014/main" id="{0AD21C0F-EA8A-8412-D8AD-9B3EC5F9B925}"/>
-                </a:ext>
-              </a:extLst>
-            </p:cNvPr>
-            <p:cNvSpPr/>
-            <p:nvPr/>
-          </p:nvSpPr>
-          <p:spPr bwMode="auto">
-            <a:xfrm>
-              <a:off x="4778087" y="3746748"/>
-              <a:ext cx="141500" cy="108012"/>
-            </a:xfrm>
-            <a:prstGeom prst="rect">
-              <a:avLst/>
-            </a:prstGeom>
-            <a:solidFill>
-              <a:srgbClr val="FFFFFF"/>
-            </a:solidFill>
-            <a:ln>
-              <a:noFill/>
-            </a:ln>
-            <a:effectLst/>
-          </p:spPr>
-          <p:txBody>
-            <a:bodyPr wrap="square" lIns="0" tIns="0" rIns="0" bIns="0" rtlCol="0" anchor="ctr">
-              <a:spAutoFit/>
-            </a:bodyPr>
-            <a:lstStyle/>
-            <a:p>
-              <a:pPr marL="361950" indent="-361950" algn="ctr">
-                <a:lnSpc>
-                  <a:spcPct val="120000"/>
-                </a:lnSpc>
-                <a:spcBef>
-                  <a:spcPts val="1200"/>
-                </a:spcBef>
-                <a:spcAft>
-                  <a:spcPts val="600"/>
-                </a:spcAft>
-                <a:buFont typeface="Wingdings" pitchFamily="2" charset="2"/>
-                <a:buChar char="l"/>
-              </a:pPr>
-              <a:endParaRPr kumimoji="1" lang="ja-JP" altLang="en-US" sz="2000" dirty="0">
-                <a:latin typeface="メイリオ" pitchFamily="50" charset="-128"/>
-                <a:ea typeface="メイリオ" pitchFamily="50" charset="-128"/>
-                <a:cs typeface="メイリオ" pitchFamily="50" charset="-128"/>
-              </a:endParaRPr>
-            </a:p>
-          </p:txBody>
-        </p:sp>
-        <p:sp>
-          <p:nvSpPr>
-            <p:cNvPr id="15" name="正方形/長方形 14">
-              <a:extLst>
-                <a:ext uri="{FF2B5EF4-FFF2-40B4-BE49-F238E27FC236}">
-                  <a16:creationId xmlns:a16="http://schemas.microsoft.com/office/drawing/2014/main" id="{ED470409-ADB9-3737-A911-C645020F202F}"/>
-                </a:ext>
-              </a:extLst>
-            </p:cNvPr>
-            <p:cNvSpPr/>
-            <p:nvPr/>
-          </p:nvSpPr>
-          <p:spPr bwMode="auto">
-            <a:xfrm>
-              <a:off x="5112060" y="2708920"/>
-              <a:ext cx="111389" cy="107591"/>
-            </a:xfrm>
-            <a:prstGeom prst="rect">
-              <a:avLst/>
-            </a:prstGeom>
-            <a:solidFill>
-              <a:srgbClr val="FFFFFF"/>
-            </a:solidFill>
-            <a:ln>
-              <a:noFill/>
-            </a:ln>
-            <a:effectLst/>
-          </p:spPr>
-          <p:txBody>
-            <a:bodyPr wrap="square" lIns="0" tIns="0" rIns="0" bIns="0" rtlCol="0" anchor="ctr">
-              <a:spAutoFit/>
-            </a:bodyPr>
-            <a:lstStyle/>
-            <a:p>
-              <a:pPr marL="361950" indent="-361950" algn="ctr">
-                <a:lnSpc>
-                  <a:spcPct val="120000"/>
-                </a:lnSpc>
-                <a:spcBef>
-                  <a:spcPts val="1200"/>
-                </a:spcBef>
-                <a:spcAft>
-                  <a:spcPts val="600"/>
-                </a:spcAft>
-                <a:buFont typeface="Wingdings" pitchFamily="2" charset="2"/>
-                <a:buChar char="l"/>
-              </a:pPr>
-              <a:endParaRPr kumimoji="1" lang="ja-JP" altLang="en-US" sz="2000" dirty="0">
-                <a:latin typeface="メイリオ" pitchFamily="50" charset="-128"/>
-                <a:ea typeface="メイリオ" pitchFamily="50" charset="-128"/>
-                <a:cs typeface="メイリオ" pitchFamily="50" charset="-128"/>
-              </a:endParaRPr>
-            </a:p>
-          </p:txBody>
-        </p:sp>
-        <p:sp>
-          <p:nvSpPr>
-            <p:cNvPr id="16" name="正方形/長方形 15">
-              <a:extLst>
-                <a:ext uri="{FF2B5EF4-FFF2-40B4-BE49-F238E27FC236}">
-                  <a16:creationId xmlns:a16="http://schemas.microsoft.com/office/drawing/2014/main" id="{A7231ECF-7BE0-741C-DEFB-30713F71860C}"/>
-                </a:ext>
-              </a:extLst>
-            </p:cNvPr>
-            <p:cNvSpPr/>
-            <p:nvPr/>
-          </p:nvSpPr>
-          <p:spPr bwMode="auto">
-            <a:xfrm>
-              <a:off x="5308393" y="3753036"/>
-              <a:ext cx="55695" cy="107591"/>
-            </a:xfrm>
-            <a:prstGeom prst="rect">
-              <a:avLst/>
-            </a:prstGeom>
-            <a:solidFill>
-              <a:srgbClr val="FFFFFF"/>
-            </a:solidFill>
-            <a:ln>
-              <a:noFill/>
-            </a:ln>
-            <a:effectLst/>
-          </p:spPr>
-          <p:txBody>
-            <a:bodyPr wrap="square" lIns="0" tIns="0" rIns="0" bIns="0" rtlCol="0" anchor="ctr">
-              <a:spAutoFit/>
-            </a:bodyPr>
-            <a:lstStyle/>
-            <a:p>
-              <a:pPr marL="361950" indent="-361950" algn="ctr">
-                <a:lnSpc>
-                  <a:spcPct val="120000"/>
-                </a:lnSpc>
-                <a:spcBef>
-                  <a:spcPts val="1200"/>
-                </a:spcBef>
-                <a:spcAft>
-                  <a:spcPts val="600"/>
-                </a:spcAft>
-                <a:buFont typeface="Wingdings" pitchFamily="2" charset="2"/>
-                <a:buChar char="l"/>
-              </a:pPr>
-              <a:endParaRPr kumimoji="1" lang="ja-JP" altLang="en-US" sz="2000" dirty="0">
-                <a:latin typeface="メイリオ" pitchFamily="50" charset="-128"/>
-                <a:ea typeface="メイリオ" pitchFamily="50" charset="-128"/>
-                <a:cs typeface="メイリオ" pitchFamily="50" charset="-128"/>
-              </a:endParaRPr>
-            </a:p>
-          </p:txBody>
-        </p:sp>
-        <p:sp>
-          <p:nvSpPr>
-            <p:cNvPr id="17" name="正方形/長方形 16">
-              <a:extLst>
-                <a:ext uri="{FF2B5EF4-FFF2-40B4-BE49-F238E27FC236}">
-                  <a16:creationId xmlns:a16="http://schemas.microsoft.com/office/drawing/2014/main" id="{8E5F45B0-3C17-639C-8081-FE2C55F186CC}"/>
-                </a:ext>
-              </a:extLst>
-            </p:cNvPr>
-            <p:cNvSpPr/>
-            <p:nvPr/>
-          </p:nvSpPr>
-          <p:spPr bwMode="auto">
-            <a:xfrm>
-              <a:off x="3779912" y="2140600"/>
-              <a:ext cx="108012" cy="147745"/>
-            </a:xfrm>
-            <a:prstGeom prst="rect">
-              <a:avLst/>
-            </a:prstGeom>
-            <a:solidFill>
-              <a:srgbClr val="FFFFFF"/>
-            </a:solidFill>
-            <a:ln>
-              <a:noFill/>
-            </a:ln>
-            <a:effectLst/>
-          </p:spPr>
-          <p:txBody>
-            <a:bodyPr wrap="square" lIns="0" tIns="0" rIns="0" bIns="0" rtlCol="0" anchor="ctr">
-              <a:spAutoFit/>
-            </a:bodyPr>
-            <a:lstStyle/>
-            <a:p>
-              <a:pPr marL="361950" indent="-361950" algn="ctr">
-                <a:lnSpc>
-                  <a:spcPct val="120000"/>
-                </a:lnSpc>
-                <a:spcBef>
-                  <a:spcPts val="1200"/>
-                </a:spcBef>
-                <a:spcAft>
-                  <a:spcPts val="600"/>
-                </a:spcAft>
-                <a:buFont typeface="Wingdings" pitchFamily="2" charset="2"/>
-                <a:buChar char="l"/>
-              </a:pPr>
-              <a:endParaRPr kumimoji="1" lang="ja-JP" altLang="en-US" sz="2000" dirty="0">
-                <a:latin typeface="メイリオ" pitchFamily="50" charset="-128"/>
-                <a:ea typeface="メイリオ" pitchFamily="50" charset="-128"/>
-                <a:cs typeface="メイリオ" pitchFamily="50" charset="-128"/>
-              </a:endParaRPr>
-            </a:p>
-          </p:txBody>
-        </p:sp>
-        <p:sp>
-          <p:nvSpPr>
-            <p:cNvPr id="18" name="正方形/長方形 17">
-              <a:extLst>
-                <a:ext uri="{FF2B5EF4-FFF2-40B4-BE49-F238E27FC236}">
-                  <a16:creationId xmlns:a16="http://schemas.microsoft.com/office/drawing/2014/main" id="{8E6A9ED4-BDFE-8989-F90E-322ED5DE3860}"/>
-                </a:ext>
-              </a:extLst>
-            </p:cNvPr>
-            <p:cNvSpPr/>
-            <p:nvPr/>
-          </p:nvSpPr>
-          <p:spPr bwMode="auto">
-            <a:xfrm>
-              <a:off x="4211961" y="2130422"/>
-              <a:ext cx="108012" cy="105305"/>
-            </a:xfrm>
-            <a:prstGeom prst="rect">
-              <a:avLst/>
-            </a:prstGeom>
-            <a:solidFill>
-              <a:srgbClr val="FFFFFF"/>
-            </a:solidFill>
-            <a:ln>
-              <a:noFill/>
-            </a:ln>
-            <a:effectLst/>
-          </p:spPr>
-          <p:txBody>
-            <a:bodyPr wrap="square" lIns="0" tIns="0" rIns="0" bIns="0" rtlCol="0" anchor="ctr">
-              <a:spAutoFit/>
-            </a:bodyPr>
-            <a:lstStyle/>
-            <a:p>
-              <a:pPr marL="361950" indent="-361950" algn="ctr">
-                <a:lnSpc>
-                  <a:spcPct val="120000"/>
-                </a:lnSpc>
-                <a:spcBef>
-                  <a:spcPts val="1200"/>
-                </a:spcBef>
-                <a:spcAft>
-                  <a:spcPts val="600"/>
-                </a:spcAft>
-                <a:buFont typeface="Wingdings" pitchFamily="2" charset="2"/>
-                <a:buChar char="l"/>
-              </a:pPr>
-              <a:endParaRPr kumimoji="1" lang="ja-JP" altLang="en-US" sz="2000" dirty="0">
-                <a:latin typeface="メイリオ" pitchFamily="50" charset="-128"/>
-                <a:ea typeface="メイリオ" pitchFamily="50" charset="-128"/>
-                <a:cs typeface="メイリオ" pitchFamily="50" charset="-128"/>
-              </a:endParaRPr>
-            </a:p>
-          </p:txBody>
-        </p:sp>
-        <p:sp>
-          <p:nvSpPr>
-            <p:cNvPr id="19" name="正方形/長方形 18">
-              <a:extLst>
-                <a:ext uri="{FF2B5EF4-FFF2-40B4-BE49-F238E27FC236}">
-                  <a16:creationId xmlns:a16="http://schemas.microsoft.com/office/drawing/2014/main" id="{4EF6C8F4-B5F6-D5CA-5077-EDA06BC05979}"/>
-                </a:ext>
-              </a:extLst>
-            </p:cNvPr>
-            <p:cNvSpPr/>
-            <p:nvPr/>
-          </p:nvSpPr>
-          <p:spPr bwMode="auto">
-            <a:xfrm>
-              <a:off x="3703206" y="2915058"/>
-              <a:ext cx="153411" cy="108011"/>
-            </a:xfrm>
-            <a:prstGeom prst="rect">
-              <a:avLst/>
-            </a:prstGeom>
-            <a:solidFill>
-              <a:srgbClr val="D9D4AD"/>
-            </a:solidFill>
-            <a:ln>
-              <a:noFill/>
-            </a:ln>
-            <a:effectLst/>
-          </p:spPr>
-          <p:txBody>
-            <a:bodyPr wrap="square" lIns="0" tIns="0" rIns="0" bIns="0" rtlCol="0" anchor="ctr">
-              <a:spAutoFit/>
-            </a:bodyPr>
-            <a:lstStyle/>
-            <a:p>
-              <a:pPr marL="361950" indent="-361950" algn="ctr">
-                <a:lnSpc>
-                  <a:spcPct val="120000"/>
-                </a:lnSpc>
-                <a:spcBef>
-                  <a:spcPts val="1200"/>
-                </a:spcBef>
-                <a:spcAft>
-                  <a:spcPts val="600"/>
-                </a:spcAft>
-                <a:buFont typeface="Wingdings" pitchFamily="2" charset="2"/>
-                <a:buChar char="l"/>
-              </a:pPr>
-              <a:endParaRPr kumimoji="1" lang="ja-JP" altLang="en-US" sz="2000" dirty="0">
-                <a:latin typeface="メイリオ" pitchFamily="50" charset="-128"/>
-                <a:ea typeface="メイリオ" pitchFamily="50" charset="-128"/>
-                <a:cs typeface="メイリオ" pitchFamily="50" charset="-128"/>
-              </a:endParaRPr>
-            </a:p>
-          </p:txBody>
-        </p:sp>
-        <p:sp>
-          <p:nvSpPr>
-            <p:cNvPr id="20" name="正方形/長方形 19">
-              <a:extLst>
-                <a:ext uri="{FF2B5EF4-FFF2-40B4-BE49-F238E27FC236}">
-                  <a16:creationId xmlns:a16="http://schemas.microsoft.com/office/drawing/2014/main" id="{E006A372-03EB-4A10-DA60-3AB1649C1763}"/>
-                </a:ext>
-              </a:extLst>
-            </p:cNvPr>
-            <p:cNvSpPr/>
-            <p:nvPr/>
-          </p:nvSpPr>
-          <p:spPr bwMode="auto">
-            <a:xfrm>
-              <a:off x="4449928" y="3733379"/>
-              <a:ext cx="141500" cy="108012"/>
-            </a:xfrm>
-            <a:prstGeom prst="rect">
-              <a:avLst/>
-            </a:prstGeom>
-            <a:solidFill>
-              <a:srgbClr val="FFFFFF"/>
-            </a:solidFill>
-            <a:ln>
-              <a:noFill/>
-            </a:ln>
-            <a:effectLst/>
-          </p:spPr>
-          <p:txBody>
-            <a:bodyPr wrap="square" lIns="0" tIns="0" rIns="0" bIns="0" rtlCol="0" anchor="ctr">
-              <a:spAutoFit/>
-            </a:bodyPr>
-            <a:lstStyle/>
-            <a:p>
-              <a:pPr marL="361950" indent="-361950" algn="ctr">
-                <a:lnSpc>
-                  <a:spcPct val="120000"/>
-                </a:lnSpc>
-                <a:spcBef>
-                  <a:spcPts val="1200"/>
-                </a:spcBef>
-                <a:spcAft>
-                  <a:spcPts val="600"/>
-                </a:spcAft>
-                <a:buFont typeface="Wingdings" pitchFamily="2" charset="2"/>
-                <a:buChar char="l"/>
-              </a:pPr>
-              <a:endParaRPr kumimoji="1" lang="ja-JP" altLang="en-US" sz="2000" dirty="0">
-                <a:latin typeface="メイリオ" pitchFamily="50" charset="-128"/>
-                <a:ea typeface="メイリオ" pitchFamily="50" charset="-128"/>
-                <a:cs typeface="メイリオ" pitchFamily="50" charset="-128"/>
-              </a:endParaRPr>
-            </a:p>
-          </p:txBody>
-        </p:sp>
-        <p:sp>
-          <p:nvSpPr>
-            <p:cNvPr id="21" name="正方形/長方形 20">
-              <a:extLst>
-                <a:ext uri="{FF2B5EF4-FFF2-40B4-BE49-F238E27FC236}">
-                  <a16:creationId xmlns:a16="http://schemas.microsoft.com/office/drawing/2014/main" id="{E9103042-C349-5A82-D257-5B8D475B93E8}"/>
-                </a:ext>
-              </a:extLst>
-            </p:cNvPr>
-            <p:cNvSpPr/>
-            <p:nvPr/>
-          </p:nvSpPr>
-          <p:spPr bwMode="auto">
-            <a:xfrm>
-              <a:off x="3383868" y="2925727"/>
-              <a:ext cx="90410" cy="467269"/>
-            </a:xfrm>
-            <a:prstGeom prst="rect">
-              <a:avLst/>
-            </a:prstGeom>
-            <a:solidFill>
-              <a:srgbClr val="E8F0F3"/>
-            </a:solidFill>
-            <a:ln>
-              <a:noFill/>
-            </a:ln>
-            <a:effectLst/>
-          </p:spPr>
-          <p:txBody>
-            <a:bodyPr wrap="square" lIns="0" tIns="0" rIns="0" bIns="0" rtlCol="0" anchor="ctr">
-              <a:spAutoFit/>
-            </a:bodyPr>
-            <a:lstStyle/>
-            <a:p>
-              <a:pPr marL="361950" indent="-361950" algn="ctr">
-                <a:lnSpc>
-                  <a:spcPct val="120000"/>
-                </a:lnSpc>
-                <a:spcBef>
-                  <a:spcPts val="1200"/>
-                </a:spcBef>
-                <a:spcAft>
-                  <a:spcPts val="600"/>
-                </a:spcAft>
-                <a:buFont typeface="Wingdings" pitchFamily="2" charset="2"/>
-                <a:buChar char="l"/>
-              </a:pPr>
-              <a:endParaRPr kumimoji="1" lang="ja-JP" altLang="en-US" sz="2000" dirty="0">
-                <a:latin typeface="メイリオ" pitchFamily="50" charset="-128"/>
-                <a:ea typeface="メイリオ" pitchFamily="50" charset="-128"/>
-                <a:cs typeface="メイリオ" pitchFamily="50" charset="-128"/>
-              </a:endParaRPr>
-            </a:p>
-          </p:txBody>
-        </p:sp>
-        <p:sp>
-          <p:nvSpPr>
-            <p:cNvPr id="22" name="矢印: 右 21">
-              <a:extLst>
-                <a:ext uri="{FF2B5EF4-FFF2-40B4-BE49-F238E27FC236}">
-                  <a16:creationId xmlns:a16="http://schemas.microsoft.com/office/drawing/2014/main" id="{244541A7-4FEF-5492-EFF7-262833373A02}"/>
-                </a:ext>
-              </a:extLst>
-            </p:cNvPr>
-            <p:cNvSpPr/>
-            <p:nvPr/>
-          </p:nvSpPr>
-          <p:spPr bwMode="auto">
-            <a:xfrm>
-              <a:off x="5313607" y="3214456"/>
-              <a:ext cx="295957" cy="242832"/>
-            </a:xfrm>
-            <a:prstGeom prst="rightArrow">
-              <a:avLst/>
-            </a:prstGeom>
-            <a:solidFill>
-              <a:srgbClr val="92D050"/>
-            </a:solidFill>
-            <a:ln>
-              <a:noFill/>
-            </a:ln>
-            <a:effectLst/>
-          </p:spPr>
-          <p:txBody>
-            <a:bodyPr wrap="square" lIns="0" tIns="0" rIns="0" bIns="0" rtlCol="0" anchor="ctr">
-              <a:spAutoFit/>
-            </a:bodyPr>
-            <a:lstStyle/>
-            <a:p>
-              <a:pPr marL="361950" indent="-361950" algn="ctr">
-                <a:lnSpc>
-                  <a:spcPct val="120000"/>
-                </a:lnSpc>
-                <a:spcBef>
-                  <a:spcPts val="1200"/>
-                </a:spcBef>
-                <a:spcAft>
-                  <a:spcPts val="600"/>
-                </a:spcAft>
-                <a:buFont typeface="Wingdings" pitchFamily="2" charset="2"/>
-                <a:buChar char="l"/>
-              </a:pPr>
-              <a:endParaRPr kumimoji="1" lang="ja-JP" altLang="en-US" sz="2000" dirty="0">
-                <a:latin typeface="メイリオ" pitchFamily="50" charset="-128"/>
-                <a:ea typeface="メイリオ" pitchFamily="50" charset="-128"/>
-                <a:cs typeface="メイリオ" pitchFamily="50" charset="-128"/>
-              </a:endParaRPr>
-            </a:p>
-          </p:txBody>
-        </p:sp>
-        <p:sp>
-          <p:nvSpPr>
-            <p:cNvPr id="23" name="テキスト ボックス 22">
-              <a:extLst>
-                <a:ext uri="{FF2B5EF4-FFF2-40B4-BE49-F238E27FC236}">
-                  <a16:creationId xmlns:a16="http://schemas.microsoft.com/office/drawing/2014/main" id="{C273C0A4-7FAC-83C4-1057-B8C1B104E3CA}"/>
-                </a:ext>
-              </a:extLst>
-            </p:cNvPr>
-            <p:cNvSpPr txBox="1"/>
-            <p:nvPr/>
-          </p:nvSpPr>
-          <p:spPr>
-            <a:xfrm>
-              <a:off x="5308393" y="2818924"/>
-              <a:ext cx="703767" cy="453970"/>
-            </a:xfrm>
-            <a:prstGeom prst="rect">
-              <a:avLst/>
-            </a:prstGeom>
-            <a:noFill/>
-          </p:spPr>
-          <p:txBody>
-            <a:bodyPr wrap="square" rtlCol="0">
-              <a:spAutoFit/>
-            </a:bodyPr>
-            <a:lstStyle/>
-            <a:p>
-              <a:pPr algn="ctr">
-                <a:lnSpc>
-                  <a:spcPct val="120000"/>
-                </a:lnSpc>
-              </a:pPr>
-              <a:r>
-                <a:rPr lang="ja-JP" altLang="en-US" sz="1000" dirty="0"/>
-                <a:t>キッチン</a:t>
-              </a:r>
-              <a:endParaRPr lang="en-US" altLang="ja-JP" sz="1000" dirty="0"/>
-            </a:p>
-            <a:p>
-              <a:pPr algn="ctr">
-                <a:lnSpc>
-                  <a:spcPct val="120000"/>
-                </a:lnSpc>
-              </a:pPr>
-              <a:r>
-                <a:rPr lang="ja-JP" altLang="en-US" sz="1000" dirty="0"/>
-                <a:t>ルーム</a:t>
-              </a:r>
-              <a:endParaRPr kumimoji="1" lang="ja-JP" altLang="en-US" sz="1000" dirty="0"/>
-            </a:p>
-          </p:txBody>
-        </p:sp>
-        <p:sp>
-          <p:nvSpPr>
-            <p:cNvPr id="24" name="テキスト ボックス 23">
-              <a:extLst>
-                <a:ext uri="{FF2B5EF4-FFF2-40B4-BE49-F238E27FC236}">
-                  <a16:creationId xmlns:a16="http://schemas.microsoft.com/office/drawing/2014/main" id="{0A4BFE9C-F67F-6E2E-F4DD-2B7207DEE496}"/>
-                </a:ext>
-              </a:extLst>
-            </p:cNvPr>
-            <p:cNvSpPr txBox="1"/>
-            <p:nvPr/>
-          </p:nvSpPr>
-          <p:spPr>
-            <a:xfrm>
-              <a:off x="4600974" y="1865895"/>
-              <a:ext cx="1082348" cy="269304"/>
-            </a:xfrm>
-            <a:prstGeom prst="rect">
-              <a:avLst/>
-            </a:prstGeom>
-            <a:noFill/>
-          </p:spPr>
-          <p:txBody>
-            <a:bodyPr wrap="square" rtlCol="0">
-              <a:spAutoFit/>
-            </a:bodyPr>
-            <a:lstStyle/>
-            <a:p>
-              <a:pPr>
-                <a:lnSpc>
-                  <a:spcPct val="120000"/>
-                </a:lnSpc>
-              </a:pPr>
-              <a:r>
-                <a:rPr lang="ja-JP" altLang="en-US" sz="1000" dirty="0"/>
-                <a:t>オフィスルーム</a:t>
-              </a:r>
-              <a:endParaRPr kumimoji="1" lang="ja-JP" altLang="en-US" sz="1000" dirty="0"/>
-            </a:p>
-          </p:txBody>
-        </p:sp>
-        <p:sp>
-          <p:nvSpPr>
-            <p:cNvPr id="25" name="矢印: 右 24">
-              <a:extLst>
-                <a:ext uri="{FF2B5EF4-FFF2-40B4-BE49-F238E27FC236}">
-                  <a16:creationId xmlns:a16="http://schemas.microsoft.com/office/drawing/2014/main" id="{0CE46B07-4820-0EC8-6FEE-A26FDDF333A5}"/>
-                </a:ext>
-              </a:extLst>
-            </p:cNvPr>
-            <p:cNvSpPr/>
-            <p:nvPr/>
-          </p:nvSpPr>
-          <p:spPr bwMode="auto">
-            <a:xfrm rot="16200000">
-              <a:off x="4424759" y="2010788"/>
-              <a:ext cx="295957" cy="242832"/>
-            </a:xfrm>
-            <a:prstGeom prst="rightArrow">
-              <a:avLst/>
-            </a:prstGeom>
-            <a:solidFill>
-              <a:srgbClr val="92D050"/>
-            </a:solidFill>
-            <a:ln>
-              <a:noFill/>
-            </a:ln>
-            <a:effectLst/>
-          </p:spPr>
-          <p:txBody>
-            <a:bodyPr wrap="square" lIns="0" tIns="0" rIns="0" bIns="0" rtlCol="0" anchor="ctr">
-              <a:spAutoFit/>
-            </a:bodyPr>
-            <a:lstStyle/>
-            <a:p>
-              <a:pPr marL="361950" indent="-361950" algn="ctr">
-                <a:lnSpc>
-                  <a:spcPct val="120000"/>
-                </a:lnSpc>
-                <a:spcBef>
-                  <a:spcPts val="1200"/>
-                </a:spcBef>
-                <a:spcAft>
-                  <a:spcPts val="600"/>
-                </a:spcAft>
-                <a:buFont typeface="Wingdings" pitchFamily="2" charset="2"/>
-                <a:buChar char="l"/>
-              </a:pPr>
-              <a:endParaRPr kumimoji="1" lang="ja-JP" altLang="en-US" sz="2000" dirty="0">
-                <a:latin typeface="メイリオ" pitchFamily="50" charset="-128"/>
-                <a:ea typeface="メイリオ" pitchFamily="50" charset="-128"/>
-                <a:cs typeface="メイリオ" pitchFamily="50" charset="-128"/>
-              </a:endParaRPr>
-            </a:p>
-          </p:txBody>
-        </p:sp>
-        <p:sp>
-          <p:nvSpPr>
-            <p:cNvPr id="27" name="テキスト ボックス 26">
-              <a:extLst>
-                <a:ext uri="{FF2B5EF4-FFF2-40B4-BE49-F238E27FC236}">
-                  <a16:creationId xmlns:a16="http://schemas.microsoft.com/office/drawing/2014/main" id="{0E9606E8-5719-73C9-BE1F-4BF9DF8CA283}"/>
-                </a:ext>
-              </a:extLst>
-            </p:cNvPr>
-            <p:cNvSpPr txBox="1"/>
-            <p:nvPr/>
-          </p:nvSpPr>
-          <p:spPr>
-            <a:xfrm>
-              <a:off x="3678498" y="3441977"/>
-              <a:ext cx="592640" cy="233910"/>
-            </a:xfrm>
-            <a:prstGeom prst="rect">
-              <a:avLst/>
-            </a:prstGeom>
-            <a:noFill/>
-          </p:spPr>
-          <p:txBody>
-            <a:bodyPr wrap="square" rtlCol="0">
-              <a:spAutoFit/>
-            </a:bodyPr>
-            <a:lstStyle/>
-            <a:p>
-              <a:pPr>
-                <a:lnSpc>
-                  <a:spcPct val="120000"/>
-                </a:lnSpc>
-              </a:pPr>
-              <a:r>
-                <a:rPr lang="ja-JP" altLang="en-US" sz="800" dirty="0"/>
-                <a:t>ソファ</a:t>
-              </a:r>
-              <a:endParaRPr kumimoji="1" lang="ja-JP" altLang="en-US" sz="800" dirty="0"/>
-            </a:p>
-          </p:txBody>
-        </p:sp>
-        <p:cxnSp>
-          <p:nvCxnSpPr>
-            <p:cNvPr id="29" name="直線矢印コネクタ 28">
-              <a:extLst>
-                <a:ext uri="{FF2B5EF4-FFF2-40B4-BE49-F238E27FC236}">
-                  <a16:creationId xmlns:a16="http://schemas.microsoft.com/office/drawing/2014/main" id="{28C6D779-0364-FBD9-1C28-70ECA2926576}"/>
-                </a:ext>
-              </a:extLst>
-            </p:cNvPr>
-            <p:cNvCxnSpPr>
-              <a:cxnSpLocks/>
-              <a:endCxn id="14" idx="0"/>
-            </p:cNvCxnSpPr>
-            <p:nvPr/>
-          </p:nvCxnSpPr>
-          <p:spPr>
-            <a:xfrm flipH="1">
-              <a:off x="4848837" y="3429000"/>
-              <a:ext cx="83203" cy="317748"/>
-            </a:xfrm>
-            <a:prstGeom prst="straightConnector1">
-              <a:avLst/>
-            </a:prstGeom>
-            <a:ln>
-              <a:tailEnd type="triangle"/>
-            </a:ln>
-          </p:spPr>
-          <p:style>
-            <a:lnRef idx="1">
-              <a:schemeClr val="accent1"/>
-            </a:lnRef>
-            <a:fillRef idx="0">
-              <a:schemeClr val="accent1"/>
-            </a:fillRef>
-            <a:effectRef idx="0">
-              <a:schemeClr val="accent1"/>
-            </a:effectRef>
-            <a:fontRef idx="minor">
-              <a:schemeClr val="tx1"/>
-            </a:fontRef>
-          </p:style>
-        </p:cxnSp>
-        <p:cxnSp>
-          <p:nvCxnSpPr>
-            <p:cNvPr id="31" name="直線矢印コネクタ 30">
-              <a:extLst>
-                <a:ext uri="{FF2B5EF4-FFF2-40B4-BE49-F238E27FC236}">
-                  <a16:creationId xmlns:a16="http://schemas.microsoft.com/office/drawing/2014/main" id="{E7378E35-FE64-5BF3-D88D-D29815E8993F}"/>
-                </a:ext>
-              </a:extLst>
-            </p:cNvPr>
-            <p:cNvCxnSpPr>
-              <a:cxnSpLocks/>
-              <a:stCxn id="7" idx="2"/>
-              <a:endCxn id="13" idx="3"/>
-            </p:cNvCxnSpPr>
-            <p:nvPr/>
-          </p:nvCxnSpPr>
-          <p:spPr>
-            <a:xfrm flipH="1">
-              <a:off x="4449928" y="3356992"/>
-              <a:ext cx="302092" cy="32886"/>
-            </a:xfrm>
-            <a:prstGeom prst="straightConnector1">
-              <a:avLst/>
-            </a:prstGeom>
-            <a:ln>
-              <a:tailEnd type="triangle"/>
-            </a:ln>
-          </p:spPr>
-          <p:style>
-            <a:lnRef idx="1">
-              <a:schemeClr val="accent1"/>
-            </a:lnRef>
-            <a:fillRef idx="0">
-              <a:schemeClr val="accent1"/>
-            </a:fillRef>
-            <a:effectRef idx="0">
-              <a:schemeClr val="accent1"/>
-            </a:effectRef>
-            <a:fontRef idx="minor">
-              <a:schemeClr val="tx1"/>
-            </a:fontRef>
-          </p:style>
-        </p:cxnSp>
-        <p:sp>
-          <p:nvSpPr>
-            <p:cNvPr id="50" name="正方形/長方形 49">
-              <a:extLst>
-                <a:ext uri="{FF2B5EF4-FFF2-40B4-BE49-F238E27FC236}">
-                  <a16:creationId xmlns:a16="http://schemas.microsoft.com/office/drawing/2014/main" id="{52D4BA4E-E3EA-4C5C-AA3E-B76C5897DB38}"/>
-                </a:ext>
-              </a:extLst>
-            </p:cNvPr>
-            <p:cNvSpPr/>
-            <p:nvPr/>
-          </p:nvSpPr>
-          <p:spPr bwMode="auto">
-            <a:xfrm>
-              <a:off x="2879812" y="3002178"/>
-              <a:ext cx="432048" cy="181500"/>
-            </a:xfrm>
-            <a:prstGeom prst="rect">
-              <a:avLst/>
-            </a:prstGeom>
-            <a:noFill/>
-            <a:ln>
-              <a:noFill/>
-            </a:ln>
-            <a:effectLst/>
-          </p:spPr>
-          <p:txBody>
-            <a:bodyPr wrap="square" lIns="0" tIns="0" rIns="0" bIns="0" rtlCol="0" anchor="ctr">
-              <a:spAutoFit/>
-            </a:bodyPr>
-            <a:lstStyle/>
-            <a:p>
-              <a:pPr marL="361950" indent="-361950" algn="ctr">
-                <a:lnSpc>
-                  <a:spcPct val="120000"/>
-                </a:lnSpc>
-                <a:spcBef>
-                  <a:spcPts val="1200"/>
-                </a:spcBef>
-                <a:spcAft>
-                  <a:spcPts val="600"/>
-                </a:spcAft>
-                <a:buFont typeface="Wingdings" pitchFamily="2" charset="2"/>
-                <a:buChar char="l"/>
-              </a:pPr>
-              <a:endParaRPr kumimoji="1" lang="ja-JP" altLang="en-US" sz="2000" dirty="0">
-                <a:latin typeface="メイリオ" pitchFamily="50" charset="-128"/>
-                <a:ea typeface="メイリオ" pitchFamily="50" charset="-128"/>
-                <a:cs typeface="メイリオ" pitchFamily="50" charset="-128"/>
-              </a:endParaRPr>
-            </a:p>
-          </p:txBody>
-        </p:sp>
-      </p:grpSp>
-    </p:spTree>
-    <p:extLst>
-      <p:ext uri="{BB962C8B-B14F-4D97-AF65-F5344CB8AC3E}">
-        <p14:creationId xmlns:p14="http://schemas.microsoft.com/office/powerpoint/2010/main" val="3156643427"/>
       </p:ext>
     </p:extLst>
   </p:cSld>
